--- a/presentations/project.pptx
+++ b/presentations/project.pptx
@@ -5,23 +5,25 @@
     <p:sldMasterId id="2147483648" r:id="rId1"/>
   </p:sldMasterIdLst>
   <p:notesMasterIdLst>
-    <p:notesMasterId r:id="rId16"/>
+    <p:notesMasterId r:id="rId18"/>
   </p:notesMasterIdLst>
   <p:sldIdLst>
     <p:sldId id="256" r:id="rId2"/>
     <p:sldId id="257" r:id="rId3"/>
-    <p:sldId id="267" r:id="rId4"/>
-    <p:sldId id="266" r:id="rId5"/>
-    <p:sldId id="259" r:id="rId6"/>
-    <p:sldId id="268" r:id="rId7"/>
-    <p:sldId id="264" r:id="rId8"/>
-    <p:sldId id="261" r:id="rId9"/>
-    <p:sldId id="270" r:id="rId10"/>
-    <p:sldId id="271" r:id="rId11"/>
-    <p:sldId id="272" r:id="rId12"/>
-    <p:sldId id="269" r:id="rId13"/>
-    <p:sldId id="262" r:id="rId14"/>
-    <p:sldId id="265" r:id="rId15"/>
+    <p:sldId id="259" r:id="rId4"/>
+    <p:sldId id="268" r:id="rId5"/>
+    <p:sldId id="264" r:id="rId6"/>
+    <p:sldId id="261" r:id="rId7"/>
+    <p:sldId id="270" r:id="rId8"/>
+    <p:sldId id="271" r:id="rId9"/>
+    <p:sldId id="272" r:id="rId10"/>
+    <p:sldId id="269" r:id="rId11"/>
+    <p:sldId id="273" r:id="rId12"/>
+    <p:sldId id="262" r:id="rId13"/>
+    <p:sldId id="265" r:id="rId14"/>
+    <p:sldId id="274" r:id="rId15"/>
+    <p:sldId id="275" r:id="rId16"/>
+    <p:sldId id="276" r:id="rId17"/>
   </p:sldIdLst>
   <p:sldSz cx="9144000" cy="6858000" type="screen4x3"/>
   <p:notesSz cx="6858000" cy="9144000"/>
@@ -205,7 +207,7 @@
           <a:p>
             <a:fld id="{9CAAEC4D-3F94-9C4C-8C1A-407AA1D43D2C}" type="datetimeFigureOut">
               <a:rPr lang="en-US" smtClean="0"/>
-              <a:t>11/29/2014</a:t>
+              <a:t>11/30/2014</a:t>
             </a:fld>
             <a:endParaRPr lang="en-US"/>
           </a:p>
@@ -704,7 +706,7 @@
           <a:p>
             <a:fld id="{1816B7AE-A9D1-4F45-AA7C-31B94AAFC4DD}" type="slidenum">
               <a:rPr lang="en-US" smtClean="0"/>
-              <a:t>3</a:t>
+              <a:t>15</a:t>
             </a:fld>
             <a:endParaRPr lang="en-US"/>
           </a:p>
@@ -851,7 +853,7 @@
           <a:p>
             <a:fld id="{1816B7AE-A9D1-4F45-AA7C-31B94AAFC4DD}" type="slidenum">
               <a:rPr lang="en-US" smtClean="0"/>
-              <a:t>4</a:t>
+              <a:t>16</a:t>
             </a:fld>
             <a:endParaRPr lang="en-US"/>
           </a:p>
@@ -1051,7 +1053,7 @@
           <a:p>
             <a:fld id="{0D84C232-1D61-0344-9E0E-D16214578882}" type="datetimeFigureOut">
               <a:rPr lang="en-US" smtClean="0"/>
-              <a:t>11/29/2014</a:t>
+              <a:t>11/30/2014</a:t>
             </a:fld>
             <a:endParaRPr lang="en-US"/>
           </a:p>
@@ -1221,7 +1223,7 @@
           <a:p>
             <a:fld id="{0D84C232-1D61-0344-9E0E-D16214578882}" type="datetimeFigureOut">
               <a:rPr lang="en-US" smtClean="0"/>
-              <a:t>11/29/2014</a:t>
+              <a:t>11/30/2014</a:t>
             </a:fld>
             <a:endParaRPr lang="en-US"/>
           </a:p>
@@ -1401,7 +1403,7 @@
           <a:p>
             <a:fld id="{0D84C232-1D61-0344-9E0E-D16214578882}" type="datetimeFigureOut">
               <a:rPr lang="en-US" smtClean="0"/>
-              <a:t>11/29/2014</a:t>
+              <a:t>11/30/2014</a:t>
             </a:fld>
             <a:endParaRPr lang="en-US"/>
           </a:p>
@@ -1571,7 +1573,7 @@
           <a:p>
             <a:fld id="{0D84C232-1D61-0344-9E0E-D16214578882}" type="datetimeFigureOut">
               <a:rPr lang="en-US" smtClean="0"/>
-              <a:t>11/29/2014</a:t>
+              <a:t>11/30/2014</a:t>
             </a:fld>
             <a:endParaRPr lang="en-US"/>
           </a:p>
@@ -1817,7 +1819,7 @@
           <a:p>
             <a:fld id="{0D84C232-1D61-0344-9E0E-D16214578882}" type="datetimeFigureOut">
               <a:rPr lang="en-US" smtClean="0"/>
-              <a:t>11/29/2014</a:t>
+              <a:t>11/30/2014</a:t>
             </a:fld>
             <a:endParaRPr lang="en-US"/>
           </a:p>
@@ -2105,7 +2107,7 @@
           <a:p>
             <a:fld id="{0D84C232-1D61-0344-9E0E-D16214578882}" type="datetimeFigureOut">
               <a:rPr lang="en-US" smtClean="0"/>
-              <a:t>11/29/2014</a:t>
+              <a:t>11/30/2014</a:t>
             </a:fld>
             <a:endParaRPr lang="en-US"/>
           </a:p>
@@ -2527,7 +2529,7 @@
           <a:p>
             <a:fld id="{0D84C232-1D61-0344-9E0E-D16214578882}" type="datetimeFigureOut">
               <a:rPr lang="en-US" smtClean="0"/>
-              <a:t>11/29/2014</a:t>
+              <a:t>11/30/2014</a:t>
             </a:fld>
             <a:endParaRPr lang="en-US"/>
           </a:p>
@@ -2645,7 +2647,7 @@
           <a:p>
             <a:fld id="{0D84C232-1D61-0344-9E0E-D16214578882}" type="datetimeFigureOut">
               <a:rPr lang="en-US" smtClean="0"/>
-              <a:t>11/29/2014</a:t>
+              <a:t>11/30/2014</a:t>
             </a:fld>
             <a:endParaRPr lang="en-US"/>
           </a:p>
@@ -2740,7 +2742,7 @@
           <a:p>
             <a:fld id="{0D84C232-1D61-0344-9E0E-D16214578882}" type="datetimeFigureOut">
               <a:rPr lang="en-US" smtClean="0"/>
-              <a:t>11/29/2014</a:t>
+              <a:t>11/30/2014</a:t>
             </a:fld>
             <a:endParaRPr lang="en-US"/>
           </a:p>
@@ -3017,7 +3019,7 @@
           <a:p>
             <a:fld id="{0D84C232-1D61-0344-9E0E-D16214578882}" type="datetimeFigureOut">
               <a:rPr lang="en-US" smtClean="0"/>
-              <a:t>11/29/2014</a:t>
+              <a:t>11/30/2014</a:t>
             </a:fld>
             <a:endParaRPr lang="en-US"/>
           </a:p>
@@ -3270,7 +3272,7 @@
           <a:p>
             <a:fld id="{0D84C232-1D61-0344-9E0E-D16214578882}" type="datetimeFigureOut">
               <a:rPr lang="en-US" smtClean="0"/>
-              <a:t>11/29/2014</a:t>
+              <a:t>11/30/2014</a:t>
             </a:fld>
             <a:endParaRPr lang="en-US"/>
           </a:p>
@@ -3483,7 +3485,7 @@
           <a:p>
             <a:fld id="{0D84C232-1D61-0344-9E0E-D16214578882}" type="datetimeFigureOut">
               <a:rPr lang="en-US" smtClean="0"/>
-              <a:t>11/29/2014</a:t>
+              <a:t>11/30/2014</a:t>
             </a:fld>
             <a:endParaRPr lang="en-US"/>
           </a:p>
@@ -3958,11 +3960,7 @@
           <a:p>
             <a:r>
               <a:rPr lang="en-US" dirty="0" smtClean="0"/>
-              <a:t>Classification</a:t>
-            </a:r>
-            <a:r>
-              <a:rPr lang="en-US" baseline="0" dirty="0" smtClean="0"/>
-              <a:t> Models</a:t>
+              <a:t>Implemented Methods</a:t>
             </a:r>
             <a:endParaRPr lang="en-US" dirty="0"/>
           </a:p>
@@ -3983,14 +3981,56 @@
           <a:bodyPr/>
           <a:lstStyle/>
           <a:p>
-            <a:endParaRPr lang="en-US"/>
+            <a:r>
+              <a:rPr lang="en-US" dirty="0" smtClean="0"/>
+              <a:t>Random sampling</a:t>
+            </a:r>
+          </a:p>
+          <a:p>
+            <a:pPr lvl="1"/>
+            <a:r>
+              <a:rPr lang="en-US" dirty="0" smtClean="0"/>
+              <a:t>Select the first tweet</a:t>
+            </a:r>
+          </a:p>
+          <a:p>
+            <a:pPr lvl="1"/>
+            <a:r>
+              <a:rPr lang="en-US" dirty="0" smtClean="0"/>
+              <a:t>Select a random </a:t>
+            </a:r>
+            <a:r>
+              <a:rPr lang="en-US" dirty="0" smtClean="0"/>
+              <a:t>tweet</a:t>
+            </a:r>
+          </a:p>
+          <a:p>
+            <a:r>
+              <a:rPr lang="en-US" dirty="0" smtClean="0"/>
+              <a:t>Uncertainty sampling</a:t>
+            </a:r>
+          </a:p>
+          <a:p>
+            <a:pPr lvl="1"/>
+            <a:r>
+              <a:rPr lang="en-US" dirty="0" smtClean="0"/>
+              <a:t>Select first tweet</a:t>
+            </a:r>
+          </a:p>
+          <a:p>
+            <a:pPr lvl="1"/>
+            <a:r>
+              <a:rPr lang="en-US" dirty="0" smtClean="0"/>
+              <a:t>Select most important tweet</a:t>
+            </a:r>
+            <a:endParaRPr lang="en-US" dirty="0"/>
           </a:p>
         </p:txBody>
       </p:sp>
     </p:spTree>
     <p:extLst>
       <p:ext uri="{BB962C8B-B14F-4D97-AF65-F5344CB8AC3E}">
-        <p14:creationId xmlns:p14="http://schemas.microsoft.com/office/powerpoint/2010/main" val="816688606"/>
+        <p14:creationId xmlns:p14="http://schemas.microsoft.com/office/powerpoint/2010/main" val="4203423945"/>
       </p:ext>
     </p:extLst>
   </p:cSld>
@@ -4034,35 +4074,63 @@
           <a:p>
             <a:r>
               <a:rPr lang="en-US" dirty="0" smtClean="0"/>
-              <a:t>Preprocessing</a:t>
+              <a:t>Results – </a:t>
+            </a:r>
+            <a:r>
+              <a:rPr lang="en-US" smtClean="0"/>
+              <a:t>Oracle Accuracy</a:t>
             </a:r>
             <a:endParaRPr lang="en-US" dirty="0"/>
           </a:p>
         </p:txBody>
       </p:sp>
-      <p:sp>
-        <p:nvSpPr>
-          <p:cNvPr id="3" name="Content Placeholder 2"/>
-          <p:cNvSpPr>
-            <a:spLocks noGrp="1"/>
-          </p:cNvSpPr>
+      <p:pic>
+        <p:nvPicPr>
+          <p:cNvPr id="1026" name="Picture 2" descr="C:\cygwin\home\mramire8\python_code\aal_misc\samples\minitests\twitter-classifiersaccuracy.png"/>
+          <p:cNvPicPr>
+            <a:picLocks noGrp="1" noChangeAspect="1" noChangeArrowheads="1"/>
+          </p:cNvPicPr>
           <p:nvPr>
             <p:ph idx="1"/>
           </p:nvPr>
-        </p:nvSpPr>
-        <p:spPr/>
-        <p:txBody>
-          <a:bodyPr/>
-          <a:lstStyle/>
-          <a:p>
-            <a:endParaRPr lang="en-US"/>
-          </a:p>
-        </p:txBody>
-      </p:sp>
+        </p:nvPicPr>
+        <p:blipFill>
+          <a:blip r:embed="rId2">
+            <a:extLst>
+              <a:ext uri="{28A0092B-C50C-407E-A947-70E740481C1C}">
+                <a14:useLocalDpi xmlns:a14="http://schemas.microsoft.com/office/drawing/2010/main" val="0"/>
+              </a:ext>
+            </a:extLst>
+          </a:blip>
+          <a:srcRect/>
+          <a:stretch>
+            <a:fillRect/>
+          </a:stretch>
+        </p:blipFill>
+        <p:spPr bwMode="auto">
+          <a:xfrm>
+            <a:off x="772785" y="1600200"/>
+            <a:ext cx="7598429" cy="4525963"/>
+          </a:xfrm>
+          <a:prstGeom prst="rect">
+            <a:avLst/>
+          </a:prstGeom>
+          <a:noFill/>
+          <a:extLst>
+            <a:ext uri="{909E8E84-426E-40DD-AFC4-6F175D3DCCD1}">
+              <a14:hiddenFill xmlns:a14="http://schemas.microsoft.com/office/drawing/2010/main">
+                <a:solidFill>
+                  <a:srgbClr val="FFFFFF"/>
+                </a:solidFill>
+              </a14:hiddenFill>
+            </a:ext>
+          </a:extLst>
+        </p:spPr>
+      </p:pic>
     </p:spTree>
     <p:extLst>
       <p:ext uri="{BB962C8B-B14F-4D97-AF65-F5344CB8AC3E}">
-        <p14:creationId xmlns:p14="http://schemas.microsoft.com/office/powerpoint/2010/main" val="827736869"/>
+        <p14:creationId xmlns:p14="http://schemas.microsoft.com/office/powerpoint/2010/main" val="1568760490"/>
       </p:ext>
     </p:extLst>
   </p:cSld>
@@ -4101,12 +4169,14 @@
         </p:nvSpPr>
         <p:spPr/>
         <p:txBody>
-          <a:bodyPr/>
-          <a:lstStyle/>
-          <a:p>
-            <a:r>
-              <a:rPr lang="en-US" dirty="0" smtClean="0"/>
-              <a:t>Implemented Methods</a:t>
+          <a:bodyPr>
+            <a:normAutofit/>
+          </a:bodyPr>
+          <a:lstStyle/>
+          <a:p>
+            <a:r>
+              <a:rPr lang="en-US" dirty="0" smtClean="0"/>
+              <a:t>Related Work</a:t>
             </a:r>
             <a:endParaRPr lang="en-US" dirty="0"/>
           </a:p>
@@ -4127,32 +4197,142 @@
           <a:bodyPr/>
           <a:lstStyle/>
           <a:p>
-            <a:r>
-              <a:rPr lang="en-US" dirty="0" smtClean="0"/>
-              <a:t>Random sampling</a:t>
-            </a:r>
-          </a:p>
-          <a:p>
-            <a:pPr lvl="1"/>
-            <a:r>
-              <a:rPr lang="en-US" dirty="0" smtClean="0"/>
-              <a:t>Select the first tweet</a:t>
-            </a:r>
-          </a:p>
-          <a:p>
-            <a:pPr lvl="1"/>
-            <a:r>
-              <a:rPr lang="en-US" dirty="0" smtClean="0"/>
-              <a:t>Select a random tweet</a:t>
-            </a:r>
-            <a:endParaRPr lang="en-US" dirty="0"/>
+            <a:pPr marL="342900" marR="0" indent="-342900" algn="l" defTabSz="457200" rtl="0" eaLnBrk="1" fontAlgn="auto" latinLnBrk="0" hangingPunct="1">
+              <a:lnSpc>
+                <a:spcPct val="100000"/>
+              </a:lnSpc>
+              <a:spcBef>
+                <a:spcPct val="20000"/>
+              </a:spcBef>
+              <a:spcAft>
+                <a:spcPts val="0"/>
+              </a:spcAft>
+              <a:buClrTx/>
+              <a:buSzTx/>
+              <a:buFont typeface="Arial"/>
+              <a:buChar char="•"/>
+              <a:tabLst/>
+              <a:defRPr/>
+            </a:pPr>
+            <a:r>
+              <a:rPr lang="en-US" sz="3200" kern="1200" dirty="0" err="1" smtClean="0">
+                <a:solidFill>
+                  <a:schemeClr val="tx1"/>
+                </a:solidFill>
+                <a:effectLst/>
+                <a:latin typeface="+mn-lt"/>
+                <a:ea typeface="+mn-ea"/>
+                <a:cs typeface="+mn-cs"/>
+              </a:rPr>
+              <a:t>Truthy</a:t>
+            </a:r>
+            <a:r>
+              <a:rPr lang="en-US" sz="3200" kern="1200" dirty="0" smtClean="0">
+                <a:solidFill>
+                  <a:schemeClr val="tx1"/>
+                </a:solidFill>
+                <a:effectLst/>
+                <a:latin typeface="+mn-lt"/>
+                <a:ea typeface="+mn-ea"/>
+                <a:cs typeface="+mn-cs"/>
+              </a:rPr>
+              <a:t> and Bot-or-not</a:t>
+            </a:r>
+          </a:p>
+          <a:p>
+            <a:pPr lvl="1" indent="-342900">
+              <a:buFont typeface="Arial"/>
+              <a:buChar char="•"/>
+              <a:defRPr/>
+            </a:pPr>
+            <a:r>
+              <a:rPr lang="en-US" dirty="0" smtClean="0"/>
+              <a:t>Propose set of f</a:t>
+            </a:r>
+            <a:r>
+              <a:rPr lang="en-US" sz="2800" dirty="0" smtClean="0"/>
+              <a:t>eatures </a:t>
+            </a:r>
+            <a:endParaRPr lang="en-US" sz="2800" kern="1200" dirty="0" smtClean="0">
+              <a:solidFill>
+                <a:schemeClr val="tx1"/>
+              </a:solidFill>
+              <a:effectLst/>
+              <a:latin typeface="+mn-lt"/>
+              <a:ea typeface="+mn-ea"/>
+              <a:cs typeface="+mn-cs"/>
+            </a:endParaRPr>
+          </a:p>
+          <a:p>
+            <a:pPr lvl="1" indent="-342900">
+              <a:buFont typeface="Arial"/>
+              <a:buChar char="•"/>
+              <a:defRPr/>
+            </a:pPr>
+            <a:r>
+              <a:rPr lang="en-US" dirty="0" smtClean="0"/>
+              <a:t>Require a lot of data</a:t>
+            </a:r>
+          </a:p>
+          <a:p>
+            <a:pPr marL="342900" marR="0" indent="-342900" algn="l" defTabSz="457200" rtl="0" eaLnBrk="1" fontAlgn="auto" latinLnBrk="0" hangingPunct="1">
+              <a:lnSpc>
+                <a:spcPct val="100000"/>
+              </a:lnSpc>
+              <a:spcBef>
+                <a:spcPct val="20000"/>
+              </a:spcBef>
+              <a:spcAft>
+                <a:spcPts val="0"/>
+              </a:spcAft>
+              <a:buClrTx/>
+              <a:buSzTx/>
+              <a:buFont typeface="Arial"/>
+              <a:buChar char="•"/>
+              <a:tabLst/>
+              <a:defRPr/>
+            </a:pPr>
+            <a:r>
+              <a:rPr lang="en-US" dirty="0" smtClean="0"/>
+              <a:t>This approach:</a:t>
+            </a:r>
+          </a:p>
+          <a:p>
+            <a:pPr lvl="1" indent="-342900">
+              <a:buFont typeface="Arial"/>
+              <a:buChar char="•"/>
+              <a:defRPr/>
+            </a:pPr>
+            <a:r>
+              <a:rPr lang="en-US" dirty="0" smtClean="0"/>
+              <a:t>Active learning</a:t>
+            </a:r>
+            <a:r>
+              <a:rPr lang="en-US" dirty="0"/>
+              <a:t> </a:t>
+            </a:r>
+            <a:r>
+              <a:rPr lang="en-US" dirty="0" smtClean="0"/>
+              <a:t>with anytime capabilities</a:t>
+            </a:r>
+          </a:p>
+          <a:p>
+            <a:pPr lvl="1" indent="-342900">
+              <a:buFont typeface="Arial"/>
+              <a:buChar char="•"/>
+              <a:defRPr/>
+            </a:pPr>
+            <a:r>
+              <a:rPr lang="en-US" dirty="0" smtClean="0"/>
+              <a:t>Novel</a:t>
+            </a:r>
           </a:p>
         </p:txBody>
       </p:sp>
     </p:spTree>
     <p:extLst>
       <p:ext uri="{BB962C8B-B14F-4D97-AF65-F5344CB8AC3E}">
-        <p14:creationId xmlns:p14="http://schemas.microsoft.com/office/powerpoint/2010/main" val="4203423945"/>
+        <p14:creationId xmlns:p14="http://schemas.microsoft.com/office/powerpoint/2010/main" val="2026480241"/>
       </p:ext>
     </p:extLst>
   </p:cSld>
@@ -4191,170 +4371,366 @@
         </p:nvSpPr>
         <p:spPr/>
         <p:txBody>
+          <a:bodyPr/>
+          <a:lstStyle/>
+          <a:p>
+            <a:r>
+              <a:rPr lang="en-US" dirty="0" smtClean="0"/>
+              <a:t>References</a:t>
+            </a:r>
+            <a:endParaRPr lang="en-US" dirty="0"/>
+          </a:p>
+        </p:txBody>
+      </p:sp>
+      <p:sp>
+        <p:nvSpPr>
+          <p:cNvPr id="3" name="Content Placeholder 2"/>
+          <p:cNvSpPr>
+            <a:spLocks noGrp="1"/>
+          </p:cNvSpPr>
+          <p:nvPr>
+            <p:ph idx="1"/>
+          </p:nvPr>
+        </p:nvSpPr>
+        <p:spPr/>
+        <p:txBody>
           <a:bodyPr>
-            <a:normAutofit/>
+            <a:normAutofit fontScale="55000" lnSpcReduction="20000"/>
           </a:bodyPr>
           <a:lstStyle/>
           <a:p>
             <a:r>
-              <a:rPr lang="en-US" dirty="0" smtClean="0"/>
-              <a:t>Related Work</a:t>
-            </a:r>
-            <a:endParaRPr lang="en-US" dirty="0"/>
-          </a:p>
-        </p:txBody>
-      </p:sp>
-      <p:sp>
-        <p:nvSpPr>
-          <p:cNvPr id="3" name="Content Placeholder 2"/>
-          <p:cNvSpPr>
-            <a:spLocks noGrp="1"/>
-          </p:cNvSpPr>
-          <p:nvPr>
-            <p:ph idx="1"/>
-          </p:nvPr>
-        </p:nvSpPr>
-        <p:spPr/>
-        <p:txBody>
-          <a:bodyPr/>
-          <a:lstStyle/>
-          <a:p>
-            <a:pPr marL="342900" marR="0" indent="-342900" algn="l" defTabSz="457200" rtl="0" eaLnBrk="1" fontAlgn="auto" latinLnBrk="0" hangingPunct="1">
-              <a:lnSpc>
-                <a:spcPct val="100000"/>
-              </a:lnSpc>
-              <a:spcBef>
-                <a:spcPct val="20000"/>
-              </a:spcBef>
-              <a:spcAft>
-                <a:spcPts val="0"/>
-              </a:spcAft>
-              <a:buClrTx/>
-              <a:buSzTx/>
-              <a:buFont typeface="Arial"/>
-              <a:buChar char="•"/>
-              <a:tabLst/>
-              <a:defRPr/>
-            </a:pPr>
-            <a:r>
-              <a:rPr lang="en-US" sz="3200" kern="1200" dirty="0" err="1" smtClean="0">
-                <a:solidFill>
-                  <a:schemeClr val="tx1"/>
-                </a:solidFill>
-                <a:effectLst/>
-                <a:latin typeface="+mn-lt"/>
-                <a:ea typeface="+mn-ea"/>
-                <a:cs typeface="+mn-cs"/>
-              </a:rPr>
-              <a:t>Truthy</a:t>
-            </a:r>
-            <a:r>
-              <a:rPr lang="en-US" sz="3200" kern="1200" dirty="0" smtClean="0">
-                <a:solidFill>
-                  <a:schemeClr val="tx1"/>
-                </a:solidFill>
-                <a:effectLst/>
-                <a:latin typeface="+mn-lt"/>
-                <a:ea typeface="+mn-ea"/>
-                <a:cs typeface="+mn-cs"/>
-              </a:rPr>
-              <a:t> and Bot-or-not</a:t>
-            </a:r>
-          </a:p>
-          <a:p>
-            <a:pPr lvl="1" indent="-342900">
-              <a:buFont typeface="Arial"/>
-              <a:buChar char="•"/>
-              <a:defRPr/>
-            </a:pPr>
-            <a:r>
-              <a:rPr lang="en-US" dirty="0" smtClean="0"/>
-              <a:t>Propose set of f</a:t>
-            </a:r>
-            <a:r>
-              <a:rPr lang="en-US" sz="2800" dirty="0" smtClean="0"/>
-              <a:t>eatures </a:t>
-            </a:r>
-            <a:endParaRPr lang="en-US" sz="2800" kern="1200" dirty="0" smtClean="0">
-              <a:solidFill>
-                <a:schemeClr val="tx1"/>
-              </a:solidFill>
-              <a:effectLst/>
-              <a:latin typeface="+mn-lt"/>
-              <a:ea typeface="+mn-ea"/>
-              <a:cs typeface="+mn-cs"/>
-            </a:endParaRPr>
-          </a:p>
-          <a:p>
-            <a:pPr lvl="1" indent="-342900">
-              <a:buFont typeface="Arial"/>
-              <a:buChar char="•"/>
-              <a:defRPr/>
-            </a:pPr>
-            <a:r>
-              <a:rPr lang="en-US" dirty="0" smtClean="0"/>
-              <a:t>Require a lot of data</a:t>
-            </a:r>
-          </a:p>
-          <a:p>
-            <a:pPr marL="342900" marR="0" indent="-342900" algn="l" defTabSz="457200" rtl="0" eaLnBrk="1" fontAlgn="auto" latinLnBrk="0" hangingPunct="1">
-              <a:lnSpc>
-                <a:spcPct val="100000"/>
-              </a:lnSpc>
-              <a:spcBef>
-                <a:spcPct val="20000"/>
-              </a:spcBef>
-              <a:spcAft>
-                <a:spcPts val="0"/>
-              </a:spcAft>
-              <a:buClrTx/>
-              <a:buSzTx/>
-              <a:buFont typeface="Arial"/>
-              <a:buChar char="•"/>
-              <a:tabLst/>
-              <a:defRPr/>
-            </a:pPr>
-            <a:r>
-              <a:rPr lang="en-US" dirty="0" smtClean="0"/>
-              <a:t>This approach:</a:t>
-            </a:r>
-          </a:p>
-          <a:p>
-            <a:pPr lvl="1" indent="-342900">
-              <a:buFont typeface="Arial"/>
-              <a:buChar char="•"/>
-              <a:defRPr/>
-            </a:pPr>
-            <a:r>
-              <a:rPr lang="en-US" dirty="0" smtClean="0"/>
-              <a:t>Active learning</a:t>
+              <a:rPr lang="en-US" dirty="0"/>
+              <a:t>Ferrara, Emilio, </a:t>
+            </a:r>
+            <a:r>
+              <a:rPr lang="en-US" dirty="0" err="1"/>
+              <a:t>Onur</a:t>
             </a:r>
             <a:r>
               <a:rPr lang="en-US" dirty="0"/>
               <a:t> </a:t>
             </a:r>
             <a:r>
-              <a:rPr lang="en-US" dirty="0" smtClean="0"/>
-              <a:t>with anytime capabilities</a:t>
-            </a:r>
-          </a:p>
-          <a:p>
-            <a:pPr lvl="1" indent="-342900">
-              <a:buFont typeface="Arial"/>
-              <a:buChar char="•"/>
-              <a:defRPr/>
-            </a:pPr>
-            <a:r>
-              <a:rPr lang="en-US" dirty="0" smtClean="0"/>
-              <a:t>Novel</a:t>
-            </a:r>
+              <a:rPr lang="en-US" dirty="0" err="1"/>
+              <a:t>Varol</a:t>
+            </a:r>
+            <a:r>
+              <a:rPr lang="en-US" dirty="0"/>
+              <a:t>, Clayton Davis, </a:t>
+            </a:r>
+            <a:r>
+              <a:rPr lang="en-US" dirty="0" err="1"/>
+              <a:t>Filippo</a:t>
+            </a:r>
+            <a:r>
+              <a:rPr lang="en-US" dirty="0"/>
+              <a:t> </a:t>
+            </a:r>
+            <a:r>
+              <a:rPr lang="en-US" dirty="0" err="1"/>
+              <a:t>Menczer</a:t>
+            </a:r>
+            <a:r>
+              <a:rPr lang="en-US" dirty="0"/>
+              <a:t>, and Alessandro </a:t>
+            </a:r>
+            <a:r>
+              <a:rPr lang="en-US" dirty="0" err="1"/>
+              <a:t>Flammini</a:t>
+            </a:r>
+            <a:r>
+              <a:rPr lang="en-US" dirty="0"/>
+              <a:t>. 2014. “The Rise of Social Bots” (July 19). http://</a:t>
+            </a:r>
+            <a:r>
+              <a:rPr lang="en-US" dirty="0" err="1"/>
+              <a:t>arxiv.org</a:t>
+            </a:r>
+            <a:r>
+              <a:rPr lang="en-US" dirty="0"/>
+              <a:t>/abs/1407.5225v1.</a:t>
+            </a:r>
+          </a:p>
+          <a:p>
+            <a:r>
+              <a:rPr lang="en-US" dirty="0" smtClean="0"/>
+              <a:t>Lee, </a:t>
+            </a:r>
+            <a:r>
+              <a:rPr lang="en-US" dirty="0" err="1" smtClean="0"/>
+              <a:t>Kyumin</a:t>
+            </a:r>
+            <a:r>
+              <a:rPr lang="en-US" dirty="0" smtClean="0"/>
+              <a:t>, BD </a:t>
+            </a:r>
+            <a:r>
+              <a:rPr lang="en-US" dirty="0" err="1" smtClean="0"/>
+              <a:t>Eoff</a:t>
+            </a:r>
+            <a:r>
+              <a:rPr lang="en-US" dirty="0" smtClean="0"/>
+              <a:t>, and James </a:t>
+            </a:r>
+            <a:r>
+              <a:rPr lang="en-US" dirty="0" err="1" smtClean="0"/>
+              <a:t>Caverlee</a:t>
+            </a:r>
+            <a:r>
+              <a:rPr lang="en-US" dirty="0" smtClean="0"/>
+              <a:t>. 2011. “Seven Months with the Devils: A Long-Term Study of Content Polluters on Twitter.” Proceedings of the Fifth International AAAI Conference on Weblogs and Social Media (ICWSM). http://</a:t>
+            </a:r>
+            <a:r>
+              <a:rPr lang="en-US" dirty="0" err="1" smtClean="0"/>
+              <a:t>www.aaai.org</a:t>
+            </a:r>
+            <a:r>
+              <a:rPr lang="en-US" dirty="0" smtClean="0"/>
+              <a:t>/</a:t>
+            </a:r>
+            <a:r>
+              <a:rPr lang="en-US" dirty="0" err="1" smtClean="0"/>
+              <a:t>ocs</a:t>
+            </a:r>
+            <a:r>
+              <a:rPr lang="en-US" dirty="0" smtClean="0"/>
+              <a:t>/</a:t>
+            </a:r>
+            <a:r>
+              <a:rPr lang="en-US" dirty="0" err="1" smtClean="0"/>
+              <a:t>index.php</a:t>
+            </a:r>
+            <a:r>
+              <a:rPr lang="en-US" dirty="0" smtClean="0"/>
+              <a:t>/ICWSM/ICWSM11/paper/</a:t>
+            </a:r>
+            <a:r>
+              <a:rPr lang="en-US" dirty="0" err="1" smtClean="0"/>
+              <a:t>viewFile</a:t>
+            </a:r>
+            <a:r>
+              <a:rPr lang="en-US" dirty="0" smtClean="0"/>
+              <a:t>/2780/3296.</a:t>
+            </a:r>
+          </a:p>
+          <a:p>
+            <a:r>
+              <a:rPr lang="en-US" dirty="0" smtClean="0"/>
+              <a:t>Lee, </a:t>
+            </a:r>
+            <a:r>
+              <a:rPr lang="en-US" dirty="0" err="1" smtClean="0"/>
+              <a:t>Kyumin</a:t>
+            </a:r>
+            <a:r>
+              <a:rPr lang="en-US" dirty="0" smtClean="0"/>
+              <a:t>, </a:t>
+            </a:r>
+            <a:r>
+              <a:rPr lang="en-US" dirty="0" err="1" smtClean="0"/>
+              <a:t>Prithivi</a:t>
+            </a:r>
+            <a:r>
+              <a:rPr lang="en-US" dirty="0" smtClean="0"/>
+              <a:t> </a:t>
+            </a:r>
+            <a:r>
+              <a:rPr lang="en-US" dirty="0" err="1" smtClean="0"/>
+              <a:t>Tamilarasan</a:t>
+            </a:r>
+            <a:r>
+              <a:rPr lang="en-US" dirty="0" smtClean="0"/>
+              <a:t>, and James </a:t>
+            </a:r>
+            <a:r>
+              <a:rPr lang="en-US" dirty="0" err="1" smtClean="0"/>
+              <a:t>Caverlee</a:t>
+            </a:r>
+            <a:r>
+              <a:rPr lang="en-US" dirty="0" smtClean="0"/>
+              <a:t>. “</a:t>
+            </a:r>
+            <a:r>
+              <a:rPr lang="en-US" dirty="0" err="1" smtClean="0"/>
+              <a:t>Crowdturfers</a:t>
+            </a:r>
+            <a:r>
+              <a:rPr lang="en-US" dirty="0" smtClean="0"/>
+              <a:t> , Campaigns , and Social Media : Tracking and Revealing </a:t>
+            </a:r>
+            <a:r>
+              <a:rPr lang="en-US" dirty="0" err="1" smtClean="0"/>
+              <a:t>Crowdsourced</a:t>
+            </a:r>
+            <a:r>
+              <a:rPr lang="en-US" dirty="0" smtClean="0"/>
+              <a:t> Manipulation of Social Media.”</a:t>
+            </a:r>
+          </a:p>
+          <a:p>
+            <a:r>
+              <a:rPr lang="en-US" dirty="0" err="1"/>
+              <a:t>Ratkiewicz</a:t>
+            </a:r>
+            <a:r>
+              <a:rPr lang="en-US" dirty="0"/>
+              <a:t>, Jacob, Michael Conover, Mark </a:t>
+            </a:r>
+            <a:r>
+              <a:rPr lang="en-US" dirty="0" err="1"/>
+              <a:t>Meiss</a:t>
+            </a:r>
+            <a:r>
+              <a:rPr lang="en-US" dirty="0"/>
+              <a:t>, Bruno </a:t>
+            </a:r>
+            <a:r>
+              <a:rPr lang="en-US" dirty="0" err="1"/>
+              <a:t>Gonçalves</a:t>
+            </a:r>
+            <a:r>
+              <a:rPr lang="en-US" dirty="0"/>
+              <a:t>, </a:t>
+            </a:r>
+            <a:r>
+              <a:rPr lang="en-US" dirty="0" err="1"/>
+              <a:t>Snehal</a:t>
+            </a:r>
+            <a:r>
+              <a:rPr lang="en-US" dirty="0"/>
+              <a:t> </a:t>
+            </a:r>
+            <a:r>
+              <a:rPr lang="en-US" dirty="0" err="1"/>
+              <a:t>Patil</a:t>
+            </a:r>
+            <a:r>
+              <a:rPr lang="en-US" dirty="0"/>
+              <a:t>, Alessandro </a:t>
+            </a:r>
+            <a:r>
+              <a:rPr lang="en-US" dirty="0" err="1"/>
+              <a:t>Flammini</a:t>
+            </a:r>
+            <a:r>
+              <a:rPr lang="en-US" dirty="0"/>
+              <a:t>, and </a:t>
+            </a:r>
+            <a:r>
+              <a:rPr lang="en-US" dirty="0" err="1"/>
+              <a:t>Filippo</a:t>
+            </a:r>
+            <a:r>
+              <a:rPr lang="en-US" dirty="0"/>
+              <a:t> </a:t>
+            </a:r>
+            <a:r>
+              <a:rPr lang="en-US" dirty="0" err="1"/>
+              <a:t>Menczer</a:t>
+            </a:r>
+            <a:r>
+              <a:rPr lang="en-US" dirty="0"/>
+              <a:t>. "</a:t>
+            </a:r>
+            <a:r>
+              <a:rPr lang="en-US" dirty="0" err="1"/>
+              <a:t>Truthy</a:t>
+            </a:r>
+            <a:r>
+              <a:rPr lang="en-US" dirty="0"/>
+              <a:t>: mapping the spread of </a:t>
+            </a:r>
+            <a:r>
+              <a:rPr lang="en-US" dirty="0" err="1"/>
+              <a:t>astroturf</a:t>
+            </a:r>
+            <a:r>
+              <a:rPr lang="en-US" dirty="0"/>
+              <a:t> in </a:t>
+            </a:r>
+            <a:r>
+              <a:rPr lang="en-US" dirty="0" err="1"/>
+              <a:t>microblog</a:t>
+            </a:r>
+            <a:r>
+              <a:rPr lang="en-US" dirty="0"/>
+              <a:t> streams." In </a:t>
+            </a:r>
+            <a:r>
+              <a:rPr lang="en-US" i="1" dirty="0"/>
+              <a:t>Proceedings of the 20th international conference companion on World wide web</a:t>
+            </a:r>
+            <a:r>
+              <a:rPr lang="en-US" dirty="0"/>
+              <a:t>, pp. 249-252. ACM, 2011</a:t>
+            </a:r>
+            <a:r>
+              <a:rPr lang="en-US" dirty="0" smtClean="0"/>
+              <a:t>.</a:t>
+            </a:r>
+          </a:p>
+          <a:p>
+            <a:r>
+              <a:rPr lang="en-US" dirty="0" smtClean="0"/>
+              <a:t>Chu, </a:t>
+            </a:r>
+            <a:r>
+              <a:rPr lang="en-US" dirty="0" err="1" smtClean="0"/>
+              <a:t>Zi</a:t>
+            </a:r>
+            <a:r>
+              <a:rPr lang="en-US" dirty="0" smtClean="0"/>
+              <a:t>, Steven </a:t>
+            </a:r>
+            <a:r>
+              <a:rPr lang="en-US" dirty="0" err="1" smtClean="0"/>
+              <a:t>Gianvecchio</a:t>
+            </a:r>
+            <a:r>
+              <a:rPr lang="en-US" dirty="0" smtClean="0"/>
+              <a:t>, </a:t>
+            </a:r>
+            <a:r>
+              <a:rPr lang="en-US" dirty="0" err="1" smtClean="0"/>
+              <a:t>Haining</a:t>
+            </a:r>
+            <a:r>
+              <a:rPr lang="en-US" dirty="0" smtClean="0"/>
+              <a:t> Wang, and </a:t>
+            </a:r>
+            <a:r>
+              <a:rPr lang="en-US" dirty="0" err="1" smtClean="0"/>
+              <a:t>Sushil</a:t>
+            </a:r>
+            <a:r>
+              <a:rPr lang="en-US" dirty="0" smtClean="0"/>
+              <a:t> </a:t>
+            </a:r>
+            <a:r>
+              <a:rPr lang="en-US" dirty="0" err="1" smtClean="0"/>
+              <a:t>Jajodia</a:t>
+            </a:r>
+            <a:r>
+              <a:rPr lang="en-US" dirty="0" smtClean="0"/>
+              <a:t>. "Who is tweeting on Twitter: human, bot, or cyborg?." In </a:t>
+            </a:r>
+            <a:r>
+              <a:rPr lang="en-US" i="1" dirty="0" smtClean="0"/>
+              <a:t>Proceedings of the 26th annual computer security applications conference</a:t>
+            </a:r>
+            <a:r>
+              <a:rPr lang="en-US" dirty="0" smtClean="0"/>
+              <a:t>, pp. 21-30. ACM, 2010.</a:t>
+            </a:r>
+            <a:endParaRPr lang="en-US" dirty="0"/>
           </a:p>
         </p:txBody>
       </p:sp>
     </p:spTree>
     <p:extLst>
       <p:ext uri="{BB962C8B-B14F-4D97-AF65-F5344CB8AC3E}">
-        <p14:creationId xmlns:p14="http://schemas.microsoft.com/office/powerpoint/2010/main" val="2026480241"/>
+        <p14:creationId xmlns:p14="http://schemas.microsoft.com/office/powerpoint/2010/main" val="1963519557"/>
       </p:ext>
     </p:extLst>
   </p:cSld>
@@ -4383,7 +4759,7 @@
       </p:grpSpPr>
       <p:sp>
         <p:nvSpPr>
-          <p:cNvPr id="2" name="Title 1"/>
+          <p:cNvPr id="4" name="Title 3"/>
           <p:cNvSpPr>
             <a:spLocks noGrp="1"/>
           </p:cNvSpPr>
@@ -4398,7 +4774,7 @@
           <a:p>
             <a:r>
               <a:rPr lang="en-US" dirty="0" smtClean="0"/>
-              <a:t>References</a:t>
+              <a:t>Extra slides</a:t>
             </a:r>
             <a:endParaRPr lang="en-US" dirty="0"/>
           </a:p>
@@ -4406,359 +4782,376 @@
       </p:sp>
       <p:sp>
         <p:nvSpPr>
-          <p:cNvPr id="3" name="Content Placeholder 2"/>
-          <p:cNvSpPr>
-            <a:spLocks noGrp="1"/>
-          </p:cNvSpPr>
-          <p:nvPr>
-            <p:ph idx="1"/>
-          </p:nvPr>
-        </p:nvSpPr>
-        <p:spPr/>
-        <p:txBody>
-          <a:bodyPr>
-            <a:normAutofit fontScale="55000" lnSpcReduction="20000"/>
-          </a:bodyPr>
-          <a:lstStyle/>
-          <a:p>
-            <a:r>
-              <a:rPr lang="en-US" dirty="0"/>
-              <a:t>Ferrara, Emilio, </a:t>
-            </a:r>
-            <a:r>
-              <a:rPr lang="en-US" dirty="0" err="1"/>
-              <a:t>Onur</a:t>
-            </a:r>
-            <a:r>
-              <a:rPr lang="en-US" dirty="0"/>
-              <a:t> </a:t>
-            </a:r>
-            <a:r>
-              <a:rPr lang="en-US" dirty="0" err="1"/>
-              <a:t>Varol</a:t>
-            </a:r>
-            <a:r>
-              <a:rPr lang="en-US" dirty="0"/>
-              <a:t>, Clayton Davis, </a:t>
-            </a:r>
-            <a:r>
-              <a:rPr lang="en-US" dirty="0" err="1"/>
-              <a:t>Filippo</a:t>
-            </a:r>
-            <a:r>
-              <a:rPr lang="en-US" dirty="0"/>
-              <a:t> </a:t>
-            </a:r>
-            <a:r>
-              <a:rPr lang="en-US" dirty="0" err="1"/>
-              <a:t>Menczer</a:t>
-            </a:r>
-            <a:r>
-              <a:rPr lang="en-US" dirty="0"/>
-              <a:t>, and Alessandro </a:t>
-            </a:r>
-            <a:r>
-              <a:rPr lang="en-US" dirty="0" err="1"/>
-              <a:t>Flammini</a:t>
-            </a:r>
-            <a:r>
-              <a:rPr lang="en-US" dirty="0"/>
-              <a:t>. 2014. “The Rise of Social Bots” (July 19). http://</a:t>
-            </a:r>
-            <a:r>
-              <a:rPr lang="en-US" dirty="0" err="1"/>
-              <a:t>arxiv.org</a:t>
-            </a:r>
-            <a:r>
-              <a:rPr lang="en-US" dirty="0"/>
-              <a:t>/abs/1407.5225v1.</a:t>
-            </a:r>
-          </a:p>
-          <a:p>
-            <a:r>
-              <a:rPr lang="en-US" dirty="0" smtClean="0"/>
-              <a:t>Lee, </a:t>
-            </a:r>
-            <a:r>
-              <a:rPr lang="en-US" dirty="0" err="1" smtClean="0"/>
-              <a:t>Kyumin</a:t>
-            </a:r>
-            <a:r>
-              <a:rPr lang="en-US" dirty="0" smtClean="0"/>
-              <a:t>, BD </a:t>
-            </a:r>
-            <a:r>
-              <a:rPr lang="en-US" dirty="0" err="1" smtClean="0"/>
-              <a:t>Eoff</a:t>
-            </a:r>
-            <a:r>
-              <a:rPr lang="en-US" dirty="0" smtClean="0"/>
-              <a:t>, and James </a:t>
-            </a:r>
-            <a:r>
-              <a:rPr lang="en-US" dirty="0" err="1" smtClean="0"/>
-              <a:t>Caverlee</a:t>
-            </a:r>
-            <a:r>
-              <a:rPr lang="en-US" dirty="0" smtClean="0"/>
-              <a:t>. 2011. “Seven Months with the Devils: A Long-Term Study of Content Polluters on Twitter.” Proceedings of the Fifth International AAAI Conference on Weblogs and Social Media (ICWSM). http://</a:t>
-            </a:r>
-            <a:r>
-              <a:rPr lang="en-US" dirty="0" err="1" smtClean="0"/>
-              <a:t>www.aaai.org</a:t>
-            </a:r>
-            <a:r>
-              <a:rPr lang="en-US" dirty="0" smtClean="0"/>
-              <a:t>/</a:t>
-            </a:r>
-            <a:r>
-              <a:rPr lang="en-US" dirty="0" err="1" smtClean="0"/>
-              <a:t>ocs</a:t>
-            </a:r>
-            <a:r>
-              <a:rPr lang="en-US" dirty="0" smtClean="0"/>
-              <a:t>/</a:t>
-            </a:r>
-            <a:r>
-              <a:rPr lang="en-US" dirty="0" err="1" smtClean="0"/>
-              <a:t>index.php</a:t>
-            </a:r>
-            <a:r>
-              <a:rPr lang="en-US" dirty="0" smtClean="0"/>
-              <a:t>/ICWSM/ICWSM11/paper/</a:t>
-            </a:r>
-            <a:r>
-              <a:rPr lang="en-US" dirty="0" err="1" smtClean="0"/>
-              <a:t>viewFile</a:t>
-            </a:r>
-            <a:r>
-              <a:rPr lang="en-US" dirty="0" smtClean="0"/>
-              <a:t>/2780/3296.</a:t>
-            </a:r>
-          </a:p>
-          <a:p>
-            <a:r>
-              <a:rPr lang="en-US" dirty="0" smtClean="0"/>
-              <a:t>Lee, </a:t>
-            </a:r>
-            <a:r>
-              <a:rPr lang="en-US" dirty="0" err="1" smtClean="0"/>
-              <a:t>Kyumin</a:t>
-            </a:r>
-            <a:r>
-              <a:rPr lang="en-US" dirty="0" smtClean="0"/>
-              <a:t>, </a:t>
-            </a:r>
-            <a:r>
-              <a:rPr lang="en-US" dirty="0" err="1" smtClean="0"/>
-              <a:t>Prithivi</a:t>
-            </a:r>
-            <a:r>
-              <a:rPr lang="en-US" dirty="0" smtClean="0"/>
-              <a:t> </a:t>
-            </a:r>
-            <a:r>
-              <a:rPr lang="en-US" dirty="0" err="1" smtClean="0"/>
-              <a:t>Tamilarasan</a:t>
-            </a:r>
-            <a:r>
-              <a:rPr lang="en-US" dirty="0" smtClean="0"/>
-              <a:t>, and James </a:t>
-            </a:r>
-            <a:r>
-              <a:rPr lang="en-US" dirty="0" err="1" smtClean="0"/>
-              <a:t>Caverlee</a:t>
-            </a:r>
-            <a:r>
-              <a:rPr lang="en-US" dirty="0" smtClean="0"/>
-              <a:t>. “</a:t>
-            </a:r>
-            <a:r>
-              <a:rPr lang="en-US" dirty="0" err="1" smtClean="0"/>
-              <a:t>Crowdturfers</a:t>
-            </a:r>
-            <a:r>
-              <a:rPr lang="en-US" dirty="0" smtClean="0"/>
-              <a:t> , Campaigns , and Social Media : Tracking and Revealing </a:t>
-            </a:r>
-            <a:r>
-              <a:rPr lang="en-US" dirty="0" err="1" smtClean="0"/>
-              <a:t>Crowdsourced</a:t>
-            </a:r>
-            <a:r>
-              <a:rPr lang="en-US" dirty="0" smtClean="0"/>
-              <a:t> Manipulation of Social Media.”</a:t>
-            </a:r>
-          </a:p>
-          <a:p>
-            <a:r>
-              <a:rPr lang="en-US" dirty="0" err="1"/>
-              <a:t>Ratkiewicz</a:t>
-            </a:r>
-            <a:r>
-              <a:rPr lang="en-US" dirty="0"/>
-              <a:t>, Jacob, Michael Conover, Mark </a:t>
-            </a:r>
-            <a:r>
-              <a:rPr lang="en-US" dirty="0" err="1"/>
-              <a:t>Meiss</a:t>
-            </a:r>
-            <a:r>
-              <a:rPr lang="en-US" dirty="0"/>
-              <a:t>, Bruno </a:t>
-            </a:r>
-            <a:r>
-              <a:rPr lang="en-US" dirty="0" err="1"/>
-              <a:t>Gonçalves</a:t>
-            </a:r>
-            <a:r>
-              <a:rPr lang="en-US" dirty="0"/>
-              <a:t>, </a:t>
-            </a:r>
-            <a:r>
-              <a:rPr lang="en-US" dirty="0" err="1"/>
-              <a:t>Snehal</a:t>
-            </a:r>
-            <a:r>
-              <a:rPr lang="en-US" dirty="0"/>
-              <a:t> </a:t>
-            </a:r>
-            <a:r>
-              <a:rPr lang="en-US" dirty="0" err="1"/>
-              <a:t>Patil</a:t>
-            </a:r>
-            <a:r>
-              <a:rPr lang="en-US" dirty="0"/>
-              <a:t>, Alessandro </a:t>
-            </a:r>
-            <a:r>
-              <a:rPr lang="en-US" dirty="0" err="1"/>
-              <a:t>Flammini</a:t>
-            </a:r>
-            <a:r>
-              <a:rPr lang="en-US" dirty="0"/>
-              <a:t>, and </a:t>
-            </a:r>
-            <a:r>
-              <a:rPr lang="en-US" dirty="0" err="1"/>
-              <a:t>Filippo</a:t>
-            </a:r>
-            <a:r>
-              <a:rPr lang="en-US" dirty="0"/>
-              <a:t> </a:t>
-            </a:r>
-            <a:r>
-              <a:rPr lang="en-US" dirty="0" err="1"/>
-              <a:t>Menczer</a:t>
-            </a:r>
-            <a:r>
-              <a:rPr lang="en-US" dirty="0"/>
-              <a:t>. "</a:t>
-            </a:r>
-            <a:r>
-              <a:rPr lang="en-US" dirty="0" err="1"/>
-              <a:t>Truthy</a:t>
-            </a:r>
-            <a:r>
-              <a:rPr lang="en-US" dirty="0"/>
-              <a:t>: mapping the spread of </a:t>
-            </a:r>
-            <a:r>
-              <a:rPr lang="en-US" dirty="0" err="1"/>
-              <a:t>astroturf</a:t>
-            </a:r>
-            <a:r>
-              <a:rPr lang="en-US" dirty="0"/>
-              <a:t> in </a:t>
-            </a:r>
-            <a:r>
-              <a:rPr lang="en-US" dirty="0" err="1"/>
-              <a:t>microblog</a:t>
-            </a:r>
-            <a:r>
-              <a:rPr lang="en-US" dirty="0"/>
-              <a:t> streams." In </a:t>
-            </a:r>
-            <a:r>
-              <a:rPr lang="en-US" i="1" dirty="0"/>
-              <a:t>Proceedings of the 20th international conference companion on World wide web</a:t>
-            </a:r>
-            <a:r>
-              <a:rPr lang="en-US" dirty="0"/>
-              <a:t>, pp. 249-252. ACM, 2011</a:t>
-            </a:r>
-            <a:r>
-              <a:rPr lang="en-US" dirty="0" smtClean="0"/>
-              <a:t>.</a:t>
-            </a:r>
-          </a:p>
-          <a:p>
-            <a:r>
-              <a:rPr lang="en-US" dirty="0" smtClean="0"/>
-              <a:t>Chu, </a:t>
-            </a:r>
-            <a:r>
-              <a:rPr lang="en-US" dirty="0" err="1" smtClean="0"/>
-              <a:t>Zi</a:t>
-            </a:r>
-            <a:r>
-              <a:rPr lang="en-US" dirty="0" smtClean="0"/>
-              <a:t>, Steven </a:t>
-            </a:r>
-            <a:r>
-              <a:rPr lang="en-US" dirty="0" err="1" smtClean="0"/>
-              <a:t>Gianvecchio</a:t>
-            </a:r>
-            <a:r>
-              <a:rPr lang="en-US" dirty="0" smtClean="0"/>
-              <a:t>, </a:t>
-            </a:r>
-            <a:r>
-              <a:rPr lang="en-US" dirty="0" err="1" smtClean="0"/>
-              <a:t>Haining</a:t>
-            </a:r>
-            <a:r>
-              <a:rPr lang="en-US" dirty="0" smtClean="0"/>
-              <a:t> Wang, and </a:t>
-            </a:r>
-            <a:r>
-              <a:rPr lang="en-US" dirty="0" err="1" smtClean="0"/>
-              <a:t>Sushil</a:t>
-            </a:r>
-            <a:r>
-              <a:rPr lang="en-US" dirty="0" smtClean="0"/>
-              <a:t> </a:t>
-            </a:r>
-            <a:r>
-              <a:rPr lang="en-US" dirty="0" err="1" smtClean="0"/>
-              <a:t>Jajodia</a:t>
-            </a:r>
-            <a:r>
-              <a:rPr lang="en-US" dirty="0" smtClean="0"/>
-              <a:t>. "Who is tweeting on Twitter: human, bot, or cyborg?." In </a:t>
-            </a:r>
-            <a:r>
-              <a:rPr lang="en-US" i="1" dirty="0" smtClean="0"/>
-              <a:t>Proceedings of the 26th annual computer security applications conference</a:t>
-            </a:r>
-            <a:r>
-              <a:rPr lang="en-US" dirty="0" smtClean="0"/>
-              <a:t>, pp. 21-30. ACM, 2010.</a:t>
-            </a:r>
-            <a:endParaRPr lang="en-US" dirty="0"/>
+          <p:cNvPr id="5" name="Text Placeholder 4"/>
+          <p:cNvSpPr>
+            <a:spLocks noGrp="1"/>
+          </p:cNvSpPr>
+          <p:nvPr>
+            <p:ph type="body" idx="1"/>
+          </p:nvPr>
+        </p:nvSpPr>
+        <p:spPr/>
+        <p:txBody>
+          <a:bodyPr/>
+          <a:lstStyle/>
+          <a:p>
+            <a:endParaRPr lang="en-US"/>
           </a:p>
         </p:txBody>
       </p:sp>
     </p:spTree>
     <p:extLst>
       <p:ext uri="{BB962C8B-B14F-4D97-AF65-F5344CB8AC3E}">
-        <p14:creationId xmlns:p14="http://schemas.microsoft.com/office/powerpoint/2010/main" val="1963519557"/>
+        <p14:creationId xmlns:p14="http://schemas.microsoft.com/office/powerpoint/2010/main" val="1649318202"/>
       </p:ext>
     </p:extLst>
   </p:cSld>
   <p:clrMapOvr>
     <a:masterClrMapping/>
   </p:clrMapOvr>
+</p:sld>
+</file>
+
+<file path=ppt/slides/slide15.xml><?xml version="1.0" encoding="utf-8"?>
+<p:sld xmlns:a="http://schemas.openxmlformats.org/drawingml/2006/main" xmlns:r="http://schemas.openxmlformats.org/officeDocument/2006/relationships" xmlns:p="http://schemas.openxmlformats.org/presentationml/2006/main">
+  <p:cSld>
+    <p:spTree>
+      <p:nvGrpSpPr>
+        <p:cNvPr id="1" name=""/>
+        <p:cNvGrpSpPr/>
+        <p:nvPr/>
+      </p:nvGrpSpPr>
+      <p:grpSpPr>
+        <a:xfrm>
+          <a:off x="0" y="0"/>
+          <a:ext cx="0" cy="0"/>
+          <a:chOff x="0" y="0"/>
+          <a:chExt cx="0" cy="0"/>
+        </a:xfrm>
+      </p:grpSpPr>
+      <p:sp>
+        <p:nvSpPr>
+          <p:cNvPr id="2" name="Title 1"/>
+          <p:cNvSpPr>
+            <a:spLocks noGrp="1"/>
+          </p:cNvSpPr>
+          <p:nvPr>
+            <p:ph type="title"/>
+          </p:nvPr>
+        </p:nvSpPr>
+        <p:spPr/>
+        <p:txBody>
+          <a:bodyPr/>
+          <a:lstStyle/>
+          <a:p>
+            <a:r>
+              <a:rPr lang="en-US" dirty="0" smtClean="0"/>
+              <a:t>The Problem</a:t>
+            </a:r>
+            <a:endParaRPr lang="en-US" dirty="0"/>
+          </a:p>
+        </p:txBody>
+      </p:sp>
+      <p:sp>
+        <p:nvSpPr>
+          <p:cNvPr id="4" name="Content Placeholder 3"/>
+          <p:cNvSpPr>
+            <a:spLocks noGrp="1"/>
+          </p:cNvSpPr>
+          <p:nvPr>
+            <p:ph sz="half" idx="1"/>
+          </p:nvPr>
+        </p:nvSpPr>
+        <p:spPr/>
+        <p:txBody>
+          <a:bodyPr/>
+          <a:lstStyle/>
+          <a:p>
+            <a:r>
+              <a:rPr lang="en-US" dirty="0" smtClean="0"/>
+              <a:t>Training model, update</a:t>
+            </a:r>
+          </a:p>
+          <a:p>
+            <a:r>
+              <a:rPr lang="en-US" dirty="0" smtClean="0"/>
+              <a:t>Ground truth </a:t>
+            </a:r>
+          </a:p>
+          <a:p>
+            <a:r>
+              <a:rPr lang="en-US" dirty="0" smtClean="0"/>
+              <a:t>Human annotators</a:t>
+            </a:r>
+          </a:p>
+          <a:p>
+            <a:r>
+              <a:rPr lang="en-US" dirty="0" smtClean="0"/>
+              <a:t>Example (from Lee,2011):</a:t>
+            </a:r>
+          </a:p>
+          <a:p>
+            <a:endParaRPr lang="en-US" dirty="0" smtClean="0"/>
+          </a:p>
+          <a:p>
+            <a:endParaRPr lang="en-US" dirty="0" smtClean="0"/>
+          </a:p>
+          <a:p>
+            <a:endParaRPr lang="en-US" dirty="0"/>
+          </a:p>
+        </p:txBody>
+      </p:sp>
+      <p:pic>
+        <p:nvPicPr>
+          <p:cNvPr id="8" name="Picture 7" descr="System Drive:Users:maru:Desktop:Screen Shot 2014-10-21 at 6.17.57 PM.png"/>
+          <p:cNvPicPr/>
+          <p:nvPr/>
+        </p:nvPicPr>
+        <p:blipFill>
+          <a:blip r:embed="rId3">
+            <a:extLst>
+              <a:ext uri="{28A0092B-C50C-407E-A947-70E740481C1C}">
+                <a14:useLocalDpi xmlns:a14="http://schemas.microsoft.com/office/drawing/2010/main" val="0"/>
+              </a:ext>
+            </a:extLst>
+          </a:blip>
+          <a:srcRect/>
+          <a:stretch>
+            <a:fillRect/>
+          </a:stretch>
+        </p:blipFill>
+        <p:spPr bwMode="auto">
+          <a:xfrm>
+            <a:off x="634590" y="4247572"/>
+            <a:ext cx="3495018" cy="1174875"/>
+          </a:xfrm>
+          <a:prstGeom prst="rect">
+            <a:avLst/>
+          </a:prstGeom>
+          <a:noFill/>
+          <a:ln>
+            <a:noFill/>
+          </a:ln>
+        </p:spPr>
+      </p:pic>
+      <p:pic>
+        <p:nvPicPr>
+          <p:cNvPr id="11" name="Content Placeholder 10" descr="lego-stormtrooper-deadlift.jpeg"/>
+          <p:cNvPicPr>
+            <a:picLocks noGrp="1" noChangeAspect="1"/>
+          </p:cNvPicPr>
+          <p:nvPr>
+            <p:ph sz="half" idx="2"/>
+          </p:nvPr>
+        </p:nvPicPr>
+        <p:blipFill rotWithShape="1">
+          <a:blip r:embed="rId4">
+            <a:extLst>
+              <a:ext uri="{28A0092B-C50C-407E-A947-70E740481C1C}">
+                <a14:useLocalDpi xmlns:a14="http://schemas.microsoft.com/office/drawing/2010/main" val="0"/>
+              </a:ext>
+            </a:extLst>
+          </a:blip>
+          <a:srcRect l="13550" r="14213"/>
+          <a:stretch/>
+        </p:blipFill>
+        <p:spPr>
+          <a:xfrm>
+            <a:off x="4495800" y="1789356"/>
+            <a:ext cx="4374052" cy="3633092"/>
+          </a:xfrm>
+          <a:prstGeom prst="rect">
+            <a:avLst/>
+          </a:prstGeom>
+        </p:spPr>
+      </p:pic>
+    </p:spTree>
+    <p:extLst>
+      <p:ext uri="{BB962C8B-B14F-4D97-AF65-F5344CB8AC3E}">
+        <p14:creationId xmlns:p14="http://schemas.microsoft.com/office/powerpoint/2010/main" val="1589738497"/>
+      </p:ext>
+    </p:extLst>
+  </p:cSld>
+  <p:clrMapOvr>
+    <a:masterClrMapping/>
+  </p:clrMapOvr>
+  <p:timing>
+    <p:tnLst>
+      <p:par>
+        <p:cTn id="1" dur="indefinite" restart="never" nodeType="tmRoot"/>
+      </p:par>
+    </p:tnLst>
+  </p:timing>
+</p:sld>
+</file>
+
+<file path=ppt/slides/slide16.xml><?xml version="1.0" encoding="utf-8"?>
+<p:sld xmlns:a="http://schemas.openxmlformats.org/drawingml/2006/main" xmlns:r="http://schemas.openxmlformats.org/officeDocument/2006/relationships" xmlns:p="http://schemas.openxmlformats.org/presentationml/2006/main" show="0">
+  <p:cSld>
+    <p:spTree>
+      <p:nvGrpSpPr>
+        <p:cNvPr id="1" name=""/>
+        <p:cNvGrpSpPr/>
+        <p:nvPr/>
+      </p:nvGrpSpPr>
+      <p:grpSpPr>
+        <a:xfrm>
+          <a:off x="0" y="0"/>
+          <a:ext cx="0" cy="0"/>
+          <a:chOff x="0" y="0"/>
+          <a:chExt cx="0" cy="0"/>
+        </a:xfrm>
+      </p:grpSpPr>
+      <p:sp>
+        <p:nvSpPr>
+          <p:cNvPr id="2" name="Title 1"/>
+          <p:cNvSpPr>
+            <a:spLocks noGrp="1"/>
+          </p:cNvSpPr>
+          <p:nvPr>
+            <p:ph type="title"/>
+          </p:nvPr>
+        </p:nvSpPr>
+        <p:spPr/>
+        <p:txBody>
+          <a:bodyPr>
+            <a:normAutofit/>
+          </a:bodyPr>
+          <a:lstStyle/>
+          <a:p>
+            <a:r>
+              <a:rPr lang="en-US" sz="4400" kern="1200" dirty="0" smtClean="0">
+                <a:solidFill>
+                  <a:schemeClr val="tx1"/>
+                </a:solidFill>
+                <a:latin typeface="+mj-lt"/>
+                <a:ea typeface="+mj-ea"/>
+                <a:cs typeface="+mj-cs"/>
+              </a:rPr>
+              <a:t>The Problem</a:t>
+            </a:r>
+            <a:endParaRPr lang="en-US" dirty="0"/>
+          </a:p>
+        </p:txBody>
+      </p:sp>
+      <p:pic>
+        <p:nvPicPr>
+          <p:cNvPr id="6" name="Content Placeholder 8" descr="3494266677_42343a4a69_o.png"/>
+          <p:cNvPicPr>
+            <a:picLocks noGrp="1" noChangeAspect="1"/>
+          </p:cNvPicPr>
+          <p:nvPr>
+            <p:ph idx="1"/>
+          </p:nvPr>
+        </p:nvPicPr>
+        <p:blipFill rotWithShape="1">
+          <a:blip r:embed="rId3">
+            <a:extLst>
+              <a:ext uri="{28A0092B-C50C-407E-A947-70E740481C1C}">
+                <a14:useLocalDpi xmlns:a14="http://schemas.microsoft.com/office/drawing/2010/main" val="0"/>
+              </a:ext>
+            </a:extLst>
+          </a:blip>
+          <a:srcRect t="3327" b="6685"/>
+          <a:stretch/>
+        </p:blipFill>
+        <p:spPr>
+          <a:xfrm>
+            <a:off x="457200" y="1618214"/>
+            <a:ext cx="8229600" cy="4937103"/>
+          </a:xfrm>
+          <a:prstGeom prst="rect">
+            <a:avLst/>
+          </a:prstGeom>
+        </p:spPr>
+      </p:pic>
+      <p:sp>
+        <p:nvSpPr>
+          <p:cNvPr id="7" name="TextBox 6"/>
+          <p:cNvSpPr txBox="1"/>
+          <p:nvPr/>
+        </p:nvSpPr>
+        <p:spPr>
+          <a:xfrm>
+            <a:off x="7309400" y="6291082"/>
+            <a:ext cx="1377400" cy="246221"/>
+          </a:xfrm>
+          <a:prstGeom prst="rect">
+            <a:avLst/>
+          </a:prstGeom>
+          <a:noFill/>
+        </p:spPr>
+        <p:txBody>
+          <a:bodyPr wrap="none" rtlCol="0">
+            <a:spAutoFit/>
+          </a:bodyPr>
+          <a:lstStyle/>
+          <a:p>
+            <a:r>
+              <a:rPr lang="en-US" sz="1000" dirty="0" err="1">
+                <a:solidFill>
+                  <a:schemeClr val="bg1"/>
+                </a:solidFill>
+              </a:rPr>
+              <a:t>faz</a:t>
+            </a:r>
+            <a:r>
+              <a:rPr lang="en-US" sz="1000" dirty="0">
+                <a:solidFill>
+                  <a:schemeClr val="bg1"/>
+                </a:solidFill>
+              </a:rPr>
+              <a:t> </a:t>
+            </a:r>
+            <a:r>
+              <a:rPr lang="en-US" sz="1000" dirty="0" err="1" smtClean="0">
+                <a:solidFill>
+                  <a:schemeClr val="bg1"/>
+                </a:solidFill>
+              </a:rPr>
+              <a:t>besharatian</a:t>
+            </a:r>
+            <a:r>
+              <a:rPr lang="en-US" sz="1000" dirty="0" smtClean="0">
+                <a:solidFill>
+                  <a:schemeClr val="bg1"/>
+                </a:solidFill>
+              </a:rPr>
+              <a:t> ©2009</a:t>
+            </a:r>
+            <a:endParaRPr lang="en-US" sz="1000" dirty="0">
+              <a:solidFill>
+                <a:schemeClr val="bg1"/>
+              </a:solidFill>
+            </a:endParaRPr>
+          </a:p>
+        </p:txBody>
+      </p:sp>
+    </p:spTree>
+    <p:extLst>
+      <p:ext uri="{BB962C8B-B14F-4D97-AF65-F5344CB8AC3E}">
+        <p14:creationId xmlns:p14="http://schemas.microsoft.com/office/powerpoint/2010/main" val="1547090367"/>
+      </p:ext>
+    </p:extLst>
+  </p:cSld>
+  <p:clrMapOvr>
+    <a:masterClrMapping/>
+  </p:clrMapOvr>
+  <mc:AlternateContent xmlns:mc="http://schemas.openxmlformats.org/markup-compatibility/2006" xmlns:p14="http://schemas.microsoft.com/office/powerpoint/2010/main">
+    <mc:Choice Requires="p14">
+      <p:transition spd="slow" p14:dur="2000"/>
+    </mc:Choice>
+    <mc:Fallback xmlns="">
+      <p:transition xmlns:p14="http://schemas.microsoft.com/office/powerpoint/2010/main" spd="slow"/>
+    </mc:Fallback>
+  </mc:AlternateContent>
+  <p:timing>
+    <p:tnLst>
+      <p:par>
+        <p:cTn id="1" dur="indefinite" restart="never" nodeType="tmRoot"/>
+      </p:par>
+    </p:tnLst>
+  </p:timing>
 </p:sld>
 </file>
 
@@ -4996,349 +5389,6 @@
         </p:nvSpPr>
         <p:spPr/>
         <p:txBody>
-          <a:bodyPr/>
-          <a:lstStyle/>
-          <a:p>
-            <a:r>
-              <a:rPr lang="en-US" dirty="0" smtClean="0"/>
-              <a:t>The Problem</a:t>
-            </a:r>
-            <a:endParaRPr lang="en-US" dirty="0"/>
-          </a:p>
-        </p:txBody>
-      </p:sp>
-      <p:sp>
-        <p:nvSpPr>
-          <p:cNvPr id="4" name="Content Placeholder 3"/>
-          <p:cNvSpPr>
-            <a:spLocks noGrp="1"/>
-          </p:cNvSpPr>
-          <p:nvPr>
-            <p:ph sz="half" idx="1"/>
-          </p:nvPr>
-        </p:nvSpPr>
-        <p:spPr/>
-        <p:txBody>
-          <a:bodyPr/>
-          <a:lstStyle/>
-          <a:p>
-            <a:r>
-              <a:rPr lang="en-US" dirty="0" smtClean="0"/>
-              <a:t>Training model, update</a:t>
-            </a:r>
-          </a:p>
-          <a:p>
-            <a:r>
-              <a:rPr lang="en-US" dirty="0" smtClean="0"/>
-              <a:t>Ground truth </a:t>
-            </a:r>
-          </a:p>
-          <a:p>
-            <a:r>
-              <a:rPr lang="en-US" dirty="0" smtClean="0"/>
-              <a:t>Human annotators</a:t>
-            </a:r>
-          </a:p>
-          <a:p>
-            <a:r>
-              <a:rPr lang="en-US" dirty="0" smtClean="0"/>
-              <a:t>Example (from Lee,2011):</a:t>
-            </a:r>
-          </a:p>
-          <a:p>
-            <a:endParaRPr lang="en-US" dirty="0" smtClean="0"/>
-          </a:p>
-          <a:p>
-            <a:endParaRPr lang="en-US" dirty="0" smtClean="0"/>
-          </a:p>
-          <a:p>
-            <a:endParaRPr lang="en-US" dirty="0"/>
-          </a:p>
-        </p:txBody>
-      </p:sp>
-      <p:pic>
-        <p:nvPicPr>
-          <p:cNvPr id="8" name="Picture 7" descr="System Drive:Users:maru:Desktop:Screen Shot 2014-10-21 at 6.17.57 PM.png"/>
-          <p:cNvPicPr/>
-          <p:nvPr/>
-        </p:nvPicPr>
-        <p:blipFill>
-          <a:blip r:embed="rId3">
-            <a:extLst>
-              <a:ext uri="{28A0092B-C50C-407E-A947-70E740481C1C}">
-                <a14:useLocalDpi xmlns:a14="http://schemas.microsoft.com/office/drawing/2010/main" val="0"/>
-              </a:ext>
-            </a:extLst>
-          </a:blip>
-          <a:srcRect/>
-          <a:stretch>
-            <a:fillRect/>
-          </a:stretch>
-        </p:blipFill>
-        <p:spPr bwMode="auto">
-          <a:xfrm>
-            <a:off x="634590" y="4247572"/>
-            <a:ext cx="3495018" cy="1174875"/>
-          </a:xfrm>
-          <a:prstGeom prst="rect">
-            <a:avLst/>
-          </a:prstGeom>
-          <a:noFill/>
-          <a:ln>
-            <a:noFill/>
-          </a:ln>
-        </p:spPr>
-      </p:pic>
-      <p:pic>
-        <p:nvPicPr>
-          <p:cNvPr id="11" name="Content Placeholder 10" descr="lego-stormtrooper-deadlift.jpeg"/>
-          <p:cNvPicPr>
-            <a:picLocks noGrp="1" noChangeAspect="1"/>
-          </p:cNvPicPr>
-          <p:nvPr>
-            <p:ph sz="half" idx="2"/>
-          </p:nvPr>
-        </p:nvPicPr>
-        <p:blipFill rotWithShape="1">
-          <a:blip r:embed="rId4">
-            <a:extLst>
-              <a:ext uri="{28A0092B-C50C-407E-A947-70E740481C1C}">
-                <a14:useLocalDpi xmlns:a14="http://schemas.microsoft.com/office/drawing/2010/main" val="0"/>
-              </a:ext>
-            </a:extLst>
-          </a:blip>
-          <a:srcRect l="13550" r="14213"/>
-          <a:stretch/>
-        </p:blipFill>
-        <p:spPr>
-          <a:xfrm>
-            <a:off x="4495800" y="1789356"/>
-            <a:ext cx="4374052" cy="3633092"/>
-          </a:xfrm>
-          <a:prstGeom prst="rect">
-            <a:avLst/>
-          </a:prstGeom>
-        </p:spPr>
-      </p:pic>
-    </p:spTree>
-    <p:extLst>
-      <p:ext uri="{BB962C8B-B14F-4D97-AF65-F5344CB8AC3E}">
-        <p14:creationId xmlns:p14="http://schemas.microsoft.com/office/powerpoint/2010/main" val="2847644141"/>
-      </p:ext>
-    </p:extLst>
-  </p:cSld>
-  <p:clrMapOvr>
-    <a:masterClrMapping/>
-  </p:clrMapOvr>
-  <p:timing>
-    <p:tnLst>
-      <p:par>
-        <p:cTn id="1" dur="indefinite" restart="never" nodeType="tmRoot"/>
-      </p:par>
-    </p:tnLst>
-  </p:timing>
-</p:sld>
-</file>
-
-<file path=ppt/slides/slide4.xml><?xml version="1.0" encoding="utf-8"?>
-<p:sld xmlns:a="http://schemas.openxmlformats.org/drawingml/2006/main" xmlns:r="http://schemas.openxmlformats.org/officeDocument/2006/relationships" xmlns:p="http://schemas.openxmlformats.org/presentationml/2006/main" show="0">
-  <p:cSld>
-    <p:spTree>
-      <p:nvGrpSpPr>
-        <p:cNvPr id="1" name=""/>
-        <p:cNvGrpSpPr/>
-        <p:nvPr/>
-      </p:nvGrpSpPr>
-      <p:grpSpPr>
-        <a:xfrm>
-          <a:off x="0" y="0"/>
-          <a:ext cx="0" cy="0"/>
-          <a:chOff x="0" y="0"/>
-          <a:chExt cx="0" cy="0"/>
-        </a:xfrm>
-      </p:grpSpPr>
-      <p:sp>
-        <p:nvSpPr>
-          <p:cNvPr id="2" name="Title 1"/>
-          <p:cNvSpPr>
-            <a:spLocks noGrp="1"/>
-          </p:cNvSpPr>
-          <p:nvPr>
-            <p:ph type="title"/>
-          </p:nvPr>
-        </p:nvSpPr>
-        <p:spPr/>
-        <p:txBody>
-          <a:bodyPr>
-            <a:normAutofit/>
-          </a:bodyPr>
-          <a:lstStyle/>
-          <a:p>
-            <a:r>
-              <a:rPr lang="en-US" sz="4400" kern="1200" dirty="0" smtClean="0">
-                <a:solidFill>
-                  <a:schemeClr val="tx1"/>
-                </a:solidFill>
-                <a:latin typeface="+mj-lt"/>
-                <a:ea typeface="+mj-ea"/>
-                <a:cs typeface="+mj-cs"/>
-              </a:rPr>
-              <a:t>The Problem</a:t>
-            </a:r>
-            <a:endParaRPr lang="en-US" dirty="0"/>
-          </a:p>
-        </p:txBody>
-      </p:sp>
-      <p:pic>
-        <p:nvPicPr>
-          <p:cNvPr id="6" name="Content Placeholder 8" descr="3494266677_42343a4a69_o.png"/>
-          <p:cNvPicPr>
-            <a:picLocks noGrp="1" noChangeAspect="1"/>
-          </p:cNvPicPr>
-          <p:nvPr>
-            <p:ph idx="1"/>
-          </p:nvPr>
-        </p:nvPicPr>
-        <p:blipFill rotWithShape="1">
-          <a:blip r:embed="rId3">
-            <a:extLst>
-              <a:ext uri="{28A0092B-C50C-407E-A947-70E740481C1C}">
-                <a14:useLocalDpi xmlns:a14="http://schemas.microsoft.com/office/drawing/2010/main" val="0"/>
-              </a:ext>
-            </a:extLst>
-          </a:blip>
-          <a:srcRect t="3327" b="6685"/>
-          <a:stretch/>
-        </p:blipFill>
-        <p:spPr>
-          <a:xfrm>
-            <a:off x="457200" y="1618214"/>
-            <a:ext cx="8229600" cy="4937103"/>
-          </a:xfrm>
-          <a:prstGeom prst="rect">
-            <a:avLst/>
-          </a:prstGeom>
-        </p:spPr>
-      </p:pic>
-      <p:sp>
-        <p:nvSpPr>
-          <p:cNvPr id="7" name="TextBox 6"/>
-          <p:cNvSpPr txBox="1"/>
-          <p:nvPr/>
-        </p:nvSpPr>
-        <p:spPr>
-          <a:xfrm>
-            <a:off x="7309400" y="6291082"/>
-            <a:ext cx="1377400" cy="246221"/>
-          </a:xfrm>
-          <a:prstGeom prst="rect">
-            <a:avLst/>
-          </a:prstGeom>
-          <a:noFill/>
-        </p:spPr>
-        <p:txBody>
-          <a:bodyPr wrap="none" rtlCol="0">
-            <a:spAutoFit/>
-          </a:bodyPr>
-          <a:lstStyle/>
-          <a:p>
-            <a:r>
-              <a:rPr lang="en-US" sz="1000" dirty="0" err="1">
-                <a:solidFill>
-                  <a:schemeClr val="bg1"/>
-                </a:solidFill>
-              </a:rPr>
-              <a:t>faz</a:t>
-            </a:r>
-            <a:r>
-              <a:rPr lang="en-US" sz="1000" dirty="0">
-                <a:solidFill>
-                  <a:schemeClr val="bg1"/>
-                </a:solidFill>
-              </a:rPr>
-              <a:t> </a:t>
-            </a:r>
-            <a:r>
-              <a:rPr lang="en-US" sz="1000" dirty="0" err="1" smtClean="0">
-                <a:solidFill>
-                  <a:schemeClr val="bg1"/>
-                </a:solidFill>
-              </a:rPr>
-              <a:t>besharatian</a:t>
-            </a:r>
-            <a:r>
-              <a:rPr lang="en-US" sz="1000" dirty="0" smtClean="0">
-                <a:solidFill>
-                  <a:schemeClr val="bg1"/>
-                </a:solidFill>
-              </a:rPr>
-              <a:t> ©2009</a:t>
-            </a:r>
-            <a:endParaRPr lang="en-US" sz="1000" dirty="0">
-              <a:solidFill>
-                <a:schemeClr val="bg1"/>
-              </a:solidFill>
-            </a:endParaRPr>
-          </a:p>
-        </p:txBody>
-      </p:sp>
-    </p:spTree>
-    <p:extLst>
-      <p:ext uri="{BB962C8B-B14F-4D97-AF65-F5344CB8AC3E}">
-        <p14:creationId xmlns:p14="http://schemas.microsoft.com/office/powerpoint/2010/main" val="371485841"/>
-      </p:ext>
-    </p:extLst>
-  </p:cSld>
-  <p:clrMapOvr>
-    <a:masterClrMapping/>
-  </p:clrMapOvr>
-  <mc:AlternateContent xmlns:mc="http://schemas.openxmlformats.org/markup-compatibility/2006" xmlns:p14="http://schemas.microsoft.com/office/powerpoint/2010/main">
-    <mc:Choice Requires="p14">
-      <p:transition spd="slow" p14:dur="2000"/>
-    </mc:Choice>
-    <mc:Fallback xmlns="">
-      <p:transition xmlns:p14="http://schemas.microsoft.com/office/powerpoint/2010/main" spd="slow"/>
-    </mc:Fallback>
-  </mc:AlternateContent>
-  <p:timing>
-    <p:tnLst>
-      <p:par>
-        <p:cTn id="1" dur="indefinite" restart="never" nodeType="tmRoot"/>
-      </p:par>
-    </p:tnLst>
-  </p:timing>
-</p:sld>
-</file>
-
-<file path=ppt/slides/slide5.xml><?xml version="1.0" encoding="utf-8"?>
-<p:sld xmlns:a="http://schemas.openxmlformats.org/drawingml/2006/main" xmlns:r="http://schemas.openxmlformats.org/officeDocument/2006/relationships" xmlns:p="http://schemas.openxmlformats.org/presentationml/2006/main">
-  <p:cSld>
-    <p:spTree>
-      <p:nvGrpSpPr>
-        <p:cNvPr id="1" name=""/>
-        <p:cNvGrpSpPr/>
-        <p:nvPr/>
-      </p:nvGrpSpPr>
-      <p:grpSpPr>
-        <a:xfrm>
-          <a:off x="0" y="0"/>
-          <a:ext cx="0" cy="0"/>
-          <a:chOff x="0" y="0"/>
-          <a:chExt cx="0" cy="0"/>
-        </a:xfrm>
-      </p:grpSpPr>
-      <p:sp>
-        <p:nvSpPr>
-          <p:cNvPr id="2" name="Title 1"/>
-          <p:cNvSpPr>
-            <a:spLocks noGrp="1"/>
-          </p:cNvSpPr>
-          <p:nvPr>
-            <p:ph type="title"/>
-          </p:nvPr>
-        </p:nvSpPr>
-        <p:spPr/>
-        <p:txBody>
           <a:bodyPr>
             <a:normAutofit/>
           </a:bodyPr>
@@ -5375,8 +5425,13 @@
           <a:p>
             <a:r>
               <a:rPr lang="en-US" dirty="0" smtClean="0"/>
-              <a:t>Can we use active learning methods to learn an effective bot classifier? </a:t>
-            </a:r>
+              <a:t>Can we use active learning methods to learn an effective bot </a:t>
+            </a:r>
+            <a:r>
+              <a:rPr lang="en-US" dirty="0" smtClean="0"/>
+              <a:t>classifier based on text content? </a:t>
+            </a:r>
+            <a:endParaRPr lang="en-US" dirty="0" smtClean="0"/>
           </a:p>
         </p:txBody>
       </p:sp>
@@ -5400,7 +5455,7 @@
 </p:sld>
 </file>
 
-<file path=ppt/slides/slide6.xml><?xml version="1.0" encoding="utf-8"?>
+<file path=ppt/slides/slide4.xml><?xml version="1.0" encoding="utf-8"?>
 <p:sld xmlns:a="http://schemas.openxmlformats.org/drawingml/2006/main" xmlns:r="http://schemas.openxmlformats.org/officeDocument/2006/relationships" xmlns:p="http://schemas.openxmlformats.org/presentationml/2006/main">
   <p:cSld>
     <p:spTree>
@@ -6198,7 +6253,7 @@
 </p:sld>
 </file>
 
-<file path=ppt/slides/slide7.xml><?xml version="1.0" encoding="utf-8"?>
+<file path=ppt/slides/slide5.xml><?xml version="1.0" encoding="utf-8"?>
 <p:sld xmlns:a="http://schemas.openxmlformats.org/drawingml/2006/main" xmlns:r="http://schemas.openxmlformats.org/officeDocument/2006/relationships" xmlns:p="http://schemas.openxmlformats.org/presentationml/2006/main">
   <p:cSld>
     <p:spTree>
@@ -6321,7 +6376,7 @@
 </p:sld>
 </file>
 
-<file path=ppt/slides/slide8.xml><?xml version="1.0" encoding="utf-8"?>
+<file path=ppt/slides/slide6.xml><?xml version="1.0" encoding="utf-8"?>
 <p:sld xmlns:a="http://schemas.openxmlformats.org/drawingml/2006/main" xmlns:r="http://schemas.openxmlformats.org/officeDocument/2006/relationships" xmlns:p="http://schemas.openxmlformats.org/presentationml/2006/main">
   <p:cSld>
     <p:spTree>
@@ -6496,7 +6551,19 @@
                 <a:ea typeface="+mn-ea"/>
                 <a:cs typeface="+mn-cs"/>
               </a:rPr>
-              <a:t>Bots: 725</a:t>
+              <a:t>Bots: </a:t>
+            </a:r>
+            <a:r>
+              <a:rPr lang="en-US" sz="2400" kern="1200" dirty="0" smtClean="0">
+                <a:solidFill>
+                  <a:schemeClr val="tx1"/>
+                </a:solidFill>
+                <a:effectLst/>
+                <a:latin typeface="+mn-lt"/>
+                <a:ea typeface="+mn-ea"/>
+                <a:cs typeface="+mn-cs"/>
+              </a:rPr>
+              <a:t>725</a:t>
             </a:r>
           </a:p>
           <a:p>
@@ -6527,7 +6594,19 @@
                 <a:ea typeface="+mn-ea"/>
                 <a:cs typeface="+mn-cs"/>
               </a:rPr>
-              <a:t>Data from </a:t>
+              <a:t>Data </a:t>
+            </a:r>
+            <a:r>
+              <a:rPr lang="en-US" sz="3200" kern="1200" dirty="0" smtClean="0">
+                <a:solidFill>
+                  <a:schemeClr val="tx1"/>
+                </a:solidFill>
+                <a:effectLst/>
+                <a:latin typeface="+mn-lt"/>
+                <a:ea typeface="+mn-ea"/>
+                <a:cs typeface="+mn-cs"/>
+              </a:rPr>
+              <a:t>from </a:t>
             </a:r>
             <a:r>
               <a:rPr lang="en-US" dirty="0" smtClean="0"/>
@@ -6556,6 +6635,201 @@
 </p:sld>
 </file>
 
+<file path=ppt/slides/slide7.xml><?xml version="1.0" encoding="utf-8"?>
+<p:sld xmlns:a="http://schemas.openxmlformats.org/drawingml/2006/main" xmlns:r="http://schemas.openxmlformats.org/officeDocument/2006/relationships" xmlns:p="http://schemas.openxmlformats.org/presentationml/2006/main">
+  <p:cSld>
+    <p:spTree>
+      <p:nvGrpSpPr>
+        <p:cNvPr id="1" name=""/>
+        <p:cNvGrpSpPr/>
+        <p:nvPr/>
+      </p:nvGrpSpPr>
+      <p:grpSpPr>
+        <a:xfrm>
+          <a:off x="0" y="0"/>
+          <a:ext cx="0" cy="0"/>
+          <a:chOff x="0" y="0"/>
+          <a:chExt cx="0" cy="0"/>
+        </a:xfrm>
+      </p:grpSpPr>
+      <p:sp>
+        <p:nvSpPr>
+          <p:cNvPr id="2" name="Title 1"/>
+          <p:cNvSpPr>
+            <a:spLocks noGrp="1"/>
+          </p:cNvSpPr>
+          <p:nvPr>
+            <p:ph type="title"/>
+          </p:nvPr>
+        </p:nvSpPr>
+        <p:spPr/>
+        <p:txBody>
+          <a:bodyPr/>
+          <a:lstStyle/>
+          <a:p>
+            <a:r>
+              <a:rPr lang="en-US" dirty="0" smtClean="0"/>
+              <a:t>Data Stats</a:t>
+            </a:r>
+            <a:endParaRPr lang="en-US" dirty="0"/>
+          </a:p>
+        </p:txBody>
+      </p:sp>
+      <p:sp>
+        <p:nvSpPr>
+          <p:cNvPr id="3" name="Content Placeholder 2"/>
+          <p:cNvSpPr>
+            <a:spLocks noGrp="1"/>
+          </p:cNvSpPr>
+          <p:nvPr>
+            <p:ph idx="1"/>
+          </p:nvPr>
+        </p:nvSpPr>
+        <p:spPr/>
+        <p:txBody>
+          <a:bodyPr/>
+          <a:lstStyle/>
+          <a:p>
+            <a:pPr marL="342900" lvl="1" indent="-342900">
+              <a:buFont typeface="Arial"/>
+              <a:buChar char="•"/>
+            </a:pPr>
+            <a:r>
+              <a:rPr lang="en-US" sz="3200" dirty="0"/>
+              <a:t>Average timeline length: ~196 </a:t>
+            </a:r>
+            <a:r>
+              <a:rPr lang="en-US" sz="3200" dirty="0" smtClean="0"/>
+              <a:t>tweets per user</a:t>
+            </a:r>
+          </a:p>
+          <a:p>
+            <a:pPr marL="342900" lvl="1" indent="-342900">
+              <a:buFont typeface="Arial"/>
+              <a:buChar char="•"/>
+            </a:pPr>
+            <a:endParaRPr lang="en-US" sz="3200" dirty="0"/>
+          </a:p>
+          <a:p>
+            <a:endParaRPr lang="en-US" dirty="0"/>
+          </a:p>
+        </p:txBody>
+      </p:sp>
+    </p:spTree>
+    <p:extLst>
+      <p:ext uri="{BB962C8B-B14F-4D97-AF65-F5344CB8AC3E}">
+        <p14:creationId xmlns:p14="http://schemas.microsoft.com/office/powerpoint/2010/main" val="2513198118"/>
+      </p:ext>
+    </p:extLst>
+  </p:cSld>
+  <p:clrMapOvr>
+    <a:masterClrMapping/>
+  </p:clrMapOvr>
+</p:sld>
+</file>
+
+<file path=ppt/slides/slide8.xml><?xml version="1.0" encoding="utf-8"?>
+<p:sld xmlns:a="http://schemas.openxmlformats.org/drawingml/2006/main" xmlns:r="http://schemas.openxmlformats.org/officeDocument/2006/relationships" xmlns:p="http://schemas.openxmlformats.org/presentationml/2006/main">
+  <p:cSld>
+    <p:spTree>
+      <p:nvGrpSpPr>
+        <p:cNvPr id="1" name=""/>
+        <p:cNvGrpSpPr/>
+        <p:nvPr/>
+      </p:nvGrpSpPr>
+      <p:grpSpPr>
+        <a:xfrm>
+          <a:off x="0" y="0"/>
+          <a:ext cx="0" cy="0"/>
+          <a:chOff x="0" y="0"/>
+          <a:chExt cx="0" cy="0"/>
+        </a:xfrm>
+      </p:grpSpPr>
+      <p:sp>
+        <p:nvSpPr>
+          <p:cNvPr id="2" name="Title 1"/>
+          <p:cNvSpPr>
+            <a:spLocks noGrp="1"/>
+          </p:cNvSpPr>
+          <p:nvPr>
+            <p:ph type="title"/>
+          </p:nvPr>
+        </p:nvSpPr>
+        <p:spPr/>
+        <p:txBody>
+          <a:bodyPr/>
+          <a:lstStyle/>
+          <a:p>
+            <a:r>
+              <a:rPr lang="en-US" dirty="0" smtClean="0"/>
+              <a:t>Classification</a:t>
+            </a:r>
+            <a:r>
+              <a:rPr lang="en-US" baseline="0" dirty="0" smtClean="0"/>
+              <a:t> Models</a:t>
+            </a:r>
+            <a:endParaRPr lang="en-US" dirty="0"/>
+          </a:p>
+        </p:txBody>
+      </p:sp>
+      <p:sp>
+        <p:nvSpPr>
+          <p:cNvPr id="3" name="Content Placeholder 2"/>
+          <p:cNvSpPr>
+            <a:spLocks noGrp="1"/>
+          </p:cNvSpPr>
+          <p:nvPr>
+            <p:ph idx="1"/>
+          </p:nvPr>
+        </p:nvSpPr>
+        <p:spPr/>
+        <p:txBody>
+          <a:bodyPr/>
+          <a:lstStyle/>
+          <a:p>
+            <a:r>
+              <a:rPr lang="en-US" dirty="0" smtClean="0"/>
+              <a:t>Logistic Regression</a:t>
+            </a:r>
+          </a:p>
+          <a:p>
+            <a:pPr lvl="1"/>
+            <a:r>
+              <a:rPr lang="en-US" dirty="0" smtClean="0"/>
+              <a:t>Penalty: L1, L2</a:t>
+            </a:r>
+          </a:p>
+          <a:p>
+            <a:pPr lvl="1"/>
+            <a:r>
+              <a:rPr lang="en-US" dirty="0" smtClean="0"/>
+              <a:t>C: 1, 10, 100</a:t>
+            </a:r>
+          </a:p>
+          <a:p>
+            <a:r>
+              <a:rPr lang="en-US" dirty="0" smtClean="0"/>
+              <a:t>Multinomial Naïve Bayes</a:t>
+            </a:r>
+          </a:p>
+          <a:p>
+            <a:endParaRPr lang="en-US" dirty="0"/>
+          </a:p>
+        </p:txBody>
+      </p:sp>
+    </p:spTree>
+    <p:extLst>
+      <p:ext uri="{BB962C8B-B14F-4D97-AF65-F5344CB8AC3E}">
+        <p14:creationId xmlns:p14="http://schemas.microsoft.com/office/powerpoint/2010/main" val="816688606"/>
+      </p:ext>
+    </p:extLst>
+  </p:cSld>
+  <p:clrMapOvr>
+    <a:masterClrMapping/>
+  </p:clrMapOvr>
+</p:sld>
+</file>
+
 <file path=ppt/slides/slide9.xml><?xml version="1.0" encoding="utf-8"?>
 <p:sld xmlns:a="http://schemas.openxmlformats.org/drawingml/2006/main" xmlns:r="http://schemas.openxmlformats.org/officeDocument/2006/relationships" xmlns:p="http://schemas.openxmlformats.org/presentationml/2006/main">
   <p:cSld>
@@ -6590,7 +6864,7 @@
           <a:p>
             <a:r>
               <a:rPr lang="en-US" dirty="0" smtClean="0"/>
-              <a:t>Data Stats</a:t>
+              <a:t>Preprocessing</a:t>
             </a:r>
             <a:endParaRPr lang="en-US" dirty="0"/>
           </a:p>
@@ -6611,14 +6885,26 @@
           <a:bodyPr/>
           <a:lstStyle/>
           <a:p>
-            <a:endParaRPr lang="en-US"/>
+            <a:r>
+              <a:rPr lang="en-US" dirty="0" smtClean="0"/>
+              <a:t>N-grams</a:t>
+            </a:r>
+          </a:p>
+          <a:p>
+            <a:r>
+              <a:rPr lang="en-US" dirty="0" smtClean="0"/>
+              <a:t>URL and mention collapse</a:t>
+            </a:r>
+          </a:p>
+          <a:p>
+            <a:endParaRPr lang="en-US" dirty="0"/>
           </a:p>
         </p:txBody>
       </p:sp>
     </p:spTree>
     <p:extLst>
       <p:ext uri="{BB962C8B-B14F-4D97-AF65-F5344CB8AC3E}">
-        <p14:creationId xmlns:p14="http://schemas.microsoft.com/office/powerpoint/2010/main" val="2513198118"/>
+        <p14:creationId xmlns:p14="http://schemas.microsoft.com/office/powerpoint/2010/main" val="827736869"/>
       </p:ext>
     </p:extLst>
   </p:cSld>

--- a/presentations/project.pptx
+++ b/presentations/project.pptx
@@ -5,25 +5,29 @@
     <p:sldMasterId id="2147483648" r:id="rId1"/>
   </p:sldMasterIdLst>
   <p:notesMasterIdLst>
-    <p:notesMasterId r:id="rId18"/>
+    <p:notesMasterId r:id="rId22"/>
   </p:notesMasterIdLst>
   <p:sldIdLst>
     <p:sldId id="256" r:id="rId2"/>
     <p:sldId id="257" r:id="rId3"/>
-    <p:sldId id="259" r:id="rId4"/>
-    <p:sldId id="268" r:id="rId5"/>
-    <p:sldId id="264" r:id="rId6"/>
-    <p:sldId id="261" r:id="rId7"/>
-    <p:sldId id="270" r:id="rId8"/>
-    <p:sldId id="271" r:id="rId9"/>
-    <p:sldId id="272" r:id="rId10"/>
-    <p:sldId id="269" r:id="rId11"/>
-    <p:sldId id="273" r:id="rId12"/>
-    <p:sldId id="262" r:id="rId13"/>
-    <p:sldId id="265" r:id="rId14"/>
-    <p:sldId id="274" r:id="rId15"/>
-    <p:sldId id="275" r:id="rId16"/>
-    <p:sldId id="276" r:id="rId17"/>
+    <p:sldId id="268" r:id="rId4"/>
+    <p:sldId id="261" r:id="rId5"/>
+    <p:sldId id="270" r:id="rId6"/>
+    <p:sldId id="271" r:id="rId7"/>
+    <p:sldId id="273" r:id="rId8"/>
+    <p:sldId id="279" r:id="rId9"/>
+    <p:sldId id="280" r:id="rId10"/>
+    <p:sldId id="281" r:id="rId11"/>
+    <p:sldId id="269" r:id="rId12"/>
+    <p:sldId id="277" r:id="rId13"/>
+    <p:sldId id="283" r:id="rId14"/>
+    <p:sldId id="282" r:id="rId15"/>
+    <p:sldId id="262" r:id="rId16"/>
+    <p:sldId id="265" r:id="rId17"/>
+    <p:sldId id="274" r:id="rId18"/>
+    <p:sldId id="275" r:id="rId19"/>
+    <p:sldId id="276" r:id="rId20"/>
+    <p:sldId id="272" r:id="rId21"/>
   </p:sldIdLst>
   <p:sldSz cx="9144000" cy="6858000" type="screen4x3"/>
   <p:notesSz cx="6858000" cy="9144000"/>
@@ -679,12 +683,31 @@
           <a:p>
             <a:r>
               <a:rPr lang="en-US" dirty="0" smtClean="0"/>
-              <a:t>The resulting classifier obtained 98.42% accuracy but gathering</a:t>
+              <a:t>N-grams:1</a:t>
+            </a:r>
+          </a:p>
+          <a:p>
+            <a:r>
+              <a:rPr lang="en-US" dirty="0" smtClean="0"/>
+              <a:t>URL and mention collapse</a:t>
+            </a:r>
+          </a:p>
+          <a:p>
+            <a:r>
+              <a:rPr lang="en-US" dirty="0" smtClean="0"/>
+              <a:t>The</a:t>
             </a:r>
             <a:r>
               <a:rPr lang="en-US" baseline="0" dirty="0" smtClean="0"/>
-              <a:t> the data took 7 months</a:t>
-            </a:r>
+              <a:t> preprocessing didn’t affect the performance significantly, so I decided to go with </a:t>
+            </a:r>
+            <a:r>
+              <a:rPr lang="en-US" baseline="0" smtClean="0"/>
+              <a:t>less features</a:t>
+            </a:r>
+            <a:endParaRPr lang="en-US" dirty="0" smtClean="0"/>
+          </a:p>
+          <a:p>
             <a:endParaRPr lang="en-US" dirty="0"/>
           </a:p>
         </p:txBody>
@@ -706,7 +729,7 @@
           <a:p>
             <a:fld id="{1816B7AE-A9D1-4F45-AA7C-31B94AAFC4DD}" type="slidenum">
               <a:rPr lang="en-US" smtClean="0"/>
-              <a:t>15</a:t>
+              <a:t>5</a:t>
             </a:fld>
             <a:endParaRPr lang="en-US"/>
           </a:p>
@@ -715,7 +738,7 @@
     </p:spTree>
     <p:extLst>
       <p:ext uri="{BB962C8B-B14F-4D97-AF65-F5344CB8AC3E}">
-        <p14:creationId xmlns:p14="http://schemas.microsoft.com/office/powerpoint/2010/main" val="1450822521"/>
+        <p14:creationId xmlns:p14="http://schemas.microsoft.com/office/powerpoint/2010/main" val="1627423913"/>
       </p:ext>
     </p:extLst>
   </p:cSld>
@@ -771,6 +794,98 @@
           <a:p>
             <a:r>
               <a:rPr lang="en-US" dirty="0" smtClean="0"/>
+              <a:t>The resulting classifier obtained 98.42% accuracy but gathering</a:t>
+            </a:r>
+            <a:r>
+              <a:rPr lang="en-US" baseline="0" dirty="0" smtClean="0"/>
+              <a:t> the data took 7 months</a:t>
+            </a:r>
+            <a:endParaRPr lang="en-US" dirty="0"/>
+          </a:p>
+        </p:txBody>
+      </p:sp>
+      <p:sp>
+        <p:nvSpPr>
+          <p:cNvPr id="4" name="Slide Number Placeholder 3"/>
+          <p:cNvSpPr>
+            <a:spLocks noGrp="1"/>
+          </p:cNvSpPr>
+          <p:nvPr>
+            <p:ph type="sldNum" sz="quarter" idx="10"/>
+          </p:nvPr>
+        </p:nvSpPr>
+        <p:spPr/>
+        <p:txBody>
+          <a:bodyPr/>
+          <a:lstStyle/>
+          <a:p>
+            <a:fld id="{1816B7AE-A9D1-4F45-AA7C-31B94AAFC4DD}" type="slidenum">
+              <a:rPr lang="en-US" smtClean="0"/>
+              <a:t>18</a:t>
+            </a:fld>
+            <a:endParaRPr lang="en-US"/>
+          </a:p>
+        </p:txBody>
+      </p:sp>
+    </p:spTree>
+    <p:extLst>
+      <p:ext uri="{BB962C8B-B14F-4D97-AF65-F5344CB8AC3E}">
+        <p14:creationId xmlns:p14="http://schemas.microsoft.com/office/powerpoint/2010/main" val="1450822521"/>
+      </p:ext>
+    </p:extLst>
+  </p:cSld>
+  <p:clrMapOvr>
+    <a:masterClrMapping/>
+  </p:clrMapOvr>
+</p:notes>
+</file>
+
+<file path=ppt/notesSlides/notesSlide4.xml><?xml version="1.0" encoding="utf-8"?>
+<p:notes xmlns:a="http://schemas.openxmlformats.org/drawingml/2006/main" xmlns:r="http://schemas.openxmlformats.org/officeDocument/2006/relationships" xmlns:p="http://schemas.openxmlformats.org/presentationml/2006/main">
+  <p:cSld>
+    <p:spTree>
+      <p:nvGrpSpPr>
+        <p:cNvPr id="1" name=""/>
+        <p:cNvGrpSpPr/>
+        <p:nvPr/>
+      </p:nvGrpSpPr>
+      <p:grpSpPr>
+        <a:xfrm>
+          <a:off x="0" y="0"/>
+          <a:ext cx="0" cy="0"/>
+          <a:chOff x="0" y="0"/>
+          <a:chExt cx="0" cy="0"/>
+        </a:xfrm>
+      </p:grpSpPr>
+      <p:sp>
+        <p:nvSpPr>
+          <p:cNvPr id="2" name="Slide Image Placeholder 1"/>
+          <p:cNvSpPr>
+            <a:spLocks noGrp="1" noRot="1" noChangeAspect="1"/>
+          </p:cNvSpPr>
+          <p:nvPr>
+            <p:ph type="sldImg"/>
+          </p:nvPr>
+        </p:nvSpPr>
+        <p:spPr/>
+      </p:sp>
+      <p:sp>
+        <p:nvSpPr>
+          <p:cNvPr id="3" name="Notes Placeholder 2"/>
+          <p:cNvSpPr>
+            <a:spLocks noGrp="1"/>
+          </p:cNvSpPr>
+          <p:nvPr>
+            <p:ph type="body" idx="1"/>
+          </p:nvPr>
+        </p:nvSpPr>
+        <p:spPr/>
+        <p:txBody>
+          <a:bodyPr/>
+          <a:lstStyle/>
+          <a:p>
+            <a:r>
+              <a:rPr lang="en-US" dirty="0" smtClean="0"/>
               <a:t>Twitter: as many as 23 millions accounts (8.3%)  have</a:t>
             </a:r>
             <a:r>
@@ -853,7 +968,7 @@
           <a:p>
             <a:fld id="{1816B7AE-A9D1-4F45-AA7C-31B94AAFC4DD}" type="slidenum">
               <a:rPr lang="en-US" smtClean="0"/>
-              <a:t>16</a:t>
+              <a:t>19</a:t>
             </a:fld>
             <a:endParaRPr lang="en-US"/>
           </a:p>
@@ -3960,7 +4075,7 @@
           <a:p>
             <a:r>
               <a:rPr lang="en-US" dirty="0" smtClean="0"/>
-              <a:t>Implemented Methods</a:t>
+              <a:t>Human as Bot</a:t>
             </a:r>
             <a:endParaRPr lang="en-US" dirty="0"/>
           </a:p>
@@ -3973,64 +4088,290 @@
             <a:spLocks noGrp="1"/>
           </p:cNvSpPr>
           <p:nvPr>
-            <p:ph idx="1"/>
-          </p:nvPr>
-        </p:nvSpPr>
-        <p:spPr/>
-        <p:txBody>
-          <a:bodyPr/>
-          <a:lstStyle/>
-          <a:p>
-            <a:r>
-              <a:rPr lang="en-US" dirty="0" smtClean="0"/>
-              <a:t>Random sampling</a:t>
+            <p:ph sz="half" idx="1"/>
+          </p:nvPr>
+        </p:nvSpPr>
+        <p:spPr/>
+        <p:txBody>
+          <a:bodyPr>
+            <a:normAutofit fontScale="77500" lnSpcReduction="20000"/>
+          </a:bodyPr>
+          <a:lstStyle/>
+          <a:p>
+            <a:r>
+              <a:rPr lang="en-US" i="1" dirty="0" smtClean="0"/>
+              <a:t>massive </a:t>
+            </a:r>
+            <a:r>
+              <a:rPr lang="en-US" i="1" dirty="0" err="1"/>
+              <a:t>roi</a:t>
+            </a:r>
+            <a:r>
+              <a:rPr lang="en-US" i="1" dirty="0"/>
+              <a:t> for </a:t>
+            </a:r>
+            <a:r>
+              <a:rPr lang="en-US" i="1" dirty="0" err="1"/>
+              <a:t>uk</a:t>
+            </a:r>
+            <a:r>
+              <a:rPr lang="en-US" i="1" dirty="0"/>
+              <a:t> affiliate marketing in 2013 </a:t>
+            </a:r>
+            <a:r>
+              <a:rPr lang="en-US" i="1" dirty="0" smtClean="0"/>
+              <a:t>TURL </a:t>
+            </a:r>
+            <a:r>
+              <a:rPr lang="en-US" i="1" dirty="0"/>
+              <a:t>via </a:t>
+            </a:r>
+            <a:r>
+              <a:rPr lang="en-US" i="1" dirty="0" smtClean="0"/>
+              <a:t>TMENTION </a:t>
+            </a:r>
+            <a:endParaRPr lang="en-US" i="1" dirty="0"/>
+          </a:p>
+          <a:p>
+            <a:r>
+              <a:rPr lang="en-US" dirty="0"/>
+              <a:t>Top Terms:</a:t>
             </a:r>
           </a:p>
           <a:p>
             <a:pPr lvl="1"/>
             <a:r>
               <a:rPr lang="en-US" dirty="0" smtClean="0"/>
-              <a:t>Select the first tweet</a:t>
+              <a:t>mention </a:t>
+            </a:r>
+            <a:r>
+              <a:rPr lang="en-US" dirty="0"/>
+              <a:t>-1.537</a:t>
             </a:r>
           </a:p>
           <a:p>
             <a:pPr lvl="1"/>
             <a:r>
-              <a:rPr lang="en-US" dirty="0" smtClean="0"/>
-              <a:t>Select a random </a:t>
-            </a:r>
-            <a:r>
-              <a:rPr lang="en-US" dirty="0" smtClean="0"/>
-              <a:t>tweet</a:t>
-            </a:r>
-          </a:p>
-          <a:p>
-            <a:r>
-              <a:rPr lang="en-US" dirty="0" smtClean="0"/>
-              <a:t>Uncertainty sampling</a:t>
+              <a:rPr lang="en-US" dirty="0"/>
+              <a:t>in 0.112</a:t>
             </a:r>
           </a:p>
           <a:p>
             <a:pPr lvl="1"/>
             <a:r>
-              <a:rPr lang="en-US" dirty="0" smtClean="0"/>
-              <a:t>Select first tweet</a:t>
+              <a:rPr lang="en-US" dirty="0" err="1"/>
+              <a:t>uk</a:t>
+            </a:r>
+            <a:r>
+              <a:rPr lang="en-US" dirty="0"/>
+              <a:t> 0.463</a:t>
             </a:r>
           </a:p>
           <a:p>
             <a:pPr lvl="1"/>
             <a:r>
-              <a:rPr lang="en-US" dirty="0" smtClean="0"/>
-              <a:t>Select most important tweet</a:t>
-            </a:r>
-            <a:endParaRPr lang="en-US" dirty="0"/>
+              <a:rPr lang="en-US" dirty="0"/>
+              <a:t>massive 0.532</a:t>
+            </a:r>
+          </a:p>
+          <a:p>
+            <a:pPr lvl="1"/>
+            <a:r>
+              <a:rPr lang="en-US" dirty="0" err="1" smtClean="0"/>
+              <a:t>url</a:t>
+            </a:r>
+            <a:r>
+              <a:rPr lang="en-US" dirty="0" smtClean="0"/>
+              <a:t> </a:t>
+            </a:r>
+            <a:r>
+              <a:rPr lang="en-US" dirty="0"/>
+              <a:t>0.738</a:t>
+            </a:r>
+          </a:p>
+          <a:p>
+            <a:pPr lvl="1"/>
+            <a:r>
+              <a:rPr lang="en-US" dirty="0" err="1"/>
+              <a:t>roi</a:t>
+            </a:r>
+            <a:r>
+              <a:rPr lang="en-US" dirty="0"/>
+              <a:t> 1.076</a:t>
+            </a:r>
+          </a:p>
+          <a:p>
+            <a:pPr lvl="1"/>
+            <a:r>
+              <a:rPr lang="en-US" dirty="0"/>
+              <a:t>for 1.389</a:t>
+            </a:r>
+          </a:p>
+          <a:p>
+            <a:pPr lvl="1"/>
+            <a:r>
+              <a:rPr lang="en-US" dirty="0"/>
+              <a:t>2013 1.611</a:t>
+            </a:r>
+          </a:p>
+          <a:p>
+            <a:pPr lvl="1"/>
+            <a:r>
+              <a:rPr lang="en-US" dirty="0"/>
+              <a:t>via 3.345</a:t>
+            </a:r>
+          </a:p>
+          <a:p>
+            <a:pPr lvl="1"/>
+            <a:r>
+              <a:rPr lang="en-US" b="1" dirty="0"/>
+              <a:t>marketing 3.655</a:t>
+            </a:r>
+          </a:p>
+          <a:p>
+            <a:pPr lvl="1"/>
+            <a:r>
+              <a:rPr lang="en-US" b="1" dirty="0"/>
+              <a:t>affiliate 4.092</a:t>
+            </a:r>
+          </a:p>
+        </p:txBody>
+      </p:sp>
+      <p:sp>
+        <p:nvSpPr>
+          <p:cNvPr id="4" name="Content Placeholder 3"/>
+          <p:cNvSpPr>
+            <a:spLocks noGrp="1"/>
+          </p:cNvSpPr>
+          <p:nvPr>
+            <p:ph sz="half" idx="2"/>
+          </p:nvPr>
+        </p:nvSpPr>
+        <p:spPr/>
+        <p:txBody>
+          <a:bodyPr>
+            <a:normAutofit fontScale="77500" lnSpcReduction="20000"/>
+          </a:bodyPr>
+          <a:lstStyle/>
+          <a:p>
+            <a:r>
+              <a:rPr lang="en-US" i="1" dirty="0" smtClean="0"/>
+              <a:t>top </a:t>
+            </a:r>
+            <a:r>
+              <a:rPr lang="en-US" i="1" dirty="0"/>
+              <a:t>5 tips of what to do with your tax refund: </a:t>
+            </a:r>
+            <a:r>
+              <a:rPr lang="en-US" i="1" dirty="0" smtClean="0"/>
+              <a:t>URL </a:t>
+            </a:r>
+            <a:endParaRPr lang="en-US" i="1" dirty="0"/>
+          </a:p>
+          <a:p>
+            <a:r>
+              <a:rPr lang="en-US" dirty="0"/>
+              <a:t>Top Terms:</a:t>
+            </a:r>
+          </a:p>
+          <a:p>
+            <a:pPr lvl="1"/>
+            <a:r>
+              <a:rPr lang="en-US" dirty="0"/>
+              <a:t>5 0.019</a:t>
+            </a:r>
+          </a:p>
+          <a:p>
+            <a:pPr lvl="1"/>
+            <a:r>
+              <a:rPr lang="en-US" dirty="0"/>
+              <a:t>of 0.416</a:t>
+            </a:r>
+          </a:p>
+          <a:p>
+            <a:pPr lvl="1"/>
+            <a:r>
+              <a:rPr lang="en-US" dirty="0"/>
+              <a:t>to 0.660</a:t>
+            </a:r>
+          </a:p>
+          <a:p>
+            <a:pPr lvl="1"/>
+            <a:r>
+              <a:rPr lang="en-US" dirty="0"/>
+              <a:t>do 0.676</a:t>
+            </a:r>
+          </a:p>
+          <a:p>
+            <a:pPr lvl="1"/>
+            <a:r>
+              <a:rPr lang="en-US" dirty="0" err="1" smtClean="0"/>
+              <a:t>url</a:t>
+            </a:r>
+            <a:r>
+              <a:rPr lang="en-US" dirty="0" smtClean="0"/>
+              <a:t> </a:t>
+            </a:r>
+            <a:r>
+              <a:rPr lang="en-US" dirty="0"/>
+              <a:t>0.738</a:t>
+            </a:r>
+          </a:p>
+          <a:p>
+            <a:pPr lvl="1"/>
+            <a:r>
+              <a:rPr lang="en-US" dirty="0"/>
+              <a:t>with 1.143</a:t>
+            </a:r>
+          </a:p>
+          <a:p>
+            <a:pPr lvl="1"/>
+            <a:r>
+              <a:rPr lang="en-US" dirty="0"/>
+              <a:t>tax 1.223</a:t>
+            </a:r>
+          </a:p>
+          <a:p>
+            <a:pPr lvl="1"/>
+            <a:r>
+              <a:rPr lang="en-US" dirty="0"/>
+              <a:t>what 1.235</a:t>
+            </a:r>
+          </a:p>
+          <a:p>
+            <a:pPr lvl="1"/>
+            <a:r>
+              <a:rPr lang="en-US" dirty="0"/>
+              <a:t>refund 1.747</a:t>
+            </a:r>
+          </a:p>
+          <a:p>
+            <a:pPr lvl="1"/>
+            <a:r>
+              <a:rPr lang="en-US" dirty="0"/>
+              <a:t>top 2.811</a:t>
+            </a:r>
+          </a:p>
+          <a:p>
+            <a:pPr lvl="1"/>
+            <a:r>
+              <a:rPr lang="en-US" b="1" dirty="0"/>
+              <a:t>your 3.196</a:t>
+            </a:r>
+          </a:p>
+          <a:p>
+            <a:pPr lvl="1"/>
+            <a:r>
+              <a:rPr lang="en-US" b="1" dirty="0"/>
+              <a:t>tips 3.762</a:t>
+            </a:r>
           </a:p>
         </p:txBody>
       </p:sp>
     </p:spTree>
     <p:extLst>
       <p:ext uri="{BB962C8B-B14F-4D97-AF65-F5344CB8AC3E}">
-        <p14:creationId xmlns:p14="http://schemas.microsoft.com/office/powerpoint/2010/main" val="4203423945"/>
+        <p14:creationId xmlns:p14="http://schemas.microsoft.com/office/powerpoint/2010/main" val="3163626465"/>
       </p:ext>
     </p:extLst>
   </p:cSld>
@@ -4074,11 +4415,58 @@
           <a:p>
             <a:r>
               <a:rPr lang="en-US" dirty="0" smtClean="0"/>
-              <a:t>Results – </a:t>
-            </a:r>
-            <a:r>
-              <a:rPr lang="en-US" smtClean="0"/>
-              <a:t>Oracle Accuracy</a:t>
+              <a:t>Implemented Methods</a:t>
+            </a:r>
+            <a:endParaRPr lang="en-US" dirty="0"/>
+          </a:p>
+        </p:txBody>
+      </p:sp>
+      <p:sp>
+        <p:nvSpPr>
+          <p:cNvPr id="3" name="Content Placeholder 2"/>
+          <p:cNvSpPr>
+            <a:spLocks noGrp="1"/>
+          </p:cNvSpPr>
+          <p:nvPr>
+            <p:ph idx="1"/>
+          </p:nvPr>
+        </p:nvSpPr>
+        <p:spPr/>
+        <p:txBody>
+          <a:bodyPr/>
+          <a:lstStyle/>
+          <a:p>
+            <a:r>
+              <a:rPr lang="en-US" dirty="0" smtClean="0"/>
+              <a:t>Uncertainty </a:t>
+            </a:r>
+            <a:r>
+              <a:rPr lang="en-US" dirty="0" smtClean="0"/>
+              <a:t>sampling</a:t>
+            </a:r>
+          </a:p>
+          <a:p>
+            <a:pPr lvl="1"/>
+            <a:r>
+              <a:rPr lang="en-US" dirty="0" smtClean="0"/>
+              <a:t>Select first tweet</a:t>
+            </a:r>
+          </a:p>
+          <a:p>
+            <a:pPr lvl="1"/>
+            <a:r>
+              <a:rPr lang="en-US" dirty="0" smtClean="0"/>
+              <a:t>Select most important </a:t>
+            </a:r>
+            <a:r>
+              <a:rPr lang="en-US" dirty="0" smtClean="0"/>
+              <a:t>tweet</a:t>
+            </a:r>
+          </a:p>
+          <a:p>
+            <a:r>
+              <a:rPr lang="en-US" dirty="0" smtClean="0"/>
+              <a:t>Objective</a:t>
             </a:r>
             <a:endParaRPr lang="en-US" dirty="0"/>
           </a:p>
@@ -4086,13 +4474,11 @@
       </p:sp>
       <p:pic>
         <p:nvPicPr>
-          <p:cNvPr id="1026" name="Picture 2" descr="C:\cygwin\home\mramire8\python_code\aal_misc\samples\minitests\twitter-classifiersaccuracy.png"/>
+          <p:cNvPr id="6146" name="Picture 2"/>
           <p:cNvPicPr>
-            <a:picLocks noGrp="1" noChangeAspect="1" noChangeArrowheads="1"/>
+            <a:picLocks noChangeAspect="1" noChangeArrowheads="1"/>
           </p:cNvPicPr>
-          <p:nvPr>
-            <p:ph idx="1"/>
-          </p:nvPr>
+          <p:nvPr/>
         </p:nvPicPr>
         <p:blipFill>
           <a:blip r:embed="rId2">
@@ -4109,34 +4495,253 @@
         </p:blipFill>
         <p:spPr bwMode="auto">
           <a:xfrm>
-            <a:off x="772785" y="1600200"/>
-            <a:ext cx="7598429" cy="4525963"/>
+            <a:off x="1314143" y="4358460"/>
+            <a:ext cx="6496050" cy="933450"/>
           </a:xfrm>
           <a:prstGeom prst="rect">
             <a:avLst/>
           </a:prstGeom>
           <a:noFill/>
+          <a:ln>
+            <a:noFill/>
+          </a:ln>
           <a:extLst>
             <a:ext uri="{909E8E84-426E-40DD-AFC4-6F175D3DCCD1}">
               <a14:hiddenFill xmlns:a14="http://schemas.microsoft.com/office/drawing/2010/main">
                 <a:solidFill>
-                  <a:srgbClr val="FFFFFF"/>
+                  <a:schemeClr val="accent1"/>
                 </a:solidFill>
               </a14:hiddenFill>
+            </a:ext>
+            <a:ext uri="{91240B29-F687-4F45-9708-019B960494DF}">
+              <a14:hiddenLine xmlns:a14="http://schemas.microsoft.com/office/drawing/2010/main" w="9525">
+                <a:solidFill>
+                  <a:schemeClr val="tx1"/>
+                </a:solidFill>
+                <a:miter lim="800000"/>
+                <a:headEnd/>
+                <a:tailEnd/>
+              </a14:hiddenLine>
             </a:ext>
           </a:extLst>
         </p:spPr>
       </p:pic>
+      <p:sp>
+        <p:nvSpPr>
+          <p:cNvPr id="4" name="Line Callout 1 3"/>
+          <p:cNvSpPr/>
+          <p:nvPr/>
+        </p:nvSpPr>
+        <p:spPr>
+          <a:xfrm>
+            <a:off x="4316377" y="5291909"/>
+            <a:ext cx="1897625" cy="834253"/>
+          </a:xfrm>
+          <a:prstGeom prst="borderCallout1">
+            <a:avLst>
+              <a:gd name="adj1" fmla="val 13090"/>
+              <a:gd name="adj2" fmla="val 107270"/>
+              <a:gd name="adj3" fmla="val -47418"/>
+              <a:gd name="adj4" fmla="val 134419"/>
+            </a:avLst>
+          </a:prstGeom>
+        </p:spPr>
+        <p:style>
+          <a:lnRef idx="2">
+            <a:schemeClr val="accent1"/>
+          </a:lnRef>
+          <a:fillRef idx="1">
+            <a:schemeClr val="lt1"/>
+          </a:fillRef>
+          <a:effectRef idx="0">
+            <a:schemeClr val="accent1"/>
+          </a:effectRef>
+          <a:fontRef idx="minor">
+            <a:schemeClr val="dk1"/>
+          </a:fontRef>
+        </p:style>
+        <p:txBody>
+          <a:bodyPr rtlCol="0" anchor="ctr"/>
+          <a:lstStyle/>
+          <a:p>
+            <a:r>
+              <a:rPr lang="en-US" dirty="0" smtClean="0"/>
+              <a:t>First tweet</a:t>
+            </a:r>
+          </a:p>
+          <a:p>
+            <a:r>
+              <a:rPr lang="en-US" dirty="0" smtClean="0"/>
+              <a:t>Random tweet</a:t>
+            </a:r>
+          </a:p>
+          <a:p>
+            <a:r>
+              <a:rPr lang="en-US" dirty="0" smtClean="0"/>
+              <a:t>Best tweet</a:t>
+            </a:r>
+            <a:endParaRPr lang="en-US" dirty="0"/>
+          </a:p>
+        </p:txBody>
+      </p:sp>
+      <p:sp>
+        <p:nvSpPr>
+          <p:cNvPr id="5" name="Line Callout 1 4"/>
+          <p:cNvSpPr/>
+          <p:nvPr/>
+        </p:nvSpPr>
+        <p:spPr>
+          <a:xfrm>
+            <a:off x="5048864" y="3851958"/>
+            <a:ext cx="1391266" cy="414479"/>
+          </a:xfrm>
+          <a:prstGeom prst="borderCallout1">
+            <a:avLst/>
+          </a:prstGeom>
+        </p:spPr>
+        <p:style>
+          <a:lnRef idx="2">
+            <a:schemeClr val="accent1"/>
+          </a:lnRef>
+          <a:fillRef idx="1">
+            <a:schemeClr val="lt1"/>
+          </a:fillRef>
+          <a:effectRef idx="0">
+            <a:schemeClr val="accent1"/>
+          </a:effectRef>
+          <a:fontRef idx="minor">
+            <a:schemeClr val="dk1"/>
+          </a:fontRef>
+        </p:style>
+        <p:txBody>
+          <a:bodyPr rtlCol="0" anchor="ctr"/>
+          <a:lstStyle/>
+          <a:p>
+            <a:pPr algn="ctr"/>
+            <a:r>
+              <a:rPr lang="en-US" dirty="0" smtClean="0"/>
+              <a:t>Uncertainty </a:t>
+            </a:r>
+            <a:endParaRPr lang="en-US" dirty="0"/>
+          </a:p>
+        </p:txBody>
+      </p:sp>
     </p:spTree>
     <p:extLst>
       <p:ext uri="{BB962C8B-B14F-4D97-AF65-F5344CB8AC3E}">
-        <p14:creationId xmlns:p14="http://schemas.microsoft.com/office/powerpoint/2010/main" val="1568760490"/>
+        <p14:creationId xmlns:p14="http://schemas.microsoft.com/office/powerpoint/2010/main" val="4203423945"/>
       </p:ext>
     </p:extLst>
   </p:cSld>
   <p:clrMapOvr>
     <a:masterClrMapping/>
   </p:clrMapOvr>
+  <p:timing>
+    <p:tnLst>
+      <p:par>
+        <p:cTn id="1" dur="indefinite" restart="never" nodeType="tmRoot">
+          <p:childTnLst>
+            <p:seq concurrent="1" nextAc="seek">
+              <p:cTn id="2" dur="indefinite" nodeType="mainSeq">
+                <p:childTnLst>
+                  <p:par>
+                    <p:cTn id="3" fill="hold">
+                      <p:stCondLst>
+                        <p:cond delay="indefinite"/>
+                      </p:stCondLst>
+                      <p:childTnLst>
+                        <p:par>
+                          <p:cTn id="4" fill="hold">
+                            <p:stCondLst>
+                              <p:cond delay="0"/>
+                            </p:stCondLst>
+                            <p:childTnLst>
+                              <p:par>
+                                <p:cTn id="5" presetID="1" presetClass="entr" presetSubtype="0" fill="hold" grpId="0" nodeType="clickEffect">
+                                  <p:stCondLst>
+                                    <p:cond delay="0"/>
+                                  </p:stCondLst>
+                                  <p:childTnLst>
+                                    <p:set>
+                                      <p:cBhvr>
+                                        <p:cTn id="6" dur="1" fill="hold">
+                                          <p:stCondLst>
+                                            <p:cond delay="0"/>
+                                          </p:stCondLst>
+                                        </p:cTn>
+                                        <p:tgtEl>
+                                          <p:spTgt spid="5"/>
+                                        </p:tgtEl>
+                                        <p:attrNameLst>
+                                          <p:attrName>style.visibility</p:attrName>
+                                        </p:attrNameLst>
+                                      </p:cBhvr>
+                                      <p:to>
+                                        <p:strVal val="visible"/>
+                                      </p:to>
+                                    </p:set>
+                                  </p:childTnLst>
+                                </p:cTn>
+                              </p:par>
+                              <p:par>
+                                <p:cTn id="7" presetID="1" presetClass="entr" presetSubtype="0" fill="hold" grpId="0" nodeType="withEffect">
+                                  <p:stCondLst>
+                                    <p:cond delay="0"/>
+                                  </p:stCondLst>
+                                  <p:childTnLst>
+                                    <p:set>
+                                      <p:cBhvr>
+                                        <p:cTn id="8" dur="1" fill="hold">
+                                          <p:stCondLst>
+                                            <p:cond delay="0"/>
+                                          </p:stCondLst>
+                                        </p:cTn>
+                                        <p:tgtEl>
+                                          <p:spTgt spid="4"/>
+                                        </p:tgtEl>
+                                        <p:attrNameLst>
+                                          <p:attrName>style.visibility</p:attrName>
+                                        </p:attrNameLst>
+                                      </p:cBhvr>
+                                      <p:to>
+                                        <p:strVal val="visible"/>
+                                      </p:to>
+                                    </p:set>
+                                  </p:childTnLst>
+                                </p:cTn>
+                              </p:par>
+                            </p:childTnLst>
+                          </p:cTn>
+                        </p:par>
+                      </p:childTnLst>
+                    </p:cTn>
+                  </p:par>
+                </p:childTnLst>
+              </p:cTn>
+              <p:prevCondLst>
+                <p:cond evt="onPrev" delay="0">
+                  <p:tgtEl>
+                    <p:sldTgt/>
+                  </p:tgtEl>
+                </p:cond>
+              </p:prevCondLst>
+              <p:nextCondLst>
+                <p:cond evt="onNext" delay="0">
+                  <p:tgtEl>
+                    <p:sldTgt/>
+                  </p:tgtEl>
+                </p:cond>
+              </p:nextCondLst>
+            </p:seq>
+          </p:childTnLst>
+        </p:cTn>
+      </p:par>
+    </p:tnLst>
+    <p:bldLst>
+      <p:bldP spid="4" grpId="0" animBg="1"/>
+      <p:bldP spid="5" grpId="0" animBg="1"/>
+    </p:bldLst>
+  </p:timing>
 </p:sld>
 </file>
 
@@ -4169,176 +4774,77 @@
         </p:nvSpPr>
         <p:spPr/>
         <p:txBody>
-          <a:bodyPr>
-            <a:normAutofit/>
-          </a:bodyPr>
-          <a:lstStyle/>
-          <a:p>
-            <a:r>
-              <a:rPr lang="en-US" dirty="0" smtClean="0"/>
-              <a:t>Related Work</a:t>
+          <a:bodyPr/>
+          <a:lstStyle/>
+          <a:p>
+            <a:r>
+              <a:rPr lang="en-US" dirty="0" smtClean="0"/>
+              <a:t>Result – Active Learning</a:t>
             </a:r>
             <a:endParaRPr lang="en-US" dirty="0"/>
           </a:p>
         </p:txBody>
       </p:sp>
-      <p:sp>
-        <p:nvSpPr>
-          <p:cNvPr id="3" name="Content Placeholder 2"/>
-          <p:cNvSpPr>
-            <a:spLocks noGrp="1"/>
-          </p:cNvSpPr>
+      <p:pic>
+        <p:nvPicPr>
+          <p:cNvPr id="3074" name="Picture 2" descr="C:\cygwin\home\mramire8\python_code\aal_misc\samples\minitests\twitteraccuracy.png"/>
+          <p:cNvPicPr>
+            <a:picLocks noGrp="1" noChangeAspect="1" noChangeArrowheads="1"/>
+          </p:cNvPicPr>
           <p:nvPr>
             <p:ph idx="1"/>
           </p:nvPr>
-        </p:nvSpPr>
-        <p:spPr/>
-        <p:txBody>
-          <a:bodyPr/>
-          <a:lstStyle/>
-          <a:p>
-            <a:pPr marL="342900" marR="0" indent="-342900" algn="l" defTabSz="457200" rtl="0" eaLnBrk="1" fontAlgn="auto" latinLnBrk="0" hangingPunct="1">
-              <a:lnSpc>
-                <a:spcPct val="100000"/>
-              </a:lnSpc>
-              <a:spcBef>
-                <a:spcPct val="20000"/>
-              </a:spcBef>
-              <a:spcAft>
-                <a:spcPts val="0"/>
-              </a:spcAft>
-              <a:buClrTx/>
-              <a:buSzTx/>
-              <a:buFont typeface="Arial"/>
-              <a:buChar char="•"/>
-              <a:tabLst/>
-              <a:defRPr/>
-            </a:pPr>
-            <a:r>
-              <a:rPr lang="en-US" sz="3200" kern="1200" dirty="0" err="1" smtClean="0">
+        </p:nvPicPr>
+        <p:blipFill>
+          <a:blip r:embed="rId2">
+            <a:extLst>
+              <a:ext uri="{28A0092B-C50C-407E-A947-70E740481C1C}">
+                <a14:useLocalDpi xmlns:a14="http://schemas.microsoft.com/office/drawing/2010/main" val="0"/>
+              </a:ext>
+            </a:extLst>
+          </a:blip>
+          <a:srcRect/>
+          <a:stretch>
+            <a:fillRect/>
+          </a:stretch>
+        </p:blipFill>
+        <p:spPr bwMode="auto">
+          <a:xfrm>
+            <a:off x="915899" y="1600200"/>
+            <a:ext cx="7312201" cy="4525963"/>
+          </a:xfrm>
+          <a:prstGeom prst="rect">
+            <a:avLst/>
+          </a:prstGeom>
+          <a:noFill/>
+          <a:extLst>
+            <a:ext uri="{909E8E84-426E-40DD-AFC4-6F175D3DCCD1}">
+              <a14:hiddenFill xmlns:a14="http://schemas.microsoft.com/office/drawing/2010/main">
                 <a:solidFill>
-                  <a:schemeClr val="tx1"/>
+                  <a:srgbClr val="FFFFFF"/>
                 </a:solidFill>
-                <a:effectLst/>
-                <a:latin typeface="+mn-lt"/>
-                <a:ea typeface="+mn-ea"/>
-                <a:cs typeface="+mn-cs"/>
-              </a:rPr>
-              <a:t>Truthy</a:t>
-            </a:r>
-            <a:r>
-              <a:rPr lang="en-US" sz="3200" kern="1200" dirty="0" smtClean="0">
-                <a:solidFill>
-                  <a:schemeClr val="tx1"/>
-                </a:solidFill>
-                <a:effectLst/>
-                <a:latin typeface="+mn-lt"/>
-                <a:ea typeface="+mn-ea"/>
-                <a:cs typeface="+mn-cs"/>
-              </a:rPr>
-              <a:t> and Bot-or-not</a:t>
-            </a:r>
-          </a:p>
-          <a:p>
-            <a:pPr lvl="1" indent="-342900">
-              <a:buFont typeface="Arial"/>
-              <a:buChar char="•"/>
-              <a:defRPr/>
-            </a:pPr>
-            <a:r>
-              <a:rPr lang="en-US" dirty="0" smtClean="0"/>
-              <a:t>Propose set of f</a:t>
-            </a:r>
-            <a:r>
-              <a:rPr lang="en-US" sz="2800" dirty="0" smtClean="0"/>
-              <a:t>eatures </a:t>
-            </a:r>
-            <a:endParaRPr lang="en-US" sz="2800" kern="1200" dirty="0" smtClean="0">
-              <a:solidFill>
-                <a:schemeClr val="tx1"/>
-              </a:solidFill>
-              <a:effectLst/>
-              <a:latin typeface="+mn-lt"/>
-              <a:ea typeface="+mn-ea"/>
-              <a:cs typeface="+mn-cs"/>
-            </a:endParaRPr>
-          </a:p>
-          <a:p>
-            <a:pPr lvl="1" indent="-342900">
-              <a:buFont typeface="Arial"/>
-              <a:buChar char="•"/>
-              <a:defRPr/>
-            </a:pPr>
-            <a:r>
-              <a:rPr lang="en-US" dirty="0" smtClean="0"/>
-              <a:t>Require a lot of data</a:t>
-            </a:r>
-          </a:p>
-          <a:p>
-            <a:pPr marL="342900" marR="0" indent="-342900" algn="l" defTabSz="457200" rtl="0" eaLnBrk="1" fontAlgn="auto" latinLnBrk="0" hangingPunct="1">
-              <a:lnSpc>
-                <a:spcPct val="100000"/>
-              </a:lnSpc>
-              <a:spcBef>
-                <a:spcPct val="20000"/>
-              </a:spcBef>
-              <a:spcAft>
-                <a:spcPts val="0"/>
-              </a:spcAft>
-              <a:buClrTx/>
-              <a:buSzTx/>
-              <a:buFont typeface="Arial"/>
-              <a:buChar char="•"/>
-              <a:tabLst/>
-              <a:defRPr/>
-            </a:pPr>
-            <a:r>
-              <a:rPr lang="en-US" dirty="0" smtClean="0"/>
-              <a:t>This approach:</a:t>
-            </a:r>
-          </a:p>
-          <a:p>
-            <a:pPr lvl="1" indent="-342900">
-              <a:buFont typeface="Arial"/>
-              <a:buChar char="•"/>
-              <a:defRPr/>
-            </a:pPr>
-            <a:r>
-              <a:rPr lang="en-US" dirty="0" smtClean="0"/>
-              <a:t>Active learning</a:t>
-            </a:r>
-            <a:r>
-              <a:rPr lang="en-US" dirty="0"/>
-              <a:t> </a:t>
-            </a:r>
-            <a:r>
-              <a:rPr lang="en-US" dirty="0" smtClean="0"/>
-              <a:t>with anytime capabilities</a:t>
-            </a:r>
-          </a:p>
-          <a:p>
-            <a:pPr lvl="1" indent="-342900">
-              <a:buFont typeface="Arial"/>
-              <a:buChar char="•"/>
-              <a:defRPr/>
-            </a:pPr>
-            <a:r>
-              <a:rPr lang="en-US" dirty="0" smtClean="0"/>
-              <a:t>Novel</a:t>
-            </a:r>
-          </a:p>
-        </p:txBody>
-      </p:sp>
+              </a14:hiddenFill>
+            </a:ext>
+          </a:extLst>
+        </p:spPr>
+      </p:pic>
     </p:spTree>
     <p:extLst>
       <p:ext uri="{BB962C8B-B14F-4D97-AF65-F5344CB8AC3E}">
-        <p14:creationId xmlns:p14="http://schemas.microsoft.com/office/powerpoint/2010/main" val="2026480241"/>
+        <p14:creationId xmlns:p14="http://schemas.microsoft.com/office/powerpoint/2010/main" val="1206374159"/>
       </p:ext>
     </p:extLst>
   </p:cSld>
   <p:clrMapOvr>
     <a:masterClrMapping/>
   </p:clrMapOvr>
+  <p:timing>
+    <p:tnLst>
+      <p:par>
+        <p:cTn id="1" dur="indefinite" restart="never" nodeType="tmRoot"/>
+      </p:par>
+    </p:tnLst>
+  </p:timing>
 </p:sld>
 </file>
 
@@ -4376,361 +4882,59 @@
           <a:p>
             <a:r>
               <a:rPr lang="en-US" dirty="0" smtClean="0"/>
-              <a:t>References</a:t>
+              <a:t>Oracle Accuracy</a:t>
             </a:r>
             <a:endParaRPr lang="en-US" dirty="0"/>
           </a:p>
         </p:txBody>
       </p:sp>
-      <p:sp>
-        <p:nvSpPr>
-          <p:cNvPr id="3" name="Content Placeholder 2"/>
-          <p:cNvSpPr>
-            <a:spLocks noGrp="1"/>
-          </p:cNvSpPr>
+      <p:pic>
+        <p:nvPicPr>
+          <p:cNvPr id="4099" name="Picture 3" descr="C:\cygwin\home\mramire8\python_code\aal_misc\samples\minitests\oracle-twittercm-accuracy.png"/>
+          <p:cNvPicPr>
+            <a:picLocks noGrp="1" noChangeAspect="1" noChangeArrowheads="1"/>
+          </p:cNvPicPr>
           <p:nvPr>
             <p:ph idx="1"/>
           </p:nvPr>
-        </p:nvSpPr>
-        <p:spPr/>
-        <p:txBody>
-          <a:bodyPr>
-            <a:normAutofit fontScale="55000" lnSpcReduction="20000"/>
-          </a:bodyPr>
-          <a:lstStyle/>
-          <a:p>
-            <a:r>
-              <a:rPr lang="en-US" dirty="0"/>
-              <a:t>Ferrara, Emilio, </a:t>
-            </a:r>
-            <a:r>
-              <a:rPr lang="en-US" dirty="0" err="1"/>
-              <a:t>Onur</a:t>
-            </a:r>
-            <a:r>
-              <a:rPr lang="en-US" dirty="0"/>
-              <a:t> </a:t>
-            </a:r>
-            <a:r>
-              <a:rPr lang="en-US" dirty="0" err="1"/>
-              <a:t>Varol</a:t>
-            </a:r>
-            <a:r>
-              <a:rPr lang="en-US" dirty="0"/>
-              <a:t>, Clayton Davis, </a:t>
-            </a:r>
-            <a:r>
-              <a:rPr lang="en-US" dirty="0" err="1"/>
-              <a:t>Filippo</a:t>
-            </a:r>
-            <a:r>
-              <a:rPr lang="en-US" dirty="0"/>
-              <a:t> </a:t>
-            </a:r>
-            <a:r>
-              <a:rPr lang="en-US" dirty="0" err="1"/>
-              <a:t>Menczer</a:t>
-            </a:r>
-            <a:r>
-              <a:rPr lang="en-US" dirty="0"/>
-              <a:t>, and Alessandro </a:t>
-            </a:r>
-            <a:r>
-              <a:rPr lang="en-US" dirty="0" err="1"/>
-              <a:t>Flammini</a:t>
-            </a:r>
-            <a:r>
-              <a:rPr lang="en-US" dirty="0"/>
-              <a:t>. 2014. “The Rise of Social Bots” (July 19). http://</a:t>
-            </a:r>
-            <a:r>
-              <a:rPr lang="en-US" dirty="0" err="1"/>
-              <a:t>arxiv.org</a:t>
-            </a:r>
-            <a:r>
-              <a:rPr lang="en-US" dirty="0"/>
-              <a:t>/abs/1407.5225v1.</a:t>
-            </a:r>
-          </a:p>
-          <a:p>
-            <a:r>
-              <a:rPr lang="en-US" dirty="0" smtClean="0"/>
-              <a:t>Lee, </a:t>
-            </a:r>
-            <a:r>
-              <a:rPr lang="en-US" dirty="0" err="1" smtClean="0"/>
-              <a:t>Kyumin</a:t>
-            </a:r>
-            <a:r>
-              <a:rPr lang="en-US" dirty="0" smtClean="0"/>
-              <a:t>, BD </a:t>
-            </a:r>
-            <a:r>
-              <a:rPr lang="en-US" dirty="0" err="1" smtClean="0"/>
-              <a:t>Eoff</a:t>
-            </a:r>
-            <a:r>
-              <a:rPr lang="en-US" dirty="0" smtClean="0"/>
-              <a:t>, and James </a:t>
-            </a:r>
-            <a:r>
-              <a:rPr lang="en-US" dirty="0" err="1" smtClean="0"/>
-              <a:t>Caverlee</a:t>
-            </a:r>
-            <a:r>
-              <a:rPr lang="en-US" dirty="0" smtClean="0"/>
-              <a:t>. 2011. “Seven Months with the Devils: A Long-Term Study of Content Polluters on Twitter.” Proceedings of the Fifth International AAAI Conference on Weblogs and Social Media (ICWSM). http://</a:t>
-            </a:r>
-            <a:r>
-              <a:rPr lang="en-US" dirty="0" err="1" smtClean="0"/>
-              <a:t>www.aaai.org</a:t>
-            </a:r>
-            <a:r>
-              <a:rPr lang="en-US" dirty="0" smtClean="0"/>
-              <a:t>/</a:t>
-            </a:r>
-            <a:r>
-              <a:rPr lang="en-US" dirty="0" err="1" smtClean="0"/>
-              <a:t>ocs</a:t>
-            </a:r>
-            <a:r>
-              <a:rPr lang="en-US" dirty="0" smtClean="0"/>
-              <a:t>/</a:t>
-            </a:r>
-            <a:r>
-              <a:rPr lang="en-US" dirty="0" err="1" smtClean="0"/>
-              <a:t>index.php</a:t>
-            </a:r>
-            <a:r>
-              <a:rPr lang="en-US" dirty="0" smtClean="0"/>
-              <a:t>/ICWSM/ICWSM11/paper/</a:t>
-            </a:r>
-            <a:r>
-              <a:rPr lang="en-US" dirty="0" err="1" smtClean="0"/>
-              <a:t>viewFile</a:t>
-            </a:r>
-            <a:r>
-              <a:rPr lang="en-US" dirty="0" smtClean="0"/>
-              <a:t>/2780/3296.</a:t>
-            </a:r>
-          </a:p>
-          <a:p>
-            <a:r>
-              <a:rPr lang="en-US" dirty="0" smtClean="0"/>
-              <a:t>Lee, </a:t>
-            </a:r>
-            <a:r>
-              <a:rPr lang="en-US" dirty="0" err="1" smtClean="0"/>
-              <a:t>Kyumin</a:t>
-            </a:r>
-            <a:r>
-              <a:rPr lang="en-US" dirty="0" smtClean="0"/>
-              <a:t>, </a:t>
-            </a:r>
-            <a:r>
-              <a:rPr lang="en-US" dirty="0" err="1" smtClean="0"/>
-              <a:t>Prithivi</a:t>
-            </a:r>
-            <a:r>
-              <a:rPr lang="en-US" dirty="0" smtClean="0"/>
-              <a:t> </a:t>
-            </a:r>
-            <a:r>
-              <a:rPr lang="en-US" dirty="0" err="1" smtClean="0"/>
-              <a:t>Tamilarasan</a:t>
-            </a:r>
-            <a:r>
-              <a:rPr lang="en-US" dirty="0" smtClean="0"/>
-              <a:t>, and James </a:t>
-            </a:r>
-            <a:r>
-              <a:rPr lang="en-US" dirty="0" err="1" smtClean="0"/>
-              <a:t>Caverlee</a:t>
-            </a:r>
-            <a:r>
-              <a:rPr lang="en-US" dirty="0" smtClean="0"/>
-              <a:t>. “</a:t>
-            </a:r>
-            <a:r>
-              <a:rPr lang="en-US" dirty="0" err="1" smtClean="0"/>
-              <a:t>Crowdturfers</a:t>
-            </a:r>
-            <a:r>
-              <a:rPr lang="en-US" dirty="0" smtClean="0"/>
-              <a:t> , Campaigns , and Social Media : Tracking and Revealing </a:t>
-            </a:r>
-            <a:r>
-              <a:rPr lang="en-US" dirty="0" err="1" smtClean="0"/>
-              <a:t>Crowdsourced</a:t>
-            </a:r>
-            <a:r>
-              <a:rPr lang="en-US" dirty="0" smtClean="0"/>
-              <a:t> Manipulation of Social Media.”</a:t>
-            </a:r>
-          </a:p>
-          <a:p>
-            <a:r>
-              <a:rPr lang="en-US" dirty="0" err="1"/>
-              <a:t>Ratkiewicz</a:t>
-            </a:r>
-            <a:r>
-              <a:rPr lang="en-US" dirty="0"/>
-              <a:t>, Jacob, Michael Conover, Mark </a:t>
-            </a:r>
-            <a:r>
-              <a:rPr lang="en-US" dirty="0" err="1"/>
-              <a:t>Meiss</a:t>
-            </a:r>
-            <a:r>
-              <a:rPr lang="en-US" dirty="0"/>
-              <a:t>, Bruno </a:t>
-            </a:r>
-            <a:r>
-              <a:rPr lang="en-US" dirty="0" err="1"/>
-              <a:t>Gonçalves</a:t>
-            </a:r>
-            <a:r>
-              <a:rPr lang="en-US" dirty="0"/>
-              <a:t>, </a:t>
-            </a:r>
-            <a:r>
-              <a:rPr lang="en-US" dirty="0" err="1"/>
-              <a:t>Snehal</a:t>
-            </a:r>
-            <a:r>
-              <a:rPr lang="en-US" dirty="0"/>
-              <a:t> </a:t>
-            </a:r>
-            <a:r>
-              <a:rPr lang="en-US" dirty="0" err="1"/>
-              <a:t>Patil</a:t>
-            </a:r>
-            <a:r>
-              <a:rPr lang="en-US" dirty="0"/>
-              <a:t>, Alessandro </a:t>
-            </a:r>
-            <a:r>
-              <a:rPr lang="en-US" dirty="0" err="1"/>
-              <a:t>Flammini</a:t>
-            </a:r>
-            <a:r>
-              <a:rPr lang="en-US" dirty="0"/>
-              <a:t>, and </a:t>
-            </a:r>
-            <a:r>
-              <a:rPr lang="en-US" dirty="0" err="1"/>
-              <a:t>Filippo</a:t>
-            </a:r>
-            <a:r>
-              <a:rPr lang="en-US" dirty="0"/>
-              <a:t> </a:t>
-            </a:r>
-            <a:r>
-              <a:rPr lang="en-US" dirty="0" err="1"/>
-              <a:t>Menczer</a:t>
-            </a:r>
-            <a:r>
-              <a:rPr lang="en-US" dirty="0"/>
-              <a:t>. "</a:t>
-            </a:r>
-            <a:r>
-              <a:rPr lang="en-US" dirty="0" err="1"/>
-              <a:t>Truthy</a:t>
-            </a:r>
-            <a:r>
-              <a:rPr lang="en-US" dirty="0"/>
-              <a:t>: mapping the spread of </a:t>
-            </a:r>
-            <a:r>
-              <a:rPr lang="en-US" dirty="0" err="1"/>
-              <a:t>astroturf</a:t>
-            </a:r>
-            <a:r>
-              <a:rPr lang="en-US" dirty="0"/>
-              <a:t> in </a:t>
-            </a:r>
-            <a:r>
-              <a:rPr lang="en-US" dirty="0" err="1"/>
-              <a:t>microblog</a:t>
-            </a:r>
-            <a:r>
-              <a:rPr lang="en-US" dirty="0"/>
-              <a:t> streams." In </a:t>
-            </a:r>
-            <a:r>
-              <a:rPr lang="en-US" i="1" dirty="0"/>
-              <a:t>Proceedings of the 20th international conference companion on World wide web</a:t>
-            </a:r>
-            <a:r>
-              <a:rPr lang="en-US" dirty="0"/>
-              <a:t>, pp. 249-252. ACM, 2011</a:t>
-            </a:r>
-            <a:r>
-              <a:rPr lang="en-US" dirty="0" smtClean="0"/>
-              <a:t>.</a:t>
-            </a:r>
-          </a:p>
-          <a:p>
-            <a:r>
-              <a:rPr lang="en-US" dirty="0" smtClean="0"/>
-              <a:t>Chu, </a:t>
-            </a:r>
-            <a:r>
-              <a:rPr lang="en-US" dirty="0" err="1" smtClean="0"/>
-              <a:t>Zi</a:t>
-            </a:r>
-            <a:r>
-              <a:rPr lang="en-US" dirty="0" smtClean="0"/>
-              <a:t>, Steven </a:t>
-            </a:r>
-            <a:r>
-              <a:rPr lang="en-US" dirty="0" err="1" smtClean="0"/>
-              <a:t>Gianvecchio</a:t>
-            </a:r>
-            <a:r>
-              <a:rPr lang="en-US" dirty="0" smtClean="0"/>
-              <a:t>, </a:t>
-            </a:r>
-            <a:r>
-              <a:rPr lang="en-US" dirty="0" err="1" smtClean="0"/>
-              <a:t>Haining</a:t>
-            </a:r>
-            <a:r>
-              <a:rPr lang="en-US" dirty="0" smtClean="0"/>
-              <a:t> Wang, and </a:t>
-            </a:r>
-            <a:r>
-              <a:rPr lang="en-US" dirty="0" err="1" smtClean="0"/>
-              <a:t>Sushil</a:t>
-            </a:r>
-            <a:r>
-              <a:rPr lang="en-US" dirty="0" smtClean="0"/>
-              <a:t> </a:t>
-            </a:r>
-            <a:r>
-              <a:rPr lang="en-US" dirty="0" err="1" smtClean="0"/>
-              <a:t>Jajodia</a:t>
-            </a:r>
-            <a:r>
-              <a:rPr lang="en-US" dirty="0" smtClean="0"/>
-              <a:t>. "Who is tweeting on Twitter: human, bot, or cyborg?." In </a:t>
-            </a:r>
-            <a:r>
-              <a:rPr lang="en-US" i="1" dirty="0" smtClean="0"/>
-              <a:t>Proceedings of the 26th annual computer security applications conference</a:t>
-            </a:r>
-            <a:r>
-              <a:rPr lang="en-US" dirty="0" smtClean="0"/>
-              <a:t>, pp. 21-30. ACM, 2010.</a:t>
-            </a:r>
-            <a:endParaRPr lang="en-US" dirty="0"/>
-          </a:p>
-        </p:txBody>
-      </p:sp>
+        </p:nvPicPr>
+        <p:blipFill>
+          <a:blip r:embed="rId2">
+            <a:extLst>
+              <a:ext uri="{28A0092B-C50C-407E-A947-70E740481C1C}">
+                <a14:useLocalDpi xmlns:a14="http://schemas.microsoft.com/office/drawing/2010/main" val="0"/>
+              </a:ext>
+            </a:extLst>
+          </a:blip>
+          <a:srcRect/>
+          <a:stretch>
+            <a:fillRect/>
+          </a:stretch>
+        </p:blipFill>
+        <p:spPr bwMode="auto">
+          <a:xfrm>
+            <a:off x="861526" y="1600200"/>
+            <a:ext cx="7420948" cy="4525963"/>
+          </a:xfrm>
+          <a:prstGeom prst="rect">
+            <a:avLst/>
+          </a:prstGeom>
+          <a:noFill/>
+          <a:extLst>
+            <a:ext uri="{909E8E84-426E-40DD-AFC4-6F175D3DCCD1}">
+              <a14:hiddenFill xmlns:a14="http://schemas.microsoft.com/office/drawing/2010/main">
+                <a:solidFill>
+                  <a:srgbClr val="FFFFFF"/>
+                </a:solidFill>
+              </a14:hiddenFill>
+            </a:ext>
+          </a:extLst>
+        </p:spPr>
+      </p:pic>
     </p:spTree>
     <p:extLst>
       <p:ext uri="{BB962C8B-B14F-4D97-AF65-F5344CB8AC3E}">
-        <p14:creationId xmlns:p14="http://schemas.microsoft.com/office/powerpoint/2010/main" val="1963519557"/>
+        <p14:creationId xmlns:p14="http://schemas.microsoft.com/office/powerpoint/2010/main" val="2684979145"/>
       </p:ext>
     </p:extLst>
   </p:cSld>
@@ -4759,6 +4963,711 @@
       </p:grpSpPr>
       <p:sp>
         <p:nvSpPr>
+          <p:cNvPr id="2" name="Title 1"/>
+          <p:cNvSpPr>
+            <a:spLocks noGrp="1"/>
+          </p:cNvSpPr>
+          <p:nvPr>
+            <p:ph type="title"/>
+          </p:nvPr>
+        </p:nvSpPr>
+        <p:spPr/>
+        <p:txBody>
+          <a:bodyPr/>
+          <a:lstStyle/>
+          <a:p>
+            <a:r>
+              <a:rPr lang="en-US" dirty="0" smtClean="0"/>
+              <a:t>Next?</a:t>
+            </a:r>
+            <a:endParaRPr lang="en-US" dirty="0"/>
+          </a:p>
+        </p:txBody>
+      </p:sp>
+      <p:sp>
+        <p:nvSpPr>
+          <p:cNvPr id="3" name="Content Placeholder 2"/>
+          <p:cNvSpPr>
+            <a:spLocks noGrp="1"/>
+          </p:cNvSpPr>
+          <p:nvPr>
+            <p:ph idx="1"/>
+          </p:nvPr>
+        </p:nvSpPr>
+        <p:spPr/>
+        <p:txBody>
+          <a:bodyPr/>
+          <a:lstStyle/>
+          <a:p>
+            <a:r>
+              <a:rPr lang="en-US" dirty="0" smtClean="0"/>
+              <a:t>Human class imbalanced</a:t>
+            </a:r>
+          </a:p>
+          <a:p>
+            <a:pPr lvl="1"/>
+            <a:r>
+              <a:rPr lang="en-US" dirty="0" smtClean="0"/>
+              <a:t>Use threshold for best tweet</a:t>
+            </a:r>
+          </a:p>
+          <a:p>
+            <a:pPr lvl="1"/>
+            <a:r>
+              <a:rPr lang="en-US" dirty="0" smtClean="0"/>
+              <a:t>Try bigger bootstrap</a:t>
+            </a:r>
+          </a:p>
+          <a:p>
+            <a:r>
+              <a:rPr lang="en-US" dirty="0" smtClean="0"/>
+              <a:t>Representation</a:t>
+            </a:r>
+          </a:p>
+          <a:p>
+            <a:pPr lvl="1"/>
+            <a:r>
+              <a:rPr lang="en-US" dirty="0" smtClean="0"/>
+              <a:t>Use more features one-grams and two-grams</a:t>
+            </a:r>
+          </a:p>
+          <a:p>
+            <a:endParaRPr lang="en-US" dirty="0" smtClean="0"/>
+          </a:p>
+        </p:txBody>
+      </p:sp>
+    </p:spTree>
+    <p:extLst>
+      <p:ext uri="{BB962C8B-B14F-4D97-AF65-F5344CB8AC3E}">
+        <p14:creationId xmlns:p14="http://schemas.microsoft.com/office/powerpoint/2010/main" val="2763807988"/>
+      </p:ext>
+    </p:extLst>
+  </p:cSld>
+  <p:clrMapOvr>
+    <a:masterClrMapping/>
+  </p:clrMapOvr>
+</p:sld>
+</file>
+
+<file path=ppt/slides/slide15.xml><?xml version="1.0" encoding="utf-8"?>
+<p:sld xmlns:a="http://schemas.openxmlformats.org/drawingml/2006/main" xmlns:r="http://schemas.openxmlformats.org/officeDocument/2006/relationships" xmlns:p="http://schemas.openxmlformats.org/presentationml/2006/main">
+  <p:cSld>
+    <p:spTree>
+      <p:nvGrpSpPr>
+        <p:cNvPr id="1" name=""/>
+        <p:cNvGrpSpPr/>
+        <p:nvPr/>
+      </p:nvGrpSpPr>
+      <p:grpSpPr>
+        <a:xfrm>
+          <a:off x="0" y="0"/>
+          <a:ext cx="0" cy="0"/>
+          <a:chOff x="0" y="0"/>
+          <a:chExt cx="0" cy="0"/>
+        </a:xfrm>
+      </p:grpSpPr>
+      <p:sp>
+        <p:nvSpPr>
+          <p:cNvPr id="2" name="Title 1"/>
+          <p:cNvSpPr>
+            <a:spLocks noGrp="1"/>
+          </p:cNvSpPr>
+          <p:nvPr>
+            <p:ph type="title"/>
+          </p:nvPr>
+        </p:nvSpPr>
+        <p:spPr/>
+        <p:txBody>
+          <a:bodyPr>
+            <a:normAutofit/>
+          </a:bodyPr>
+          <a:lstStyle/>
+          <a:p>
+            <a:r>
+              <a:rPr lang="en-US" dirty="0" smtClean="0"/>
+              <a:t>Related Work</a:t>
+            </a:r>
+            <a:endParaRPr lang="en-US" dirty="0"/>
+          </a:p>
+        </p:txBody>
+      </p:sp>
+      <p:sp>
+        <p:nvSpPr>
+          <p:cNvPr id="3" name="Content Placeholder 2"/>
+          <p:cNvSpPr>
+            <a:spLocks noGrp="1"/>
+          </p:cNvSpPr>
+          <p:nvPr>
+            <p:ph idx="1"/>
+          </p:nvPr>
+        </p:nvSpPr>
+        <p:spPr/>
+        <p:txBody>
+          <a:bodyPr/>
+          <a:lstStyle/>
+          <a:p>
+            <a:pPr marL="342900" marR="0" indent="-342900" algn="l" defTabSz="457200" rtl="0" eaLnBrk="1" fontAlgn="auto" latinLnBrk="0" hangingPunct="1">
+              <a:lnSpc>
+                <a:spcPct val="100000"/>
+              </a:lnSpc>
+              <a:spcBef>
+                <a:spcPct val="20000"/>
+              </a:spcBef>
+              <a:spcAft>
+                <a:spcPts val="0"/>
+              </a:spcAft>
+              <a:buClrTx/>
+              <a:buSzTx/>
+              <a:buFont typeface="Arial"/>
+              <a:buChar char="•"/>
+              <a:tabLst/>
+              <a:defRPr/>
+            </a:pPr>
+            <a:r>
+              <a:rPr lang="en-US" sz="3200" kern="1200" dirty="0" err="1" smtClean="0">
+                <a:solidFill>
+                  <a:schemeClr val="tx1"/>
+                </a:solidFill>
+                <a:effectLst/>
+                <a:latin typeface="+mn-lt"/>
+                <a:ea typeface="+mn-ea"/>
+                <a:cs typeface="+mn-cs"/>
+              </a:rPr>
+              <a:t>Truthy</a:t>
+            </a:r>
+            <a:r>
+              <a:rPr lang="en-US" sz="3200" kern="1200" dirty="0" smtClean="0">
+                <a:solidFill>
+                  <a:schemeClr val="tx1"/>
+                </a:solidFill>
+                <a:effectLst/>
+                <a:latin typeface="+mn-lt"/>
+                <a:ea typeface="+mn-ea"/>
+                <a:cs typeface="+mn-cs"/>
+              </a:rPr>
+              <a:t> and Bot-or-not</a:t>
+            </a:r>
+          </a:p>
+          <a:p>
+            <a:pPr lvl="1" indent="-342900">
+              <a:buFont typeface="Arial"/>
+              <a:buChar char="•"/>
+              <a:defRPr/>
+            </a:pPr>
+            <a:r>
+              <a:rPr lang="en-US" dirty="0" smtClean="0"/>
+              <a:t>Propose set of f</a:t>
+            </a:r>
+            <a:r>
+              <a:rPr lang="en-US" sz="2800" dirty="0" smtClean="0"/>
+              <a:t>eatures </a:t>
+            </a:r>
+            <a:endParaRPr lang="en-US" sz="2800" kern="1200" dirty="0" smtClean="0">
+              <a:solidFill>
+                <a:schemeClr val="tx1"/>
+              </a:solidFill>
+              <a:effectLst/>
+              <a:latin typeface="+mn-lt"/>
+              <a:ea typeface="+mn-ea"/>
+              <a:cs typeface="+mn-cs"/>
+            </a:endParaRPr>
+          </a:p>
+          <a:p>
+            <a:pPr lvl="1" indent="-342900">
+              <a:buFont typeface="Arial"/>
+              <a:buChar char="•"/>
+              <a:defRPr/>
+            </a:pPr>
+            <a:r>
+              <a:rPr lang="en-US" dirty="0" smtClean="0"/>
+              <a:t>Require a lot of data</a:t>
+            </a:r>
+          </a:p>
+          <a:p>
+            <a:pPr marL="342900" marR="0" indent="-342900" algn="l" defTabSz="457200" rtl="0" eaLnBrk="1" fontAlgn="auto" latinLnBrk="0" hangingPunct="1">
+              <a:lnSpc>
+                <a:spcPct val="100000"/>
+              </a:lnSpc>
+              <a:spcBef>
+                <a:spcPct val="20000"/>
+              </a:spcBef>
+              <a:spcAft>
+                <a:spcPts val="0"/>
+              </a:spcAft>
+              <a:buClrTx/>
+              <a:buSzTx/>
+              <a:buFont typeface="Arial"/>
+              <a:buChar char="•"/>
+              <a:tabLst/>
+              <a:defRPr/>
+            </a:pPr>
+            <a:r>
+              <a:rPr lang="en-US" dirty="0" smtClean="0"/>
+              <a:t>This approach:</a:t>
+            </a:r>
+          </a:p>
+          <a:p>
+            <a:pPr lvl="1" indent="-342900">
+              <a:buFont typeface="Arial"/>
+              <a:buChar char="•"/>
+              <a:defRPr/>
+            </a:pPr>
+            <a:r>
+              <a:rPr lang="en-US" dirty="0" smtClean="0"/>
+              <a:t>Active learning</a:t>
+            </a:r>
+            <a:r>
+              <a:rPr lang="en-US" dirty="0"/>
+              <a:t> </a:t>
+            </a:r>
+            <a:r>
+              <a:rPr lang="en-US" dirty="0" smtClean="0"/>
+              <a:t>with anytime capabilities</a:t>
+            </a:r>
+          </a:p>
+          <a:p>
+            <a:pPr lvl="1" indent="-342900">
+              <a:buFont typeface="Arial"/>
+              <a:buChar char="•"/>
+              <a:defRPr/>
+            </a:pPr>
+            <a:r>
+              <a:rPr lang="en-US" dirty="0" smtClean="0"/>
+              <a:t>Novel</a:t>
+            </a:r>
+          </a:p>
+        </p:txBody>
+      </p:sp>
+    </p:spTree>
+    <p:extLst>
+      <p:ext uri="{BB962C8B-B14F-4D97-AF65-F5344CB8AC3E}">
+        <p14:creationId xmlns:p14="http://schemas.microsoft.com/office/powerpoint/2010/main" val="2026480241"/>
+      </p:ext>
+    </p:extLst>
+  </p:cSld>
+  <p:clrMapOvr>
+    <a:masterClrMapping/>
+  </p:clrMapOvr>
+</p:sld>
+</file>
+
+<file path=ppt/slides/slide16.xml><?xml version="1.0" encoding="utf-8"?>
+<p:sld xmlns:a="http://schemas.openxmlformats.org/drawingml/2006/main" xmlns:r="http://schemas.openxmlformats.org/officeDocument/2006/relationships" xmlns:p="http://schemas.openxmlformats.org/presentationml/2006/main">
+  <p:cSld>
+    <p:spTree>
+      <p:nvGrpSpPr>
+        <p:cNvPr id="1" name=""/>
+        <p:cNvGrpSpPr/>
+        <p:nvPr/>
+      </p:nvGrpSpPr>
+      <p:grpSpPr>
+        <a:xfrm>
+          <a:off x="0" y="0"/>
+          <a:ext cx="0" cy="0"/>
+          <a:chOff x="0" y="0"/>
+          <a:chExt cx="0" cy="0"/>
+        </a:xfrm>
+      </p:grpSpPr>
+      <p:sp>
+        <p:nvSpPr>
+          <p:cNvPr id="2" name="Title 1"/>
+          <p:cNvSpPr>
+            <a:spLocks noGrp="1"/>
+          </p:cNvSpPr>
+          <p:nvPr>
+            <p:ph type="title"/>
+          </p:nvPr>
+        </p:nvSpPr>
+        <p:spPr/>
+        <p:txBody>
+          <a:bodyPr/>
+          <a:lstStyle/>
+          <a:p>
+            <a:r>
+              <a:rPr lang="en-US" dirty="0" smtClean="0"/>
+              <a:t>References</a:t>
+            </a:r>
+            <a:endParaRPr lang="en-US" dirty="0"/>
+          </a:p>
+        </p:txBody>
+      </p:sp>
+      <p:sp>
+        <p:nvSpPr>
+          <p:cNvPr id="3" name="Content Placeholder 2"/>
+          <p:cNvSpPr>
+            <a:spLocks noGrp="1"/>
+          </p:cNvSpPr>
+          <p:nvPr>
+            <p:ph idx="1"/>
+          </p:nvPr>
+        </p:nvSpPr>
+        <p:spPr/>
+        <p:txBody>
+          <a:bodyPr>
+            <a:normAutofit fontScale="55000" lnSpcReduction="20000"/>
+          </a:bodyPr>
+          <a:lstStyle/>
+          <a:p>
+            <a:r>
+              <a:rPr lang="en-US" dirty="0"/>
+              <a:t>Ferrara, Emilio, </a:t>
+            </a:r>
+            <a:r>
+              <a:rPr lang="en-US" dirty="0" err="1"/>
+              <a:t>Onur</a:t>
+            </a:r>
+            <a:r>
+              <a:rPr lang="en-US" dirty="0"/>
+              <a:t> </a:t>
+            </a:r>
+            <a:r>
+              <a:rPr lang="en-US" dirty="0" err="1"/>
+              <a:t>Varol</a:t>
+            </a:r>
+            <a:r>
+              <a:rPr lang="en-US" dirty="0"/>
+              <a:t>, Clayton Davis, </a:t>
+            </a:r>
+            <a:r>
+              <a:rPr lang="en-US" dirty="0" err="1"/>
+              <a:t>Filippo</a:t>
+            </a:r>
+            <a:r>
+              <a:rPr lang="en-US" dirty="0"/>
+              <a:t> </a:t>
+            </a:r>
+            <a:r>
+              <a:rPr lang="en-US" dirty="0" err="1"/>
+              <a:t>Menczer</a:t>
+            </a:r>
+            <a:r>
+              <a:rPr lang="en-US" dirty="0"/>
+              <a:t>, and Alessandro </a:t>
+            </a:r>
+            <a:r>
+              <a:rPr lang="en-US" dirty="0" err="1"/>
+              <a:t>Flammini</a:t>
+            </a:r>
+            <a:r>
+              <a:rPr lang="en-US" dirty="0"/>
+              <a:t>. 2014. “The Rise of Social Bots” (July 19). http://</a:t>
+            </a:r>
+            <a:r>
+              <a:rPr lang="en-US" dirty="0" err="1"/>
+              <a:t>arxiv.org</a:t>
+            </a:r>
+            <a:r>
+              <a:rPr lang="en-US" dirty="0"/>
+              <a:t>/abs/1407.5225v1.</a:t>
+            </a:r>
+          </a:p>
+          <a:p>
+            <a:r>
+              <a:rPr lang="en-US" dirty="0" smtClean="0"/>
+              <a:t>Lee, </a:t>
+            </a:r>
+            <a:r>
+              <a:rPr lang="en-US" dirty="0" err="1" smtClean="0"/>
+              <a:t>Kyumin</a:t>
+            </a:r>
+            <a:r>
+              <a:rPr lang="en-US" dirty="0" smtClean="0"/>
+              <a:t>, BD </a:t>
+            </a:r>
+            <a:r>
+              <a:rPr lang="en-US" dirty="0" err="1" smtClean="0"/>
+              <a:t>Eoff</a:t>
+            </a:r>
+            <a:r>
+              <a:rPr lang="en-US" dirty="0" smtClean="0"/>
+              <a:t>, and James </a:t>
+            </a:r>
+            <a:r>
+              <a:rPr lang="en-US" dirty="0" err="1" smtClean="0"/>
+              <a:t>Caverlee</a:t>
+            </a:r>
+            <a:r>
+              <a:rPr lang="en-US" dirty="0" smtClean="0"/>
+              <a:t>. 2011. “Seven Months with the Devils: A Long-Term Study of Content Polluters on Twitter.” Proceedings of the Fifth International AAAI Conference on Weblogs and Social Media (ICWSM). http://</a:t>
+            </a:r>
+            <a:r>
+              <a:rPr lang="en-US" dirty="0" err="1" smtClean="0"/>
+              <a:t>www.aaai.org</a:t>
+            </a:r>
+            <a:r>
+              <a:rPr lang="en-US" dirty="0" smtClean="0"/>
+              <a:t>/</a:t>
+            </a:r>
+            <a:r>
+              <a:rPr lang="en-US" dirty="0" err="1" smtClean="0"/>
+              <a:t>ocs</a:t>
+            </a:r>
+            <a:r>
+              <a:rPr lang="en-US" dirty="0" smtClean="0"/>
+              <a:t>/</a:t>
+            </a:r>
+            <a:r>
+              <a:rPr lang="en-US" dirty="0" err="1" smtClean="0"/>
+              <a:t>index.php</a:t>
+            </a:r>
+            <a:r>
+              <a:rPr lang="en-US" dirty="0" smtClean="0"/>
+              <a:t>/ICWSM/ICWSM11/paper/</a:t>
+            </a:r>
+            <a:r>
+              <a:rPr lang="en-US" dirty="0" err="1" smtClean="0"/>
+              <a:t>viewFile</a:t>
+            </a:r>
+            <a:r>
+              <a:rPr lang="en-US" dirty="0" smtClean="0"/>
+              <a:t>/2780/3296.</a:t>
+            </a:r>
+          </a:p>
+          <a:p>
+            <a:r>
+              <a:rPr lang="en-US" dirty="0" smtClean="0"/>
+              <a:t>Lee, </a:t>
+            </a:r>
+            <a:r>
+              <a:rPr lang="en-US" dirty="0" err="1" smtClean="0"/>
+              <a:t>Kyumin</a:t>
+            </a:r>
+            <a:r>
+              <a:rPr lang="en-US" dirty="0" smtClean="0"/>
+              <a:t>, </a:t>
+            </a:r>
+            <a:r>
+              <a:rPr lang="en-US" dirty="0" err="1" smtClean="0"/>
+              <a:t>Prithivi</a:t>
+            </a:r>
+            <a:r>
+              <a:rPr lang="en-US" dirty="0" smtClean="0"/>
+              <a:t> </a:t>
+            </a:r>
+            <a:r>
+              <a:rPr lang="en-US" dirty="0" err="1" smtClean="0"/>
+              <a:t>Tamilarasan</a:t>
+            </a:r>
+            <a:r>
+              <a:rPr lang="en-US" dirty="0" smtClean="0"/>
+              <a:t>, and James </a:t>
+            </a:r>
+            <a:r>
+              <a:rPr lang="en-US" dirty="0" err="1" smtClean="0"/>
+              <a:t>Caverlee</a:t>
+            </a:r>
+            <a:r>
+              <a:rPr lang="en-US" dirty="0" smtClean="0"/>
+              <a:t>. “</a:t>
+            </a:r>
+            <a:r>
+              <a:rPr lang="en-US" dirty="0" err="1" smtClean="0"/>
+              <a:t>Crowdturfers</a:t>
+            </a:r>
+            <a:r>
+              <a:rPr lang="en-US" dirty="0" smtClean="0"/>
+              <a:t> , Campaigns , and Social Media : Tracking and Revealing </a:t>
+            </a:r>
+            <a:r>
+              <a:rPr lang="en-US" dirty="0" err="1" smtClean="0"/>
+              <a:t>Crowdsourced</a:t>
+            </a:r>
+            <a:r>
+              <a:rPr lang="en-US" dirty="0" smtClean="0"/>
+              <a:t> Manipulation of Social Media.”</a:t>
+            </a:r>
+          </a:p>
+          <a:p>
+            <a:r>
+              <a:rPr lang="en-US" dirty="0" err="1"/>
+              <a:t>Ratkiewicz</a:t>
+            </a:r>
+            <a:r>
+              <a:rPr lang="en-US" dirty="0"/>
+              <a:t>, Jacob, Michael Conover, Mark </a:t>
+            </a:r>
+            <a:r>
+              <a:rPr lang="en-US" dirty="0" err="1"/>
+              <a:t>Meiss</a:t>
+            </a:r>
+            <a:r>
+              <a:rPr lang="en-US" dirty="0"/>
+              <a:t>, Bruno </a:t>
+            </a:r>
+            <a:r>
+              <a:rPr lang="en-US" dirty="0" err="1"/>
+              <a:t>Gonçalves</a:t>
+            </a:r>
+            <a:r>
+              <a:rPr lang="en-US" dirty="0"/>
+              <a:t>, </a:t>
+            </a:r>
+            <a:r>
+              <a:rPr lang="en-US" dirty="0" err="1"/>
+              <a:t>Snehal</a:t>
+            </a:r>
+            <a:r>
+              <a:rPr lang="en-US" dirty="0"/>
+              <a:t> </a:t>
+            </a:r>
+            <a:r>
+              <a:rPr lang="en-US" dirty="0" err="1"/>
+              <a:t>Patil</a:t>
+            </a:r>
+            <a:r>
+              <a:rPr lang="en-US" dirty="0"/>
+              <a:t>, Alessandro </a:t>
+            </a:r>
+            <a:r>
+              <a:rPr lang="en-US" dirty="0" err="1"/>
+              <a:t>Flammini</a:t>
+            </a:r>
+            <a:r>
+              <a:rPr lang="en-US" dirty="0"/>
+              <a:t>, and </a:t>
+            </a:r>
+            <a:r>
+              <a:rPr lang="en-US" dirty="0" err="1"/>
+              <a:t>Filippo</a:t>
+            </a:r>
+            <a:r>
+              <a:rPr lang="en-US" dirty="0"/>
+              <a:t> </a:t>
+            </a:r>
+            <a:r>
+              <a:rPr lang="en-US" dirty="0" err="1"/>
+              <a:t>Menczer</a:t>
+            </a:r>
+            <a:r>
+              <a:rPr lang="en-US" dirty="0"/>
+              <a:t>. "</a:t>
+            </a:r>
+            <a:r>
+              <a:rPr lang="en-US" dirty="0" err="1"/>
+              <a:t>Truthy</a:t>
+            </a:r>
+            <a:r>
+              <a:rPr lang="en-US" dirty="0"/>
+              <a:t>: mapping the spread of </a:t>
+            </a:r>
+            <a:r>
+              <a:rPr lang="en-US" dirty="0" err="1"/>
+              <a:t>astroturf</a:t>
+            </a:r>
+            <a:r>
+              <a:rPr lang="en-US" dirty="0"/>
+              <a:t> in </a:t>
+            </a:r>
+            <a:r>
+              <a:rPr lang="en-US" dirty="0" err="1"/>
+              <a:t>microblog</a:t>
+            </a:r>
+            <a:r>
+              <a:rPr lang="en-US" dirty="0"/>
+              <a:t> streams." In </a:t>
+            </a:r>
+            <a:r>
+              <a:rPr lang="en-US" i="1" dirty="0"/>
+              <a:t>Proceedings of the 20th international conference companion on World wide web</a:t>
+            </a:r>
+            <a:r>
+              <a:rPr lang="en-US" dirty="0"/>
+              <a:t>, pp. 249-252. ACM, 2011</a:t>
+            </a:r>
+            <a:r>
+              <a:rPr lang="en-US" dirty="0" smtClean="0"/>
+              <a:t>.</a:t>
+            </a:r>
+          </a:p>
+          <a:p>
+            <a:r>
+              <a:rPr lang="en-US" dirty="0" smtClean="0"/>
+              <a:t>Chu, </a:t>
+            </a:r>
+            <a:r>
+              <a:rPr lang="en-US" dirty="0" err="1" smtClean="0"/>
+              <a:t>Zi</a:t>
+            </a:r>
+            <a:r>
+              <a:rPr lang="en-US" dirty="0" smtClean="0"/>
+              <a:t>, Steven </a:t>
+            </a:r>
+            <a:r>
+              <a:rPr lang="en-US" dirty="0" err="1" smtClean="0"/>
+              <a:t>Gianvecchio</a:t>
+            </a:r>
+            <a:r>
+              <a:rPr lang="en-US" dirty="0" smtClean="0"/>
+              <a:t>, </a:t>
+            </a:r>
+            <a:r>
+              <a:rPr lang="en-US" dirty="0" err="1" smtClean="0"/>
+              <a:t>Haining</a:t>
+            </a:r>
+            <a:r>
+              <a:rPr lang="en-US" dirty="0" smtClean="0"/>
+              <a:t> Wang, and </a:t>
+            </a:r>
+            <a:r>
+              <a:rPr lang="en-US" dirty="0" err="1" smtClean="0"/>
+              <a:t>Sushil</a:t>
+            </a:r>
+            <a:r>
+              <a:rPr lang="en-US" dirty="0" smtClean="0"/>
+              <a:t> </a:t>
+            </a:r>
+            <a:r>
+              <a:rPr lang="en-US" dirty="0" err="1" smtClean="0"/>
+              <a:t>Jajodia</a:t>
+            </a:r>
+            <a:r>
+              <a:rPr lang="en-US" dirty="0" smtClean="0"/>
+              <a:t>. "Who is tweeting on Twitter: human, bot, or cyborg?." In </a:t>
+            </a:r>
+            <a:r>
+              <a:rPr lang="en-US" i="1" dirty="0" smtClean="0"/>
+              <a:t>Proceedings of the 26th annual computer security applications conference</a:t>
+            </a:r>
+            <a:r>
+              <a:rPr lang="en-US" dirty="0" smtClean="0"/>
+              <a:t>, pp. 21-30. ACM, 2010.</a:t>
+            </a:r>
+            <a:endParaRPr lang="en-US" dirty="0"/>
+          </a:p>
+        </p:txBody>
+      </p:sp>
+    </p:spTree>
+    <p:extLst>
+      <p:ext uri="{BB962C8B-B14F-4D97-AF65-F5344CB8AC3E}">
+        <p14:creationId xmlns:p14="http://schemas.microsoft.com/office/powerpoint/2010/main" val="1963519557"/>
+      </p:ext>
+    </p:extLst>
+  </p:cSld>
+  <p:clrMapOvr>
+    <a:masterClrMapping/>
+  </p:clrMapOvr>
+</p:sld>
+</file>
+
+<file path=ppt/slides/slide17.xml><?xml version="1.0" encoding="utf-8"?>
+<p:sld xmlns:a="http://schemas.openxmlformats.org/drawingml/2006/main" xmlns:r="http://schemas.openxmlformats.org/officeDocument/2006/relationships" xmlns:p="http://schemas.openxmlformats.org/presentationml/2006/main">
+  <p:cSld>
+    <p:spTree>
+      <p:nvGrpSpPr>
+        <p:cNvPr id="1" name=""/>
+        <p:cNvGrpSpPr/>
+        <p:nvPr/>
+      </p:nvGrpSpPr>
+      <p:grpSpPr>
+        <a:xfrm>
+          <a:off x="0" y="0"/>
+          <a:ext cx="0" cy="0"/>
+          <a:chOff x="0" y="0"/>
+          <a:chExt cx="0" cy="0"/>
+        </a:xfrm>
+      </p:grpSpPr>
+      <p:sp>
+        <p:nvSpPr>
           <p:cNvPr id="4" name="Title 3"/>
           <p:cNvSpPr>
             <a:spLocks noGrp="1"/>
@@ -4812,7 +5721,7 @@
 </p:sld>
 </file>
 
-<file path=ppt/slides/slide15.xml><?xml version="1.0" encoding="utf-8"?>
+<file path=ppt/slides/slide18.xml><?xml version="1.0" encoding="utf-8"?>
 <p:sld xmlns:a="http://schemas.openxmlformats.org/drawingml/2006/main" xmlns:r="http://schemas.openxmlformats.org/officeDocument/2006/relationships" xmlns:p="http://schemas.openxmlformats.org/presentationml/2006/main">
   <p:cSld>
     <p:spTree>
@@ -4985,7 +5894,7 @@
 </p:sld>
 </file>
 
-<file path=ppt/slides/slide16.xml><?xml version="1.0" encoding="utf-8"?>
+<file path=ppt/slides/slide19.xml><?xml version="1.0" encoding="utf-8"?>
 <p:sld xmlns:a="http://schemas.openxmlformats.org/drawingml/2006/main" xmlns:r="http://schemas.openxmlformats.org/officeDocument/2006/relationships" xmlns:p="http://schemas.openxmlformats.org/presentationml/2006/main" show="0">
   <p:cSld>
     <p:spTree>
@@ -5190,14 +6099,7 @@
           <a:lstStyle/>
           <a:p>
             <a:r>
-              <a:rPr lang="en-US" sz="4400" kern="1200" dirty="0" smtClean="0">
-                <a:solidFill>
-                  <a:schemeClr val="tx1"/>
-                </a:solidFill>
-                <a:latin typeface="+mj-lt"/>
-                <a:ea typeface="+mj-ea"/>
-                <a:cs typeface="+mj-cs"/>
-              </a:rPr>
+              <a:rPr lang="en-US" dirty="0" smtClean="0"/>
               <a:t>The Problem</a:t>
             </a:r>
             <a:endParaRPr lang="en-US" dirty="0"/>
@@ -5221,51 +6123,25 @@
           <a:p>
             <a:r>
               <a:rPr lang="en-US" dirty="0" smtClean="0"/>
-              <a:t>Automatic content generation for online social media:</a:t>
-            </a:r>
-          </a:p>
-          <a:p>
-            <a:pPr lvl="1"/>
-            <a:r>
-              <a:rPr lang="en-US" dirty="0" smtClean="0"/>
-              <a:t>Bot and </a:t>
-            </a:r>
-            <a:r>
-              <a:rPr lang="en-US" dirty="0" err="1" smtClean="0"/>
-              <a:t>astroturfing</a:t>
+              <a:t>Detect bot operated accounts on Twitter</a:t>
             </a:r>
             <a:endParaRPr lang="en-US" dirty="0" smtClean="0"/>
           </a:p>
           <a:p>
-            <a:pPr lvl="1"/>
-            <a:r>
-              <a:rPr lang="en-US" dirty="0" smtClean="0"/>
-              <a:t>Spam</a:t>
-            </a:r>
-          </a:p>
-          <a:p>
-            <a:pPr lvl="1"/>
-            <a:r>
-              <a:rPr lang="en-US" dirty="0" smtClean="0"/>
-              <a:t>Unwanted marketing</a:t>
-            </a:r>
-          </a:p>
-          <a:p>
-            <a:pPr lvl="1"/>
-            <a:r>
-              <a:rPr lang="en-US" dirty="0" smtClean="0"/>
-              <a:t>Account purchase</a:t>
-            </a:r>
-          </a:p>
-          <a:p>
-            <a:r>
-              <a:rPr lang="en-US" dirty="0" smtClean="0"/>
-              <a:t>Misinformation</a:t>
-            </a:r>
-          </a:p>
-          <a:p>
-            <a:pPr lvl="1"/>
-            <a:endParaRPr lang="en-US" dirty="0"/>
+            <a:r>
+              <a:rPr lang="en-US" dirty="0" smtClean="0"/>
+              <a:t>Hypothesis:</a:t>
+            </a:r>
+          </a:p>
+          <a:p>
+            <a:r>
+              <a:rPr lang="en-US" dirty="0" smtClean="0"/>
+              <a:t>Can </a:t>
+            </a:r>
+            <a:r>
+              <a:rPr lang="en-US" dirty="0"/>
+              <a:t>we use active learning methods to learn an effective bot classifier based on text content? </a:t>
+            </a:r>
           </a:p>
         </p:txBody>
       </p:sp>
@@ -5360,7 +6236,7 @@
 </p:sld>
 </file>
 
-<file path=ppt/slides/slide3.xml><?xml version="1.0" encoding="utf-8"?>
+<file path=ppt/slides/slide20.xml><?xml version="1.0" encoding="utf-8"?>
 <p:sld xmlns:a="http://schemas.openxmlformats.org/drawingml/2006/main" xmlns:r="http://schemas.openxmlformats.org/officeDocument/2006/relationships" xmlns:p="http://schemas.openxmlformats.org/presentationml/2006/main">
   <p:cSld>
     <p:spTree>
@@ -5389,22 +6265,14 @@
         </p:nvSpPr>
         <p:spPr/>
         <p:txBody>
-          <a:bodyPr>
-            <a:normAutofit/>
-          </a:bodyPr>
-          <a:lstStyle/>
-          <a:p>
-            <a:r>
-              <a:rPr lang="en-US" sz="4400" kern="1200" dirty="0" smtClean="0">
-                <a:solidFill>
-                  <a:schemeClr val="tx1"/>
-                </a:solidFill>
-                <a:latin typeface="+mj-lt"/>
-                <a:ea typeface="+mj-ea"/>
-                <a:cs typeface="+mj-cs"/>
-              </a:rPr>
-              <a:t>Hypothesis</a:t>
-            </a:r>
+          <a:bodyPr/>
+          <a:lstStyle/>
+          <a:p>
+            <a:r>
+              <a:rPr lang="en-US" dirty="0" smtClean="0"/>
+              <a:t>Preprocessing</a:t>
+            </a:r>
+            <a:endParaRPr lang="en-US" dirty="0"/>
           </a:p>
         </p:txBody>
       </p:sp>
@@ -5425,37 +6293,34 @@
           <a:p>
             <a:r>
               <a:rPr lang="en-US" dirty="0" smtClean="0"/>
-              <a:t>Can we use active learning methods to learn an effective bot </a:t>
-            </a:r>
-            <a:r>
-              <a:rPr lang="en-US" dirty="0" smtClean="0"/>
-              <a:t>classifier based on text content? </a:t>
-            </a:r>
-            <a:endParaRPr lang="en-US" dirty="0" smtClean="0"/>
+              <a:t>N-grams</a:t>
+            </a:r>
+          </a:p>
+          <a:p>
+            <a:r>
+              <a:rPr lang="en-US" dirty="0" smtClean="0"/>
+              <a:t>URL and mention collapse</a:t>
+            </a:r>
+          </a:p>
+          <a:p>
+            <a:endParaRPr lang="en-US" dirty="0"/>
           </a:p>
         </p:txBody>
       </p:sp>
     </p:spTree>
     <p:extLst>
       <p:ext uri="{BB962C8B-B14F-4D97-AF65-F5344CB8AC3E}">
-        <p14:creationId xmlns:p14="http://schemas.microsoft.com/office/powerpoint/2010/main" val="1892591398"/>
+        <p14:creationId xmlns:p14="http://schemas.microsoft.com/office/powerpoint/2010/main" val="827736869"/>
       </p:ext>
     </p:extLst>
   </p:cSld>
   <p:clrMapOvr>
     <a:masterClrMapping/>
   </p:clrMapOvr>
-  <p:timing>
-    <p:tnLst>
-      <p:par>
-        <p:cTn id="1" dur="indefinite" restart="never" nodeType="tmRoot"/>
-      </p:par>
-    </p:tnLst>
-  </p:timing>
 </p:sld>
 </file>
 
-<file path=ppt/slides/slide4.xml><?xml version="1.0" encoding="utf-8"?>
+<file path=ppt/slides/slide3.xml><?xml version="1.0" encoding="utf-8"?>
 <p:sld xmlns:a="http://schemas.openxmlformats.org/drawingml/2006/main" xmlns:r="http://schemas.openxmlformats.org/officeDocument/2006/relationships" xmlns:p="http://schemas.openxmlformats.org/presentationml/2006/main">
   <p:cSld>
     <p:spTree>
@@ -5527,7 +6392,7 @@
       </p:pic>
       <p:pic>
         <p:nvPicPr>
-          <p:cNvPr id="4" name="Picture 2" descr="C:\Users\mramire8\AppData\Local\Microsoft\Windows\Temporary Internet Files\Content.IE5\1U31801Z\MC900445732[1].wmf"/>
+          <p:cNvPr id="5" name="Picture 4" descr="C:\Users\mramire8\AppData\Local\Microsoft\Windows\Temporary Internet Files\Content.IE5\1I9JSO8A\MC900446304[1].wmf"/>
           <p:cNvPicPr>
             <a:picLocks noChangeAspect="1" noChangeArrowheads="1"/>
           </p:cNvPicPr>
@@ -5535,47 +6400,6 @@
         </p:nvPicPr>
         <p:blipFill>
           <a:blip r:embed="rId3" cstate="print">
-            <a:extLst>
-              <a:ext uri="{28A0092B-C50C-407E-A947-70E740481C1C}">
-                <a14:useLocalDpi xmlns:a14="http://schemas.microsoft.com/office/drawing/2010/main" val="0"/>
-              </a:ext>
-            </a:extLst>
-          </a:blip>
-          <a:srcRect/>
-          <a:stretch>
-            <a:fillRect/>
-          </a:stretch>
-        </p:blipFill>
-        <p:spPr bwMode="auto">
-          <a:xfrm>
-            <a:off x="1440356" y="3291954"/>
-            <a:ext cx="1948748" cy="1639215"/>
-          </a:xfrm>
-          <a:prstGeom prst="rect">
-            <a:avLst/>
-          </a:prstGeom>
-          <a:noFill/>
-          <a:extLst>
-            <a:ext uri="{909E8E84-426E-40DD-AFC4-6F175D3DCCD1}">
-              <a14:hiddenFill xmlns:a14="http://schemas.microsoft.com/office/drawing/2010/main">
-                <a:solidFill>
-                  <a:srgbClr val="FFFFFF"/>
-                </a:solidFill>
-              </a14:hiddenFill>
-            </a:ext>
-          </a:extLst>
-        </p:spPr>
-      </p:pic>
-      <p:pic>
-        <p:nvPicPr>
-          <p:cNvPr id="5" name="Picture 4" descr="C:\Users\mramire8\AppData\Local\Microsoft\Windows\Temporary Internet Files\Content.IE5\1I9JSO8A\MC900446304[1].wmf"/>
-          <p:cNvPicPr>
-            <a:picLocks noChangeAspect="1" noChangeArrowheads="1"/>
-          </p:cNvPicPr>
-          <p:nvPr/>
-        </p:nvPicPr>
-        <p:blipFill>
-          <a:blip r:embed="rId4" cstate="print">
             <a:extLst>
               <a:ext uri="{28A0092B-C50C-407E-A947-70E740481C1C}">
                 <a14:useLocalDpi xmlns:a14="http://schemas.microsoft.com/office/drawing/2010/main" val="0"/>
@@ -6089,6 +6913,45 @@
           </a:p>
         </p:txBody>
       </p:sp>
+      <p:pic>
+        <p:nvPicPr>
+          <p:cNvPr id="18" name="Picture 3" descr="C:\Users\mramire8\Dropbox\My Papers\proposal\presentation\img\2520699484_5547916ca8_z.jpg"/>
+          <p:cNvPicPr>
+            <a:picLocks noChangeAspect="1" noChangeArrowheads="1"/>
+          </p:cNvPicPr>
+          <p:nvPr/>
+        </p:nvPicPr>
+        <p:blipFill rotWithShape="1">
+          <a:blip r:embed="rId4">
+            <a:extLst>
+              <a:ext uri="{28A0092B-C50C-407E-A947-70E740481C1C}">
+                <a14:useLocalDpi xmlns:a14="http://schemas.microsoft.com/office/drawing/2010/main" val="0"/>
+              </a:ext>
+            </a:extLst>
+          </a:blip>
+          <a:srcRect l="11079" t="15985" r="34657" b="1426"/>
+          <a:stretch/>
+        </p:blipFill>
+        <p:spPr bwMode="auto">
+          <a:xfrm>
+            <a:off x="1752120" y="3382213"/>
+            <a:ext cx="1525743" cy="1741618"/>
+          </a:xfrm>
+          <a:prstGeom prst="rect">
+            <a:avLst/>
+          </a:prstGeom>
+          <a:noFill/>
+          <a:extLst>
+            <a:ext uri="{909E8E84-426E-40DD-AFC4-6F175D3DCCD1}">
+              <a14:hiddenFill xmlns:a14="http://schemas.microsoft.com/office/drawing/2010/main">
+                <a:solidFill>
+                  <a:srgbClr val="FFFFFF"/>
+                </a:solidFill>
+              </a14:hiddenFill>
+            </a:ext>
+          </a:extLst>
+        </p:spPr>
+      </p:pic>
     </p:spTree>
     <p:extLst>
       <p:ext uri="{BB962C8B-B14F-4D97-AF65-F5344CB8AC3E}">
@@ -6253,6 +7116,201 @@
 </p:sld>
 </file>
 
+<file path=ppt/slides/slide4.xml><?xml version="1.0" encoding="utf-8"?>
+<p:sld xmlns:a="http://schemas.openxmlformats.org/drawingml/2006/main" xmlns:r="http://schemas.openxmlformats.org/officeDocument/2006/relationships" xmlns:p="http://schemas.openxmlformats.org/presentationml/2006/main">
+  <p:cSld>
+    <p:spTree>
+      <p:nvGrpSpPr>
+        <p:cNvPr id="1" name=""/>
+        <p:cNvGrpSpPr/>
+        <p:nvPr/>
+      </p:nvGrpSpPr>
+      <p:grpSpPr>
+        <a:xfrm>
+          <a:off x="0" y="0"/>
+          <a:ext cx="0" cy="0"/>
+          <a:chOff x="0" y="0"/>
+          <a:chExt cx="0" cy="0"/>
+        </a:xfrm>
+      </p:grpSpPr>
+      <p:sp>
+        <p:nvSpPr>
+          <p:cNvPr id="2" name="Title 1"/>
+          <p:cNvSpPr>
+            <a:spLocks noGrp="1"/>
+          </p:cNvSpPr>
+          <p:nvPr>
+            <p:ph type="title"/>
+          </p:nvPr>
+        </p:nvSpPr>
+        <p:spPr/>
+        <p:txBody>
+          <a:bodyPr>
+            <a:normAutofit/>
+          </a:bodyPr>
+          <a:lstStyle/>
+          <a:p>
+            <a:r>
+              <a:rPr lang="en-US" dirty="0" smtClean="0"/>
+              <a:t>Data</a:t>
+            </a:r>
+            <a:endParaRPr lang="en-US" dirty="0"/>
+          </a:p>
+        </p:txBody>
+      </p:sp>
+      <p:sp>
+        <p:nvSpPr>
+          <p:cNvPr id="3" name="Content Placeholder 2"/>
+          <p:cNvSpPr>
+            <a:spLocks noGrp="1"/>
+          </p:cNvSpPr>
+          <p:nvPr>
+            <p:ph idx="1"/>
+          </p:nvPr>
+        </p:nvSpPr>
+        <p:spPr/>
+        <p:txBody>
+          <a:bodyPr/>
+          <a:lstStyle/>
+          <a:p>
+            <a:pPr marL="342900" marR="0" indent="-342900" algn="l" defTabSz="457200" rtl="0" eaLnBrk="1" fontAlgn="auto" latinLnBrk="0" hangingPunct="1">
+              <a:lnSpc>
+                <a:spcPct val="100000"/>
+              </a:lnSpc>
+              <a:spcBef>
+                <a:spcPct val="20000"/>
+              </a:spcBef>
+              <a:spcAft>
+                <a:spcPts val="0"/>
+              </a:spcAft>
+              <a:buClrTx/>
+              <a:buSzTx/>
+              <a:buFont typeface="Arial"/>
+              <a:buChar char="•"/>
+              <a:tabLst/>
+              <a:defRPr/>
+            </a:pPr>
+            <a:r>
+              <a:rPr lang="en-US" sz="3200" kern="1200" dirty="0" smtClean="0">
+                <a:solidFill>
+                  <a:schemeClr val="tx1"/>
+                </a:solidFill>
+                <a:effectLst/>
+                <a:latin typeface="+mn-lt"/>
+                <a:ea typeface="+mn-ea"/>
+                <a:cs typeface="+mn-cs"/>
+              </a:rPr>
+              <a:t>Collect twitter user data: </a:t>
+            </a:r>
+          </a:p>
+          <a:p>
+            <a:pPr lvl="1" indent="-342900">
+              <a:buFont typeface="Arial"/>
+              <a:buChar char="•"/>
+              <a:defRPr/>
+            </a:pPr>
+            <a:r>
+              <a:rPr lang="en-US" sz="2800" kern="1200" dirty="0" smtClean="0">
+                <a:solidFill>
+                  <a:schemeClr val="tx1"/>
+                </a:solidFill>
+                <a:effectLst/>
+                <a:latin typeface="+mn-lt"/>
+                <a:ea typeface="+mn-ea"/>
+                <a:cs typeface="+mn-cs"/>
+              </a:rPr>
+              <a:t>Timeline of </a:t>
+            </a:r>
+            <a:r>
+              <a:rPr lang="en-US" dirty="0" smtClean="0"/>
+              <a:t>200 most recent </a:t>
+            </a:r>
+            <a:r>
+              <a:rPr lang="en-US" dirty="0" smtClean="0"/>
+              <a:t>tweets</a:t>
+            </a:r>
+          </a:p>
+          <a:p>
+            <a:pPr lvl="1" indent="-342900">
+              <a:buFont typeface="Arial"/>
+              <a:buChar char="•"/>
+              <a:defRPr/>
+            </a:pPr>
+            <a:r>
+              <a:rPr lang="en-US" dirty="0" smtClean="0"/>
+              <a:t>1000 users of each kind</a:t>
+            </a:r>
+            <a:endParaRPr lang="en-US" dirty="0" smtClean="0"/>
+          </a:p>
+          <a:p>
+            <a:pPr marL="342900" marR="0" indent="-342900" algn="l" defTabSz="457200" rtl="0" eaLnBrk="1" fontAlgn="auto" latinLnBrk="0" hangingPunct="1">
+              <a:lnSpc>
+                <a:spcPct val="100000"/>
+              </a:lnSpc>
+              <a:spcBef>
+                <a:spcPct val="20000"/>
+              </a:spcBef>
+              <a:spcAft>
+                <a:spcPts val="0"/>
+              </a:spcAft>
+              <a:buClrTx/>
+              <a:buSzTx/>
+              <a:buFont typeface="Arial"/>
+              <a:buChar char="•"/>
+              <a:tabLst/>
+              <a:defRPr/>
+            </a:pPr>
+            <a:r>
+              <a:rPr lang="en-US" sz="3200" kern="1200" dirty="0" smtClean="0">
+                <a:solidFill>
+                  <a:schemeClr val="tx1"/>
+                </a:solidFill>
+                <a:effectLst/>
+                <a:latin typeface="+mn-lt"/>
+                <a:ea typeface="+mn-ea"/>
+                <a:cs typeface="+mn-cs"/>
+              </a:rPr>
+              <a:t>Data </a:t>
+            </a:r>
+            <a:r>
+              <a:rPr lang="en-US" sz="3200" kern="1200" dirty="0" smtClean="0">
+                <a:solidFill>
+                  <a:schemeClr val="tx1"/>
+                </a:solidFill>
+                <a:effectLst/>
+                <a:latin typeface="+mn-lt"/>
+                <a:ea typeface="+mn-ea"/>
+                <a:cs typeface="+mn-cs"/>
+              </a:rPr>
+              <a:t>from </a:t>
+            </a:r>
+            <a:r>
+              <a:rPr lang="en-US" dirty="0" smtClean="0"/>
+              <a:t>Lee et.al. 2011</a:t>
+            </a:r>
+          </a:p>
+        </p:txBody>
+      </p:sp>
+    </p:spTree>
+    <p:extLst>
+      <p:ext uri="{BB962C8B-B14F-4D97-AF65-F5344CB8AC3E}">
+        <p14:creationId xmlns:p14="http://schemas.microsoft.com/office/powerpoint/2010/main" val="2636681747"/>
+      </p:ext>
+    </p:extLst>
+  </p:cSld>
+  <p:clrMapOvr>
+    <a:masterClrMapping/>
+  </p:clrMapOvr>
+  <p:timing>
+    <p:tnLst>
+      <p:par>
+        <p:cTn id="1" dur="indefinite" restart="never" nodeType="tmRoot"/>
+      </p:par>
+    </p:tnLst>
+  </p:timing>
+</p:sld>
+</file>
+
 <file path=ppt/slides/slide5.xml><?xml version="1.0" encoding="utf-8"?>
 <p:sld xmlns:a="http://schemas.openxmlformats.org/drawingml/2006/main" xmlns:r="http://schemas.openxmlformats.org/officeDocument/2006/relationships" xmlns:p="http://schemas.openxmlformats.org/presentationml/2006/main">
   <p:cSld>
@@ -6286,15 +7344,8 @@
           <a:lstStyle/>
           <a:p>
             <a:r>
-              <a:rPr lang="en-US" sz="4400" kern="1200" dirty="0" smtClean="0">
-                <a:solidFill>
-                  <a:schemeClr val="tx1"/>
-                </a:solidFill>
-                <a:latin typeface="+mj-lt"/>
-                <a:ea typeface="+mj-ea"/>
-                <a:cs typeface="+mj-cs"/>
-              </a:rPr>
-              <a:t>The Method</a:t>
+              <a:rPr lang="en-US" dirty="0" smtClean="0"/>
+              <a:t>Data Stats</a:t>
             </a:r>
             <a:endParaRPr lang="en-US" dirty="0"/>
           </a:p>
@@ -6307,7 +7358,7 @@
             <a:spLocks noGrp="1"/>
           </p:cNvSpPr>
           <p:nvPr>
-            <p:ph idx="1"/>
+            <p:ph sz="half" idx="1"/>
           </p:nvPr>
         </p:nvSpPr>
         <p:spPr/>
@@ -6317,49 +7368,150 @@
           </a:bodyPr>
           <a:lstStyle/>
           <a:p>
-            <a:r>
-              <a:rPr lang="en-US" dirty="0" smtClean="0"/>
-              <a:t>Active learning*</a:t>
-            </a:r>
-          </a:p>
-          <a:p>
-            <a:r>
-              <a:rPr lang="en-US" dirty="0" smtClean="0"/>
-              <a:t>Evaluation: </a:t>
-            </a:r>
-          </a:p>
-          <a:p>
-            <a:pPr lvl="1"/>
-            <a:r>
-              <a:rPr lang="en-US" dirty="0" smtClean="0"/>
-              <a:t>Train-test split</a:t>
-            </a:r>
-          </a:p>
-          <a:p>
-            <a:pPr lvl="1"/>
-            <a:r>
-              <a:rPr lang="en-US" dirty="0" smtClean="0"/>
-              <a:t>5 trials</a:t>
-            </a:r>
-          </a:p>
-          <a:p>
-            <a:pPr lvl="1"/>
-            <a:r>
-              <a:rPr lang="en-US" dirty="0" smtClean="0"/>
-              <a:t>Measures: accuracy, </a:t>
-            </a:r>
-            <a:r>
-              <a:rPr lang="en-US" dirty="0" err="1" smtClean="0"/>
-              <a:t>auc</a:t>
+            <a:pPr>
+              <a:defRPr/>
+            </a:pPr>
+            <a:r>
+              <a:rPr lang="en-US" dirty="0"/>
+              <a:t>Activity </a:t>
+            </a:r>
+            <a:r>
+              <a:rPr lang="en-US" dirty="0" smtClean="0"/>
+              <a:t>on 2014 only</a:t>
             </a:r>
             <a:endParaRPr lang="en-US" dirty="0"/>
           </a:p>
-        </p:txBody>
-      </p:sp>
+          <a:p>
+            <a:pPr>
+              <a:defRPr/>
+            </a:pPr>
+            <a:r>
+              <a:rPr lang="en-US" dirty="0" smtClean="0"/>
+              <a:t>Data:</a:t>
+            </a:r>
+          </a:p>
+          <a:p>
+            <a:pPr lvl="1">
+              <a:defRPr/>
+            </a:pPr>
+            <a:r>
+              <a:rPr lang="en-US" dirty="0" smtClean="0"/>
+              <a:t>46</a:t>
+            </a:r>
+            <a:r>
+              <a:rPr lang="en-US" dirty="0"/>
+              <a:t>% minority class (bots)</a:t>
+            </a:r>
+          </a:p>
+          <a:p>
+            <a:pPr lvl="1" indent="-342900">
+              <a:defRPr/>
+            </a:pPr>
+            <a:r>
+              <a:rPr lang="en-US" dirty="0"/>
+              <a:t>Legit: </a:t>
+            </a:r>
+            <a:r>
+              <a:rPr lang="en-US" dirty="0"/>
+              <a:t>838, Bots</a:t>
+            </a:r>
+            <a:r>
+              <a:rPr lang="en-US" dirty="0"/>
+              <a:t>: 725</a:t>
+            </a:r>
+          </a:p>
+          <a:p>
+            <a:pPr marL="342900" lvl="1" indent="-342900">
+              <a:buFont typeface="Arial"/>
+              <a:buChar char="•"/>
+            </a:pPr>
+            <a:r>
+              <a:rPr lang="en-US" sz="3200" dirty="0" smtClean="0"/>
+              <a:t>Average </a:t>
+            </a:r>
+            <a:r>
+              <a:rPr lang="en-US" sz="3200" dirty="0"/>
+              <a:t>timeline length: </a:t>
+            </a:r>
+            <a:endParaRPr lang="en-US" sz="3200" dirty="0" smtClean="0"/>
+          </a:p>
+          <a:p>
+            <a:pPr marL="742950" lvl="2" indent="-342900"/>
+            <a:r>
+              <a:rPr lang="en-US" sz="2400" dirty="0"/>
+              <a:t>~</a:t>
+            </a:r>
+            <a:r>
+              <a:rPr lang="en-US" sz="2400" dirty="0"/>
+              <a:t>196 </a:t>
+            </a:r>
+            <a:r>
+              <a:rPr lang="en-US" sz="2400" dirty="0"/>
+              <a:t>tweets per user</a:t>
+            </a:r>
+          </a:p>
+          <a:p>
+            <a:pPr marL="342900" lvl="1" indent="-342900">
+              <a:buFont typeface="Arial"/>
+              <a:buChar char="•"/>
+            </a:pPr>
+            <a:r>
+              <a:rPr lang="en-US" sz="3200" dirty="0" smtClean="0"/>
+              <a:t>Feature-vector</a:t>
+            </a:r>
+          </a:p>
+          <a:p>
+            <a:pPr marL="742950" lvl="2" indent="-342900"/>
+            <a:r>
+              <a:rPr lang="en-US" sz="2400" dirty="0"/>
+              <a:t>13k features</a:t>
+            </a:r>
+          </a:p>
+          <a:p>
+            <a:pPr marL="342900" lvl="1" indent="-342900">
+              <a:buFont typeface="Arial"/>
+              <a:buChar char="•"/>
+            </a:pPr>
+            <a:endParaRPr lang="en-US" sz="3200" dirty="0"/>
+          </a:p>
+          <a:p>
+            <a:endParaRPr lang="en-US" dirty="0"/>
+          </a:p>
+        </p:txBody>
+      </p:sp>
+      <p:pic>
+        <p:nvPicPr>
+          <p:cNvPr id="8" name="Content Placeholder 7"/>
+          <p:cNvPicPr>
+            <a:picLocks noGrp="1" noChangeAspect="1"/>
+          </p:cNvPicPr>
+          <p:nvPr>
+            <p:ph sz="half" idx="2"/>
+          </p:nvPr>
+        </p:nvPicPr>
+        <p:blipFill>
+          <a:blip r:embed="rId3">
+            <a:extLst>
+              <a:ext uri="{28A0092B-C50C-407E-A947-70E740481C1C}">
+                <a14:useLocalDpi xmlns:a14="http://schemas.microsoft.com/office/drawing/2010/main" val="0"/>
+              </a:ext>
+            </a:extLst>
+          </a:blip>
+          <a:stretch>
+            <a:fillRect/>
+          </a:stretch>
+        </p:blipFill>
+        <p:spPr>
+          <a:xfrm>
+            <a:off x="4648200" y="1843881"/>
+            <a:ext cx="4038600" cy="4038600"/>
+          </a:xfrm>
+        </p:spPr>
+      </p:pic>
     </p:spTree>
     <p:extLst>
       <p:ext uri="{BB962C8B-B14F-4D97-AF65-F5344CB8AC3E}">
-        <p14:creationId xmlns:p14="http://schemas.microsoft.com/office/powerpoint/2010/main" val="100562212"/>
+        <p14:creationId xmlns:p14="http://schemas.microsoft.com/office/powerpoint/2010/main" val="2513198118"/>
       </p:ext>
     </p:extLst>
   </p:cSld>
@@ -6405,14 +7557,16 @@
         </p:nvSpPr>
         <p:spPr/>
         <p:txBody>
-          <a:bodyPr>
-            <a:normAutofit/>
-          </a:bodyPr>
-          <a:lstStyle/>
-          <a:p>
-            <a:r>
-              <a:rPr lang="en-US" dirty="0" smtClean="0"/>
-              <a:t>Data</a:t>
+          <a:bodyPr/>
+          <a:lstStyle/>
+          <a:p>
+            <a:r>
+              <a:rPr lang="en-US" dirty="0" smtClean="0"/>
+              <a:t>Classification</a:t>
+            </a:r>
+            <a:r>
+              <a:rPr lang="en-US" baseline="0" dirty="0" smtClean="0"/>
+              <a:t> Models</a:t>
             </a:r>
             <a:endParaRPr lang="en-US" dirty="0"/>
           </a:p>
@@ -6433,192 +7587,72 @@
           <a:bodyPr/>
           <a:lstStyle/>
           <a:p>
-            <a:pPr marL="342900" marR="0" indent="-342900" algn="l" defTabSz="457200" rtl="0" eaLnBrk="1" fontAlgn="auto" latinLnBrk="0" hangingPunct="1">
-              <a:lnSpc>
-                <a:spcPct val="100000"/>
-              </a:lnSpc>
-              <a:spcBef>
-                <a:spcPct val="20000"/>
-              </a:spcBef>
-              <a:spcAft>
-                <a:spcPts val="0"/>
-              </a:spcAft>
-              <a:buClrTx/>
-              <a:buSzTx/>
-              <a:buFont typeface="Arial"/>
-              <a:buChar char="•"/>
-              <a:tabLst/>
-              <a:defRPr/>
-            </a:pPr>
-            <a:r>
-              <a:rPr lang="en-US" sz="3200" kern="1200" dirty="0" smtClean="0">
-                <a:solidFill>
-                  <a:schemeClr val="tx1"/>
-                </a:solidFill>
-                <a:effectLst/>
-                <a:latin typeface="+mn-lt"/>
-                <a:ea typeface="+mn-ea"/>
-                <a:cs typeface="+mn-cs"/>
-              </a:rPr>
-              <a:t>Collect twitter user data: </a:t>
-            </a:r>
-          </a:p>
-          <a:p>
-            <a:pPr lvl="1" indent="-342900">
-              <a:buFont typeface="Arial"/>
-              <a:buChar char="•"/>
-              <a:defRPr/>
-            </a:pPr>
-            <a:r>
-              <a:rPr lang="en-US" sz="2800" kern="1200" dirty="0" smtClean="0">
-                <a:solidFill>
-                  <a:schemeClr val="tx1"/>
-                </a:solidFill>
-                <a:effectLst/>
-                <a:latin typeface="+mn-lt"/>
-                <a:ea typeface="+mn-ea"/>
-                <a:cs typeface="+mn-cs"/>
-              </a:rPr>
-              <a:t>Timeline of </a:t>
-            </a:r>
-            <a:r>
-              <a:rPr lang="en-US" dirty="0" smtClean="0"/>
-              <a:t>200 most recent tweets</a:t>
-            </a:r>
-          </a:p>
-          <a:p>
-            <a:pPr lvl="1" indent="-342900">
-              <a:buFont typeface="Arial"/>
-              <a:buChar char="•"/>
-              <a:defRPr/>
-            </a:pPr>
-            <a:r>
-              <a:rPr lang="en-US" dirty="0" smtClean="0"/>
-              <a:t>Activity only during 2014</a:t>
-            </a:r>
-          </a:p>
-          <a:p>
-            <a:pPr lvl="1" indent="-342900">
-              <a:buFont typeface="Arial"/>
-              <a:buChar char="•"/>
-              <a:defRPr/>
-            </a:pPr>
-            <a:r>
-              <a:rPr lang="en-US" sz="2800" kern="1200" dirty="0" smtClean="0">
-                <a:solidFill>
-                  <a:schemeClr val="tx1"/>
-                </a:solidFill>
-                <a:effectLst/>
-                <a:latin typeface="+mn-lt"/>
-                <a:ea typeface="+mn-ea"/>
-                <a:cs typeface="+mn-cs"/>
-              </a:rPr>
-              <a:t>Data: 46% minority class (bots)</a:t>
-            </a:r>
-          </a:p>
-          <a:p>
-            <a:pPr lvl="2" indent="-342900">
-              <a:defRPr/>
-            </a:pPr>
-            <a:r>
-              <a:rPr lang="en-US" dirty="0" smtClean="0"/>
-              <a:t>L</a:t>
-            </a:r>
-            <a:r>
-              <a:rPr lang="en-US" sz="2400" kern="1200" dirty="0" smtClean="0">
-                <a:solidFill>
-                  <a:schemeClr val="tx1"/>
-                </a:solidFill>
-                <a:effectLst/>
-                <a:latin typeface="+mn-lt"/>
-                <a:ea typeface="+mn-ea"/>
-                <a:cs typeface="+mn-cs"/>
-              </a:rPr>
-              <a:t>egit: 838</a:t>
-            </a:r>
-          </a:p>
-          <a:p>
-            <a:pPr lvl="2" indent="-342900">
-              <a:defRPr/>
-            </a:pPr>
-            <a:r>
-              <a:rPr lang="en-US" sz="2400" kern="1200" dirty="0" smtClean="0">
-                <a:solidFill>
-                  <a:schemeClr val="tx1"/>
-                </a:solidFill>
-                <a:effectLst/>
-                <a:latin typeface="+mn-lt"/>
-                <a:ea typeface="+mn-ea"/>
-                <a:cs typeface="+mn-cs"/>
-              </a:rPr>
-              <a:t>Bots: </a:t>
-            </a:r>
-            <a:r>
-              <a:rPr lang="en-US" sz="2400" kern="1200" dirty="0" smtClean="0">
-                <a:solidFill>
-                  <a:schemeClr val="tx1"/>
-                </a:solidFill>
-                <a:effectLst/>
-                <a:latin typeface="+mn-lt"/>
-                <a:ea typeface="+mn-ea"/>
-                <a:cs typeface="+mn-cs"/>
-              </a:rPr>
-              <a:t>725</a:t>
-            </a:r>
-          </a:p>
-          <a:p>
-            <a:pPr marL="342900" marR="0" indent="-342900" algn="l" defTabSz="457200" rtl="0" eaLnBrk="1" fontAlgn="auto" latinLnBrk="0" hangingPunct="1">
-              <a:lnSpc>
-                <a:spcPct val="100000"/>
-              </a:lnSpc>
-              <a:spcBef>
-                <a:spcPct val="20000"/>
-              </a:spcBef>
-              <a:spcAft>
-                <a:spcPts val="0"/>
-              </a:spcAft>
-              <a:buClrTx/>
-              <a:buSzTx/>
-              <a:buFont typeface="Arial"/>
-              <a:buChar char="•"/>
-              <a:tabLst/>
-              <a:defRPr/>
-            </a:pPr>
-            <a:r>
-              <a:rPr lang="en-US" sz="3200" kern="1200" dirty="0" smtClean="0">
-                <a:solidFill>
-                  <a:schemeClr val="tx1"/>
-                </a:solidFill>
-                <a:effectLst/>
-                <a:latin typeface="+mn-lt"/>
-                <a:ea typeface="+mn-ea"/>
-                <a:cs typeface="+mn-cs"/>
-              </a:rPr>
-              <a:t>Data </a:t>
-            </a:r>
-            <a:r>
-              <a:rPr lang="en-US" sz="3200" kern="1200" dirty="0" smtClean="0">
-                <a:solidFill>
-                  <a:schemeClr val="tx1"/>
-                </a:solidFill>
-                <a:effectLst/>
-                <a:latin typeface="+mn-lt"/>
-                <a:ea typeface="+mn-ea"/>
-                <a:cs typeface="+mn-cs"/>
-              </a:rPr>
-              <a:t>from </a:t>
-            </a:r>
-            <a:r>
-              <a:rPr lang="en-US" dirty="0" smtClean="0"/>
-              <a:t>Lee et.al. 2011</a:t>
-            </a:r>
+            <a:r>
+              <a:rPr lang="en-US" dirty="0" smtClean="0"/>
+              <a:t>Logistic Regression</a:t>
+            </a:r>
+          </a:p>
+          <a:p>
+            <a:pPr lvl="1"/>
+            <a:r>
+              <a:rPr lang="en-US" dirty="0" smtClean="0"/>
+              <a:t>Penalty: L1, L2</a:t>
+            </a:r>
+          </a:p>
+          <a:p>
+            <a:pPr lvl="1"/>
+            <a:r>
+              <a:rPr lang="en-US" dirty="0" smtClean="0"/>
+              <a:t>C: 1, 10, 100</a:t>
+            </a:r>
+          </a:p>
+          <a:p>
+            <a:r>
+              <a:rPr lang="en-US" dirty="0" smtClean="0"/>
+              <a:t>Multinomial Naïve </a:t>
+            </a:r>
+            <a:r>
+              <a:rPr lang="en-US" dirty="0" smtClean="0"/>
+              <a:t>Bayes</a:t>
+            </a:r>
+          </a:p>
+          <a:p>
+            <a:pPr lvl="1"/>
+            <a:r>
+              <a:rPr lang="en-US" dirty="0" smtClean="0"/>
+              <a:t>Alpha =1</a:t>
+            </a:r>
+          </a:p>
+          <a:p>
+            <a:r>
+              <a:rPr lang="en-US" dirty="0" smtClean="0"/>
+              <a:t>Evaluation</a:t>
+            </a:r>
+          </a:p>
+          <a:p>
+            <a:pPr lvl="1"/>
+            <a:r>
+              <a:rPr lang="en-US" dirty="0" smtClean="0"/>
+              <a:t>5-fold cross validation</a:t>
+            </a:r>
+          </a:p>
+          <a:p>
+            <a:pPr lvl="1"/>
+            <a:r>
+              <a:rPr lang="en-US" dirty="0" smtClean="0"/>
+              <a:t>Train-test splits (5 trials)</a:t>
+            </a:r>
+            <a:endParaRPr lang="en-US" dirty="0" smtClean="0"/>
+          </a:p>
+          <a:p>
+            <a:endParaRPr lang="en-US" dirty="0"/>
           </a:p>
         </p:txBody>
       </p:sp>
     </p:spTree>
     <p:extLst>
       <p:ext uri="{BB962C8B-B14F-4D97-AF65-F5344CB8AC3E}">
-        <p14:creationId xmlns:p14="http://schemas.microsoft.com/office/powerpoint/2010/main" val="2636681747"/>
+        <p14:creationId xmlns:p14="http://schemas.microsoft.com/office/powerpoint/2010/main" val="816688606"/>
       </p:ext>
     </p:extLst>
   </p:cSld>
@@ -6669,62 +7703,72 @@
           <a:p>
             <a:r>
               <a:rPr lang="en-US" dirty="0" smtClean="0"/>
-              <a:t>Data Stats</a:t>
+              <a:t>Results – Oracle Accuracy</a:t>
             </a:r>
             <a:endParaRPr lang="en-US" dirty="0"/>
           </a:p>
         </p:txBody>
       </p:sp>
-      <p:sp>
-        <p:nvSpPr>
-          <p:cNvPr id="3" name="Content Placeholder 2"/>
-          <p:cNvSpPr>
-            <a:spLocks noGrp="1"/>
-          </p:cNvSpPr>
+      <p:pic>
+        <p:nvPicPr>
+          <p:cNvPr id="1026" name="Picture 2" descr="C:\cygwin\home\mramire8\python_code\aal_misc\samples\minitests\twitter-classifiersaccuracy.png"/>
+          <p:cNvPicPr>
+            <a:picLocks noGrp="1" noChangeAspect="1" noChangeArrowheads="1"/>
+          </p:cNvPicPr>
           <p:nvPr>
             <p:ph idx="1"/>
           </p:nvPr>
-        </p:nvSpPr>
-        <p:spPr/>
-        <p:txBody>
-          <a:bodyPr/>
-          <a:lstStyle/>
-          <a:p>
-            <a:pPr marL="342900" lvl="1" indent="-342900">
-              <a:buFont typeface="Arial"/>
-              <a:buChar char="•"/>
-            </a:pPr>
-            <a:r>
-              <a:rPr lang="en-US" sz="3200" dirty="0"/>
-              <a:t>Average timeline length: ~196 </a:t>
-            </a:r>
-            <a:r>
-              <a:rPr lang="en-US" sz="3200" dirty="0" smtClean="0"/>
-              <a:t>tweets per user</a:t>
-            </a:r>
-          </a:p>
-          <a:p>
-            <a:pPr marL="342900" lvl="1" indent="-342900">
-              <a:buFont typeface="Arial"/>
-              <a:buChar char="•"/>
-            </a:pPr>
-            <a:endParaRPr lang="en-US" sz="3200" dirty="0"/>
-          </a:p>
-          <a:p>
-            <a:endParaRPr lang="en-US" dirty="0"/>
-          </a:p>
-        </p:txBody>
-      </p:sp>
+        </p:nvPicPr>
+        <p:blipFill>
+          <a:blip r:embed="rId2">
+            <a:extLst>
+              <a:ext uri="{28A0092B-C50C-407E-A947-70E740481C1C}">
+                <a14:useLocalDpi xmlns:a14="http://schemas.microsoft.com/office/drawing/2010/main" val="0"/>
+              </a:ext>
+            </a:extLst>
+          </a:blip>
+          <a:srcRect/>
+          <a:stretch>
+            <a:fillRect/>
+          </a:stretch>
+        </p:blipFill>
+        <p:spPr bwMode="auto">
+          <a:xfrm>
+            <a:off x="772785" y="1600200"/>
+            <a:ext cx="7598429" cy="4525963"/>
+          </a:xfrm>
+          <a:prstGeom prst="rect">
+            <a:avLst/>
+          </a:prstGeom>
+          <a:noFill/>
+          <a:extLst>
+            <a:ext uri="{909E8E84-426E-40DD-AFC4-6F175D3DCCD1}">
+              <a14:hiddenFill xmlns:a14="http://schemas.microsoft.com/office/drawing/2010/main">
+                <a:solidFill>
+                  <a:srgbClr val="FFFFFF"/>
+                </a:solidFill>
+              </a14:hiddenFill>
+            </a:ext>
+          </a:extLst>
+        </p:spPr>
+      </p:pic>
     </p:spTree>
     <p:extLst>
       <p:ext uri="{BB962C8B-B14F-4D97-AF65-F5344CB8AC3E}">
-        <p14:creationId xmlns:p14="http://schemas.microsoft.com/office/powerpoint/2010/main" val="2513198118"/>
+        <p14:creationId xmlns:p14="http://schemas.microsoft.com/office/powerpoint/2010/main" val="1568760490"/>
       </p:ext>
     </p:extLst>
   </p:cSld>
   <p:clrMapOvr>
     <a:masterClrMapping/>
   </p:clrMapOvr>
+  <p:timing>
+    <p:tnLst>
+      <p:par>
+        <p:cTn id="1" dur="indefinite" restart="never" nodeType="tmRoot"/>
+      </p:par>
+    </p:tnLst>
+  </p:timing>
 </p:sld>
 </file>
 
@@ -6762,11 +7806,7 @@
           <a:p>
             <a:r>
               <a:rPr lang="en-US" dirty="0" smtClean="0"/>
-              <a:t>Classification</a:t>
-            </a:r>
-            <a:r>
-              <a:rPr lang="en-US" baseline="0" dirty="0" smtClean="0"/>
-              <a:t> Models</a:t>
+              <a:t>Analysis: Mistakes</a:t>
             </a:r>
             <a:endParaRPr lang="en-US" dirty="0"/>
           </a:p>
@@ -6789,27 +7829,19 @@
           <a:p>
             <a:r>
               <a:rPr lang="en-US" dirty="0" smtClean="0"/>
-              <a:t>Logistic Regression</a:t>
-            </a:r>
-          </a:p>
-          <a:p>
-            <a:pPr lvl="1"/>
-            <a:r>
-              <a:rPr lang="en-US" dirty="0" smtClean="0"/>
-              <a:t>Penalty: L1, L2</a:t>
-            </a:r>
-          </a:p>
-          <a:p>
-            <a:pPr lvl="1"/>
-            <a:r>
-              <a:rPr lang="en-US" dirty="0" smtClean="0"/>
-              <a:t>C: 1, 10, 100</a:t>
-            </a:r>
-          </a:p>
-          <a:p>
-            <a:r>
-              <a:rPr lang="en-US" dirty="0" smtClean="0"/>
-              <a:t>Multinomial Naïve Bayes</a:t>
+              <a:t>Other languages (e.g., Spanish)</a:t>
+            </a:r>
+          </a:p>
+          <a:p>
+            <a:r>
+              <a:rPr lang="en-US" dirty="0" smtClean="0"/>
+              <a:t>Mentions and URLs only</a:t>
+            </a:r>
+          </a:p>
+          <a:p>
+            <a:r>
+              <a:rPr lang="en-US" dirty="0" smtClean="0"/>
+              <a:t>Predict more bots than humans</a:t>
             </a:r>
           </a:p>
           <a:p>
@@ -6820,7 +7852,7 @@
     </p:spTree>
     <p:extLst>
       <p:ext uri="{BB962C8B-B14F-4D97-AF65-F5344CB8AC3E}">
-        <p14:creationId xmlns:p14="http://schemas.microsoft.com/office/powerpoint/2010/main" val="816688606"/>
+        <p14:creationId xmlns:p14="http://schemas.microsoft.com/office/powerpoint/2010/main" val="3151965917"/>
       </p:ext>
     </p:extLst>
   </p:cSld>
@@ -6849,7 +7881,7 @@
       </p:grpSpPr>
       <p:sp>
         <p:nvSpPr>
-          <p:cNvPr id="2" name="Title 1"/>
+          <p:cNvPr id="4" name="Title 3"/>
           <p:cNvSpPr>
             <a:spLocks noGrp="1"/>
           </p:cNvSpPr>
@@ -6859,12 +7891,34 @@
         </p:nvSpPr>
         <p:spPr/>
         <p:txBody>
-          <a:bodyPr/>
-          <a:lstStyle/>
-          <a:p>
-            <a:r>
-              <a:rPr lang="en-US" dirty="0" smtClean="0"/>
-              <a:t>Preprocessing</a:t>
+          <a:bodyPr>
+            <a:normAutofit/>
+          </a:bodyPr>
+          <a:lstStyle/>
+          <a:p>
+            <a:r>
+              <a:rPr lang="es-ES" dirty="0" err="1"/>
+              <a:t>Bot</a:t>
+            </a:r>
+            <a:r>
+              <a:rPr lang="es-ES" dirty="0"/>
+              <a:t> </a:t>
+            </a:r>
+            <a:r>
+              <a:rPr lang="es-ES" dirty="0" err="1" smtClean="0"/>
+              <a:t>Predicted</a:t>
+            </a:r>
+            <a:r>
+              <a:rPr lang="es-ES" dirty="0" smtClean="0"/>
+              <a:t> </a:t>
+            </a:r>
+            <a:r>
+              <a:rPr lang="es-ES" dirty="0"/>
+              <a:t>as </a:t>
+            </a:r>
+            <a:r>
+              <a:rPr lang="es-ES" dirty="0" smtClean="0"/>
+              <a:t>Human</a:t>
             </a:r>
             <a:endParaRPr lang="en-US" dirty="0"/>
           </a:p>
@@ -6872,39 +7926,226 @@
       </p:sp>
       <p:sp>
         <p:nvSpPr>
-          <p:cNvPr id="3" name="Content Placeholder 2"/>
-          <p:cNvSpPr>
-            <a:spLocks noGrp="1"/>
-          </p:cNvSpPr>
-          <p:nvPr>
-            <p:ph idx="1"/>
-          </p:nvPr>
-        </p:nvSpPr>
-        <p:spPr/>
-        <p:txBody>
-          <a:bodyPr/>
-          <a:lstStyle/>
-          <a:p>
-            <a:r>
-              <a:rPr lang="en-US" dirty="0" smtClean="0"/>
-              <a:t>N-grams</a:t>
-            </a:r>
-          </a:p>
-          <a:p>
-            <a:r>
-              <a:rPr lang="en-US" dirty="0" smtClean="0"/>
-              <a:t>URL and mention collapse</a:t>
-            </a:r>
-          </a:p>
-          <a:p>
+          <p:cNvPr id="5" name="Content Placeholder 4"/>
+          <p:cNvSpPr>
+            <a:spLocks noGrp="1"/>
+          </p:cNvSpPr>
+          <p:nvPr>
+            <p:ph sz="half" idx="1"/>
+          </p:nvPr>
+        </p:nvSpPr>
+        <p:spPr/>
+        <p:txBody>
+          <a:bodyPr>
+            <a:normAutofit fontScale="85000" lnSpcReduction="20000"/>
+          </a:bodyPr>
+          <a:lstStyle/>
+          <a:p>
+            <a:r>
+              <a:rPr lang="es-ES" i="1" dirty="0" smtClean="0"/>
+              <a:t>MENTION </a:t>
+            </a:r>
+            <a:r>
+              <a:rPr lang="es-ES" i="1" dirty="0" err="1" smtClean="0"/>
+              <a:t>MENTION</a:t>
+            </a:r>
+            <a:r>
+              <a:rPr lang="es-ES" i="1" dirty="0" smtClean="0"/>
+              <a:t>  otro ,que a lo mejor no sabe que es la </a:t>
+            </a:r>
+            <a:r>
+              <a:rPr lang="es-ES" i="1" dirty="0" err="1" smtClean="0"/>
+              <a:t>udef</a:t>
+            </a:r>
+            <a:r>
+              <a:rPr lang="es-ES" i="1" dirty="0" smtClean="0"/>
+              <a:t> </a:t>
+            </a:r>
+            <a:endParaRPr lang="es-ES" i="1" dirty="0"/>
+          </a:p>
+          <a:p>
+            <a:r>
+              <a:rPr lang="es-ES" dirty="0"/>
+              <a:t>Top </a:t>
+            </a:r>
+            <a:r>
+              <a:rPr lang="es-ES" dirty="0" err="1"/>
+              <a:t>Terms</a:t>
+            </a:r>
+            <a:r>
+              <a:rPr lang="es-ES" dirty="0"/>
+              <a:t>:</a:t>
+            </a:r>
+          </a:p>
+          <a:p>
+            <a:pPr lvl="1"/>
+            <a:r>
+              <a:rPr lang="es-ES" b="1" dirty="0"/>
+              <a:t>que -2.025</a:t>
+            </a:r>
+          </a:p>
+          <a:p>
+            <a:pPr lvl="1"/>
+            <a:r>
+              <a:rPr lang="es-ES" b="1" dirty="0"/>
+              <a:t>es -1.541</a:t>
+            </a:r>
+          </a:p>
+          <a:p>
+            <a:pPr lvl="1"/>
+            <a:r>
+              <a:rPr lang="es-ES" dirty="0" err="1" smtClean="0"/>
+              <a:t>mention</a:t>
+            </a:r>
+            <a:r>
+              <a:rPr lang="es-ES" dirty="0" smtClean="0"/>
+              <a:t> </a:t>
+            </a:r>
+            <a:r>
+              <a:rPr lang="es-ES" dirty="0"/>
+              <a:t>-1.537</a:t>
+            </a:r>
+          </a:p>
+          <a:p>
+            <a:pPr lvl="1"/>
+            <a:r>
+              <a:rPr lang="es-ES" dirty="0"/>
+              <a:t>lo -0.665</a:t>
+            </a:r>
+          </a:p>
+          <a:p>
+            <a:pPr lvl="1"/>
+            <a:r>
+              <a:rPr lang="es-ES" dirty="0"/>
+              <a:t>sabe -0.627</a:t>
+            </a:r>
+          </a:p>
+          <a:p>
+            <a:pPr lvl="1"/>
+            <a:r>
+              <a:rPr lang="es-ES" dirty="0"/>
+              <a:t>otro -0.560</a:t>
+            </a:r>
+          </a:p>
+          <a:p>
+            <a:pPr lvl="1"/>
+            <a:r>
+              <a:rPr lang="es-ES" dirty="0"/>
+              <a:t>no -0.382</a:t>
+            </a:r>
+          </a:p>
+          <a:p>
+            <a:pPr lvl="1"/>
+            <a:r>
+              <a:rPr lang="es-ES" dirty="0"/>
+              <a:t>la -0.292</a:t>
+            </a:r>
+          </a:p>
+          <a:p>
+            <a:pPr lvl="1"/>
+            <a:r>
+              <a:rPr lang="es-ES" dirty="0"/>
+              <a:t>mejor -0.255</a:t>
+            </a:r>
+          </a:p>
+          <a:p>
+            <a:pPr lvl="1"/>
+            <a:r>
+              <a:rPr lang="es-ES" dirty="0"/>
+              <a:t>a -0.204</a:t>
+            </a:r>
             <a:endParaRPr lang="en-US" dirty="0"/>
+          </a:p>
+        </p:txBody>
+      </p:sp>
+      <p:sp>
+        <p:nvSpPr>
+          <p:cNvPr id="6" name="Content Placeholder 5"/>
+          <p:cNvSpPr>
+            <a:spLocks noGrp="1"/>
+          </p:cNvSpPr>
+          <p:nvPr>
+            <p:ph sz="half" idx="2"/>
+          </p:nvPr>
+        </p:nvSpPr>
+        <p:spPr/>
+        <p:txBody>
+          <a:bodyPr>
+            <a:normAutofit fontScale="85000" lnSpcReduction="20000"/>
+          </a:bodyPr>
+          <a:lstStyle/>
+          <a:p>
+            <a:pPr marL="0" indent="0">
+              <a:buNone/>
+            </a:pPr>
+            <a:r>
+              <a:rPr lang="en-US" i="1" dirty="0" err="1"/>
+              <a:t>pred</a:t>
+            </a:r>
+            <a:r>
+              <a:rPr lang="en-US" i="1" dirty="0"/>
+              <a:t>=0 (0.972298) truth=1 </a:t>
+            </a:r>
+          </a:p>
+          <a:p>
+            <a:pPr marL="0" indent="0">
+              <a:buNone/>
+            </a:pPr>
+            <a:r>
+              <a:rPr lang="en-US" i="1" dirty="0"/>
+              <a:t>text=</a:t>
+            </a:r>
+            <a:r>
+              <a:rPr lang="en-US" i="1" dirty="0" err="1"/>
+              <a:t>rt</a:t>
+            </a:r>
+            <a:r>
+              <a:rPr lang="en-US" i="1" dirty="0"/>
+              <a:t> </a:t>
+            </a:r>
+            <a:r>
+              <a:rPr lang="en-US" i="1" dirty="0" smtClean="0"/>
+              <a:t>MENTION </a:t>
+            </a:r>
+            <a:r>
+              <a:rPr lang="en-US" i="1" dirty="0"/>
+              <a:t>👻 </a:t>
+            </a:r>
+          </a:p>
+          <a:p>
+            <a:r>
+              <a:rPr lang="en-US" dirty="0"/>
+              <a:t>Top Terms:</a:t>
+            </a:r>
+          </a:p>
+          <a:p>
+            <a:pPr lvl="1"/>
+            <a:r>
+              <a:rPr lang="en-US" b="1" dirty="0" err="1"/>
+              <a:t>rt</a:t>
+            </a:r>
+            <a:r>
+              <a:rPr lang="en-US" b="1" dirty="0"/>
+              <a:t> -1.973</a:t>
+            </a:r>
+          </a:p>
+          <a:p>
+            <a:pPr lvl="1"/>
+            <a:r>
+              <a:rPr lang="en-US" b="1" dirty="0" smtClean="0"/>
+              <a:t>mention </a:t>
+            </a:r>
+            <a:r>
+              <a:rPr lang="en-US" b="1" dirty="0"/>
+              <a:t>-1.537</a:t>
+            </a:r>
           </a:p>
         </p:txBody>
       </p:sp>
     </p:spTree>
     <p:extLst>
       <p:ext uri="{BB962C8B-B14F-4D97-AF65-F5344CB8AC3E}">
-        <p14:creationId xmlns:p14="http://schemas.microsoft.com/office/powerpoint/2010/main" val="827736869"/>
+        <p14:creationId xmlns:p14="http://schemas.microsoft.com/office/powerpoint/2010/main" val="4204767550"/>
       </p:ext>
     </p:extLst>
   </p:cSld>
